--- a/Part4 - Express/EXPRESS JS.pptx
+++ b/Part4 - Express/EXPRESS JS.pptx
@@ -5,7 +5,7 @@
     <p:sldMasterId id="2147483792" r:id="rId1"/>
   </p:sldMasterIdLst>
   <p:notesMasterIdLst>
-    <p:notesMasterId r:id="rId29"/>
+    <p:notesMasterId r:id="rId41"/>
   </p:notesMasterIdLst>
   <p:sldIdLst>
     <p:sldId id="256" r:id="rId2"/>
@@ -35,6 +35,18 @@
     <p:sldId id="280" r:id="rId26"/>
     <p:sldId id="281" r:id="rId27"/>
     <p:sldId id="282" r:id="rId28"/>
+    <p:sldId id="283" r:id="rId29"/>
+    <p:sldId id="284" r:id="rId30"/>
+    <p:sldId id="285" r:id="rId31"/>
+    <p:sldId id="286" r:id="rId32"/>
+    <p:sldId id="287" r:id="rId33"/>
+    <p:sldId id="288" r:id="rId34"/>
+    <p:sldId id="289" r:id="rId35"/>
+    <p:sldId id="290" r:id="rId36"/>
+    <p:sldId id="291" r:id="rId37"/>
+    <p:sldId id="292" r:id="rId38"/>
+    <p:sldId id="293" r:id="rId39"/>
+    <p:sldId id="294" r:id="rId40"/>
   </p:sldIdLst>
   <p:sldSz cx="12192000" cy="6858000"/>
   <p:notesSz cx="6858000" cy="9144000"/>
@@ -223,7 +235,7 @@
           <a:p>
             <a:fld id="{888CBB92-340E-4111-B19B-049764CA8F66}" type="datetimeFigureOut">
               <a:rPr lang="en-ZA" smtClean="0"/>
-              <a:t>2016-06-05</a:t>
+              <a:t>2016-06-12</a:t>
             </a:fld>
             <a:endParaRPr lang="en-ZA"/>
           </a:p>
@@ -556,7 +568,7 @@
           <a:p>
             <a:fld id="{325FAB6F-F295-44F7-B511-A16B864003EE}" type="slidenum">
               <a:rPr lang="en-ZA" smtClean="0"/>
-              <a:t>2</a:t>
+              <a:t>1</a:t>
             </a:fld>
             <a:endParaRPr lang="en-ZA"/>
           </a:p>
@@ -565,7 +577,7 @@
     </p:spTree>
     <p:extLst>
       <p:ext uri="{BB962C8B-B14F-4D97-AF65-F5344CB8AC3E}">
-        <p14:creationId xmlns:p14="http://schemas.microsoft.com/office/powerpoint/2010/main" val="2552923748"/>
+        <p14:creationId xmlns:p14="http://schemas.microsoft.com/office/powerpoint/2010/main" val="2980006707"/>
       </p:ext>
     </p:extLst>
   </p:cSld>
@@ -619,59 +631,6 @@
           <a:bodyPr/>
           <a:lstStyle/>
           <a:p>
-            <a:r>
-              <a:rPr lang="en-ZA" dirty="0" smtClean="0"/>
-              <a:t>Route parameters allow us</a:t>
-            </a:r>
-            <a:r>
-              <a:rPr lang="en-ZA" baseline="0" dirty="0" smtClean="0"/>
-              <a:t> to capture parameters straight from parts of our URI. </a:t>
-            </a:r>
-          </a:p>
-          <a:p>
-            <a:endParaRPr lang="en-ZA" baseline="0" dirty="0" smtClean="0"/>
-          </a:p>
-          <a:p>
-            <a:r>
-              <a:rPr lang="en-ZA" baseline="0" dirty="0" smtClean="0"/>
-              <a:t>For example, if  </a:t>
-            </a:r>
-            <a:r>
-              <a:rPr lang="en-ZA" sz="1200" kern="1200" dirty="0" smtClean="0">
-                <a:solidFill>
-                  <a:schemeClr val="tx1"/>
-                </a:solidFill>
-                <a:effectLst/>
-                <a:latin typeface="+mn-lt"/>
-                <a:ea typeface="+mn-ea"/>
-                <a:cs typeface="+mn-cs"/>
-              </a:rPr>
-              <a:t>'/path/:</a:t>
-            </a:r>
-            <a:r>
-              <a:rPr lang="en-ZA" sz="1200" kern="1200" dirty="0" err="1" smtClean="0">
-                <a:solidFill>
-                  <a:schemeClr val="tx1"/>
-                </a:solidFill>
-                <a:effectLst/>
-                <a:latin typeface="+mn-lt"/>
-                <a:ea typeface="+mn-ea"/>
-                <a:cs typeface="+mn-cs"/>
-              </a:rPr>
-              <a:t>routeParamName</a:t>
-            </a:r>
-            <a:r>
-              <a:rPr lang="en-ZA" sz="1200" kern="1200" dirty="0" smtClean="0">
-                <a:solidFill>
-                  <a:schemeClr val="tx1"/>
-                </a:solidFill>
-                <a:effectLst/>
-                <a:latin typeface="+mn-lt"/>
-                <a:ea typeface="+mn-ea"/>
-                <a:cs typeface="+mn-cs"/>
-              </a:rPr>
-              <a:t>’</a:t>
-            </a:r>
             <a:endParaRPr lang="en-ZA" dirty="0"/>
           </a:p>
         </p:txBody>
@@ -693,7 +652,7 @@
           <a:p>
             <a:fld id="{325FAB6F-F295-44F7-B511-A16B864003EE}" type="slidenum">
               <a:rPr lang="en-ZA" smtClean="0"/>
-              <a:t>11</a:t>
+              <a:t>10</a:t>
             </a:fld>
             <a:endParaRPr lang="en-ZA"/>
           </a:p>
@@ -702,7 +661,7 @@
     </p:spTree>
     <p:extLst>
       <p:ext uri="{BB962C8B-B14F-4D97-AF65-F5344CB8AC3E}">
-        <p14:creationId xmlns:p14="http://schemas.microsoft.com/office/powerpoint/2010/main" val="3962353087"/>
+        <p14:creationId xmlns:p14="http://schemas.microsoft.com/office/powerpoint/2010/main" val="386518934"/>
       </p:ext>
     </p:extLst>
   </p:cSld>
@@ -758,55 +717,57 @@
           <a:p>
             <a:r>
               <a:rPr lang="en-ZA" dirty="0" smtClean="0"/>
-              <a:t>As an example, we can get a particular post with</a:t>
+              <a:t>Route parameters allow us</a:t>
             </a:r>
             <a:r>
               <a:rPr lang="en-ZA" baseline="0" dirty="0" smtClean="0"/>
-              <a:t> </a:t>
-            </a:r>
-            <a:r>
-              <a:rPr lang="en-ZA" baseline="0" dirty="0" err="1" smtClean="0"/>
-              <a:t>postId</a:t>
-            </a:r>
+              <a:t> to capture parameters straight from parts of our URI. </a:t>
+            </a:r>
+          </a:p>
+          <a:p>
+            <a:endParaRPr lang="en-ZA" baseline="0" dirty="0" smtClean="0"/>
+          </a:p>
+          <a:p>
             <a:r>
               <a:rPr lang="en-ZA" baseline="0" dirty="0" smtClean="0"/>
-              <a:t> at “/posts/</a:t>
-            </a:r>
-            <a:r>
-              <a:rPr lang="en-ZA" baseline="0" dirty="0" err="1" smtClean="0"/>
-              <a:t>postId</a:t>
-            </a:r>
-            <a:r>
-              <a:rPr lang="en-ZA" baseline="0" dirty="0" smtClean="0"/>
-              <a:t>”</a:t>
-            </a:r>
-            <a:endParaRPr lang="en-ZA" dirty="0" smtClean="0"/>
-          </a:p>
-          <a:p>
-            <a:endParaRPr lang="en-ZA" dirty="0" smtClean="0"/>
-          </a:p>
-          <a:p>
-            <a:r>
-              <a:rPr lang="en-ZA" dirty="0" smtClean="0"/>
-              <a:t>If</a:t>
-            </a:r>
-            <a:r>
-              <a:rPr lang="en-ZA" baseline="0" dirty="0" smtClean="0"/>
-              <a:t> we have more than one route parameter, they can all be accessed in the </a:t>
-            </a:r>
-            <a:r>
-              <a:rPr lang="en-ZA" baseline="0" dirty="0" err="1" smtClean="0"/>
-              <a:t>req.params</a:t>
-            </a:r>
-            <a:r>
-              <a:rPr lang="en-ZA" baseline="0" dirty="0" smtClean="0"/>
-              <a:t> object.</a:t>
-            </a:r>
-          </a:p>
-          <a:p>
-            <a:endParaRPr lang="en-ZA" baseline="0" dirty="0" smtClean="0"/>
-          </a:p>
-          <a:p>
+              <a:t>For example, if  </a:t>
+            </a:r>
+            <a:r>
+              <a:rPr lang="en-ZA" sz="1200" kern="1200" dirty="0" smtClean="0">
+                <a:solidFill>
+                  <a:schemeClr val="tx1"/>
+                </a:solidFill>
+                <a:effectLst/>
+                <a:latin typeface="+mn-lt"/>
+                <a:ea typeface="+mn-ea"/>
+                <a:cs typeface="+mn-cs"/>
+              </a:rPr>
+              <a:t>'/path/:</a:t>
+            </a:r>
+            <a:r>
+              <a:rPr lang="en-ZA" sz="1200" kern="1200" dirty="0" err="1" smtClean="0">
+                <a:solidFill>
+                  <a:schemeClr val="tx1"/>
+                </a:solidFill>
+                <a:effectLst/>
+                <a:latin typeface="+mn-lt"/>
+                <a:ea typeface="+mn-ea"/>
+                <a:cs typeface="+mn-cs"/>
+              </a:rPr>
+              <a:t>routeParamName</a:t>
+            </a:r>
+            <a:r>
+              <a:rPr lang="en-ZA" sz="1200" kern="1200" dirty="0" smtClean="0">
+                <a:solidFill>
+                  <a:schemeClr val="tx1"/>
+                </a:solidFill>
+                <a:effectLst/>
+                <a:latin typeface="+mn-lt"/>
+                <a:ea typeface="+mn-ea"/>
+                <a:cs typeface="+mn-cs"/>
+              </a:rPr>
+              <a:t>’</a:t>
+            </a:r>
             <a:endParaRPr lang="en-ZA" dirty="0"/>
           </a:p>
         </p:txBody>
@@ -828,7 +789,7 @@
           <a:p>
             <a:fld id="{325FAB6F-F295-44F7-B511-A16B864003EE}" type="slidenum">
               <a:rPr lang="en-ZA" smtClean="0"/>
-              <a:t>12</a:t>
+              <a:t>11</a:t>
             </a:fld>
             <a:endParaRPr lang="en-ZA"/>
           </a:p>
@@ -837,7 +798,7 @@
     </p:spTree>
     <p:extLst>
       <p:ext uri="{BB962C8B-B14F-4D97-AF65-F5344CB8AC3E}">
-        <p14:creationId xmlns:p14="http://schemas.microsoft.com/office/powerpoint/2010/main" val="2114755238"/>
+        <p14:creationId xmlns:p14="http://schemas.microsoft.com/office/powerpoint/2010/main" val="3962353087"/>
       </p:ext>
     </p:extLst>
   </p:cSld>
@@ -893,22 +854,56 @@
           <a:p>
             <a:r>
               <a:rPr lang="en-ZA" dirty="0" smtClean="0"/>
-              <a:t>When using route parameters,</a:t>
+              <a:t>As an example, we can get a particular post with</a:t>
             </a:r>
             <a:r>
               <a:rPr lang="en-ZA" baseline="0" dirty="0" smtClean="0"/>
-              <a:t> there is one thing to keep in mind  - Order of routes becomes important.</a:t>
-            </a:r>
-          </a:p>
-          <a:p>
+              <a:t> </a:t>
+            </a:r>
+            <a:r>
+              <a:rPr lang="en-ZA" baseline="0" dirty="0" err="1" smtClean="0"/>
+              <a:t>postId</a:t>
+            </a:r>
             <a:r>
               <a:rPr lang="en-ZA" baseline="0" dirty="0" smtClean="0"/>
-              <a:t>This is best explained through the use of an example. </a:t>
+              <a:t> at “/posts/</a:t>
+            </a:r>
+            <a:r>
+              <a:rPr lang="en-ZA" baseline="0" dirty="0" err="1" smtClean="0"/>
+              <a:t>postId</a:t>
+            </a:r>
+            <a:r>
+              <a:rPr lang="en-ZA" baseline="0" dirty="0" smtClean="0"/>
+              <a:t>”</a:t>
             </a:r>
             <a:endParaRPr lang="en-ZA" dirty="0" smtClean="0"/>
           </a:p>
           <a:p>
             <a:endParaRPr lang="en-ZA" dirty="0" smtClean="0"/>
+          </a:p>
+          <a:p>
+            <a:r>
+              <a:rPr lang="en-ZA" dirty="0" smtClean="0"/>
+              <a:t>If</a:t>
+            </a:r>
+            <a:r>
+              <a:rPr lang="en-ZA" baseline="0" dirty="0" smtClean="0"/>
+              <a:t> we have more than one route parameter, they can all be accessed in the </a:t>
+            </a:r>
+            <a:r>
+              <a:rPr lang="en-ZA" baseline="0" dirty="0" err="1" smtClean="0"/>
+              <a:t>req.params</a:t>
+            </a:r>
+            <a:r>
+              <a:rPr lang="en-ZA" baseline="0" dirty="0" smtClean="0"/>
+              <a:t> object.</a:t>
+            </a:r>
+          </a:p>
+          <a:p>
+            <a:endParaRPr lang="en-ZA" baseline="0" dirty="0" smtClean="0"/>
+          </a:p>
+          <a:p>
+            <a:endParaRPr lang="en-ZA" dirty="0"/>
           </a:p>
         </p:txBody>
       </p:sp>
@@ -929,7 +924,7 @@
           <a:p>
             <a:fld id="{325FAB6F-F295-44F7-B511-A16B864003EE}" type="slidenum">
               <a:rPr lang="en-ZA" smtClean="0"/>
-              <a:t>13</a:t>
+              <a:t>12</a:t>
             </a:fld>
             <a:endParaRPr lang="en-ZA"/>
           </a:p>
@@ -938,7 +933,7 @@
     </p:spTree>
     <p:extLst>
       <p:ext uri="{BB962C8B-B14F-4D97-AF65-F5344CB8AC3E}">
-        <p14:creationId xmlns:p14="http://schemas.microsoft.com/office/powerpoint/2010/main" val="2160740845"/>
+        <p14:creationId xmlns:p14="http://schemas.microsoft.com/office/powerpoint/2010/main" val="2114755238"/>
       </p:ext>
     </p:extLst>
   </p:cSld>
@@ -994,31 +989,22 @@
           <a:p>
             <a:r>
               <a:rPr lang="en-ZA" dirty="0" smtClean="0"/>
-              <a:t>Positioning of handlers with route parameters. </a:t>
-            </a:r>
-          </a:p>
-          <a:p>
+              <a:t>When using route parameters,</a:t>
+            </a:r>
+            <a:r>
+              <a:rPr lang="en-ZA" baseline="0" dirty="0" smtClean="0"/>
+              <a:t> there is one thing to keep in mind  - Order of routes becomes important.</a:t>
+            </a:r>
+          </a:p>
+          <a:p>
+            <a:r>
+              <a:rPr lang="en-ZA" baseline="0" dirty="0" smtClean="0"/>
+              <a:t>This is best explained through the use of an example. </a:t>
+            </a:r>
             <a:endParaRPr lang="en-ZA" dirty="0" smtClean="0"/>
           </a:p>
           <a:p>
-            <a:r>
-              <a:rPr lang="en-ZA" dirty="0" smtClean="0"/>
-              <a:t>Anyone want</a:t>
-            </a:r>
-            <a:r>
-              <a:rPr lang="en-ZA" baseline="0" dirty="0" smtClean="0"/>
-              <a:t> to take a guess?</a:t>
-            </a:r>
-          </a:p>
-          <a:p>
-            <a:endParaRPr lang="en-ZA" baseline="0" dirty="0" smtClean="0"/>
-          </a:p>
-          <a:p>
-            <a:r>
-              <a:rPr lang="en-ZA" baseline="0" dirty="0" smtClean="0"/>
-              <a:t>**Show example in code**</a:t>
-            </a:r>
-            <a:endParaRPr lang="en-ZA" dirty="0"/>
+            <a:endParaRPr lang="en-ZA" dirty="0" smtClean="0"/>
           </a:p>
         </p:txBody>
       </p:sp>
@@ -1039,7 +1025,7 @@
           <a:p>
             <a:fld id="{325FAB6F-F295-44F7-B511-A16B864003EE}" type="slidenum">
               <a:rPr lang="en-ZA" smtClean="0"/>
-              <a:t>14</a:t>
+              <a:t>13</a:t>
             </a:fld>
             <a:endParaRPr lang="en-ZA"/>
           </a:p>
@@ -1048,7 +1034,7 @@
     </p:spTree>
     <p:extLst>
       <p:ext uri="{BB962C8B-B14F-4D97-AF65-F5344CB8AC3E}">
-        <p14:creationId xmlns:p14="http://schemas.microsoft.com/office/powerpoint/2010/main" val="3812115100"/>
+        <p14:creationId xmlns:p14="http://schemas.microsoft.com/office/powerpoint/2010/main" val="2160740845"/>
       </p:ext>
     </p:extLst>
   </p:cSld>
@@ -1102,6 +1088,32 @@
           <a:bodyPr/>
           <a:lstStyle/>
           <a:p>
+            <a:r>
+              <a:rPr lang="en-ZA" dirty="0" smtClean="0"/>
+              <a:t>Positioning of handlers with route parameters. </a:t>
+            </a:r>
+          </a:p>
+          <a:p>
+            <a:endParaRPr lang="en-ZA" dirty="0" smtClean="0"/>
+          </a:p>
+          <a:p>
+            <a:r>
+              <a:rPr lang="en-ZA" dirty="0" smtClean="0"/>
+              <a:t>Anyone want</a:t>
+            </a:r>
+            <a:r>
+              <a:rPr lang="en-ZA" baseline="0" dirty="0" smtClean="0"/>
+              <a:t> to take a guess?</a:t>
+            </a:r>
+          </a:p>
+          <a:p>
+            <a:endParaRPr lang="en-ZA" baseline="0" dirty="0" smtClean="0"/>
+          </a:p>
+          <a:p>
+            <a:r>
+              <a:rPr lang="en-ZA" baseline="0" dirty="0" smtClean="0"/>
+              <a:t>**Show example in code**</a:t>
+            </a:r>
             <a:endParaRPr lang="en-ZA" dirty="0"/>
           </a:p>
         </p:txBody>
@@ -1123,7 +1135,7 @@
           <a:p>
             <a:fld id="{325FAB6F-F295-44F7-B511-A16B864003EE}" type="slidenum">
               <a:rPr lang="en-ZA" smtClean="0"/>
-              <a:t>15</a:t>
+              <a:t>14</a:t>
             </a:fld>
             <a:endParaRPr lang="en-ZA"/>
           </a:p>
@@ -1132,7 +1144,7 @@
     </p:spTree>
     <p:extLst>
       <p:ext uri="{BB962C8B-B14F-4D97-AF65-F5344CB8AC3E}">
-        <p14:creationId xmlns:p14="http://schemas.microsoft.com/office/powerpoint/2010/main" val="1653571395"/>
+        <p14:creationId xmlns:p14="http://schemas.microsoft.com/office/powerpoint/2010/main" val="3812115100"/>
       </p:ext>
     </p:extLst>
   </p:cSld>
@@ -1186,48 +1198,6 @@
           <a:bodyPr/>
           <a:lstStyle/>
           <a:p>
-            <a:pPr marL="0" marR="0" indent="0" algn="l" defTabSz="914400" rtl="0" eaLnBrk="1" fontAlgn="auto" latinLnBrk="0" hangingPunct="1">
-              <a:lnSpc>
-                <a:spcPct val="100000"/>
-              </a:lnSpc>
-              <a:spcBef>
-                <a:spcPts val="0"/>
-              </a:spcBef>
-              <a:spcAft>
-                <a:spcPts val="0"/>
-              </a:spcAft>
-              <a:buClrTx/>
-              <a:buSzTx/>
-              <a:buFontTx/>
-              <a:buNone/>
-              <a:tabLst/>
-              <a:defRPr/>
-            </a:pPr>
-            <a:r>
-              <a:rPr lang="en-ZA" sz="1200" kern="1200" dirty="0" smtClean="0">
-                <a:solidFill>
-                  <a:schemeClr val="tx1"/>
-                </a:solidFill>
-                <a:effectLst/>
-                <a:latin typeface="+mn-lt"/>
-                <a:ea typeface="+mn-ea"/>
-                <a:cs typeface="+mn-cs"/>
-              </a:rPr>
-              <a:t>For example, we can encapsulate all functionality pertaining to blog posts in one router (like a mini app), Any routes related to blog post resources will be delegated to this router. </a:t>
-            </a:r>
-          </a:p>
-          <a:p>
-            <a:endParaRPr lang="en-ZA" dirty="0" smtClean="0"/>
-          </a:p>
-          <a:p>
-            <a:r>
-              <a:rPr lang="en-ZA" dirty="0" smtClean="0"/>
-              <a:t>Note that</a:t>
-            </a:r>
-            <a:r>
-              <a:rPr lang="en-ZA" baseline="0" dirty="0" smtClean="0"/>
-              <a:t> the exports of our object is JUST the router – This is important. </a:t>
-            </a:r>
             <a:endParaRPr lang="en-ZA" dirty="0"/>
           </a:p>
         </p:txBody>
@@ -1249,7 +1219,7 @@
           <a:p>
             <a:fld id="{325FAB6F-F295-44F7-B511-A16B864003EE}" type="slidenum">
               <a:rPr lang="en-ZA" smtClean="0"/>
-              <a:t>17</a:t>
+              <a:t>15</a:t>
             </a:fld>
             <a:endParaRPr lang="en-ZA"/>
           </a:p>
@@ -1258,7 +1228,7 @@
     </p:spTree>
     <p:extLst>
       <p:ext uri="{BB962C8B-B14F-4D97-AF65-F5344CB8AC3E}">
-        <p14:creationId xmlns:p14="http://schemas.microsoft.com/office/powerpoint/2010/main" val="2572279641"/>
+        <p14:creationId xmlns:p14="http://schemas.microsoft.com/office/powerpoint/2010/main" val="1653571395"/>
       </p:ext>
     </p:extLst>
   </p:cSld>
@@ -1312,19 +1282,23 @@
           <a:bodyPr/>
           <a:lstStyle/>
           <a:p>
-            <a:r>
-              <a:rPr lang="en-ZA" dirty="0" smtClean="0"/>
-              <a:t>Where “./posts” is</a:t>
-            </a:r>
-            <a:r>
-              <a:rPr lang="en-ZA" baseline="0" dirty="0" smtClean="0"/>
-              <a:t> the relative path of the posts module</a:t>
-            </a:r>
-          </a:p>
-          <a:p>
-            <a:endParaRPr lang="en-ZA" baseline="0" dirty="0" smtClean="0"/>
-          </a:p>
-          <a:p>
+            <a:pPr marL="0" marR="0" indent="0" algn="l" defTabSz="914400" rtl="0" eaLnBrk="1" fontAlgn="auto" latinLnBrk="0" hangingPunct="1">
+              <a:lnSpc>
+                <a:spcPct val="100000"/>
+              </a:lnSpc>
+              <a:spcBef>
+                <a:spcPts val="0"/>
+              </a:spcBef>
+              <a:spcAft>
+                <a:spcPts val="0"/>
+              </a:spcAft>
+              <a:buClrTx/>
+              <a:buSzTx/>
+              <a:buFontTx/>
+              <a:buNone/>
+              <a:tabLst/>
+              <a:defRPr/>
+            </a:pPr>
             <a:r>
               <a:rPr lang="en-ZA" sz="1200" kern="1200" dirty="0" smtClean="0">
                 <a:solidFill>
@@ -1335,41 +1309,22 @@
                 <a:ea typeface="+mn-ea"/>
                 <a:cs typeface="+mn-cs"/>
               </a:rPr>
-              <a:t>The obvious benefit of this is realised in large applications where one might have hundreds of routes. Keeping all the handlers to these routes in one file would become a maintenance nightmare.</a:t>
-            </a:r>
-          </a:p>
-          <a:p>
-            <a:endParaRPr lang="en-ZA" sz="1200" kern="1200" dirty="0" smtClean="0">
-              <a:solidFill>
-                <a:schemeClr val="tx1"/>
-              </a:solidFill>
-              <a:effectLst/>
-              <a:latin typeface="+mn-lt"/>
-              <a:ea typeface="+mn-ea"/>
-              <a:cs typeface="+mn-cs"/>
-            </a:endParaRPr>
-          </a:p>
-          <a:p>
-            <a:endParaRPr lang="en-ZA" sz="1200" kern="1200" dirty="0" smtClean="0">
-              <a:solidFill>
-                <a:schemeClr val="tx1"/>
-              </a:solidFill>
-              <a:effectLst/>
-              <a:latin typeface="+mn-lt"/>
-              <a:ea typeface="+mn-ea"/>
-              <a:cs typeface="+mn-cs"/>
-            </a:endParaRPr>
-          </a:p>
-          <a:p>
-            <a:endParaRPr lang="en-ZA" sz="1200" kern="1200" dirty="0" smtClean="0">
-              <a:solidFill>
-                <a:schemeClr val="tx1"/>
-              </a:solidFill>
-              <a:effectLst/>
-              <a:latin typeface="+mn-lt"/>
-              <a:ea typeface="+mn-ea"/>
-              <a:cs typeface="+mn-cs"/>
-            </a:endParaRPr>
+              <a:t>For example, we can encapsulate all functionality pertaining to blog posts in one router (like a mini app), Any routes related to blog post resources will be delegated to this router. </a:t>
+            </a:r>
+          </a:p>
+          <a:p>
+            <a:endParaRPr lang="en-ZA" dirty="0" smtClean="0"/>
+          </a:p>
+          <a:p>
+            <a:r>
+              <a:rPr lang="en-ZA" dirty="0" smtClean="0"/>
+              <a:t>Note that</a:t>
+            </a:r>
+            <a:r>
+              <a:rPr lang="en-ZA" baseline="0" dirty="0" smtClean="0"/>
+              <a:t> the exports of our object is JUST the router – This is important. </a:t>
+            </a:r>
+            <a:endParaRPr lang="en-ZA" dirty="0"/>
           </a:p>
         </p:txBody>
       </p:sp>
@@ -1390,7 +1345,7 @@
           <a:p>
             <a:fld id="{325FAB6F-F295-44F7-B511-A16B864003EE}" type="slidenum">
               <a:rPr lang="en-ZA" smtClean="0"/>
-              <a:t>18</a:t>
+              <a:t>17</a:t>
             </a:fld>
             <a:endParaRPr lang="en-ZA"/>
           </a:p>
@@ -1399,7 +1354,7 @@
     </p:spTree>
     <p:extLst>
       <p:ext uri="{BB962C8B-B14F-4D97-AF65-F5344CB8AC3E}">
-        <p14:creationId xmlns:p14="http://schemas.microsoft.com/office/powerpoint/2010/main" val="1368132702"/>
+        <p14:creationId xmlns:p14="http://schemas.microsoft.com/office/powerpoint/2010/main" val="2572279641"/>
       </p:ext>
     </p:extLst>
   </p:cSld>
@@ -1453,23 +1408,19 @@
           <a:bodyPr/>
           <a:lstStyle/>
           <a:p>
-            <a:pPr marL="0" marR="0" indent="0" algn="l" defTabSz="914400" rtl="0" eaLnBrk="1" fontAlgn="auto" latinLnBrk="0" hangingPunct="1">
-              <a:lnSpc>
-                <a:spcPct val="100000"/>
-              </a:lnSpc>
-              <a:spcBef>
-                <a:spcPts val="0"/>
-              </a:spcBef>
-              <a:spcAft>
-                <a:spcPts val="0"/>
-              </a:spcAft>
-              <a:buClrTx/>
-              <a:buSzTx/>
-              <a:buFontTx/>
-              <a:buNone/>
-              <a:tabLst/>
-              <a:defRPr/>
-            </a:pPr>
+            <a:r>
+              <a:rPr lang="en-ZA" dirty="0" smtClean="0"/>
+              <a:t>Where “./posts” is</a:t>
+            </a:r>
+            <a:r>
+              <a:rPr lang="en-ZA" baseline="0" dirty="0" smtClean="0"/>
+              <a:t> the relative path of the posts module</a:t>
+            </a:r>
+          </a:p>
+          <a:p>
+            <a:endParaRPr lang="en-ZA" baseline="0" dirty="0" smtClean="0"/>
+          </a:p>
+          <a:p>
             <a:r>
               <a:rPr lang="en-ZA" sz="1200" kern="1200" dirty="0" smtClean="0">
                 <a:solidFill>
@@ -1480,50 +1431,41 @@
                 <a:ea typeface="+mn-ea"/>
                 <a:cs typeface="+mn-cs"/>
               </a:rPr>
-              <a:t>A middleware function is one that can </a:t>
-            </a:r>
-            <a:r>
-              <a:rPr lang="en-ZA" sz="1200" i="1" kern="1200" dirty="0" smtClean="0">
-                <a:solidFill>
-                  <a:schemeClr val="tx1"/>
-                </a:solidFill>
-                <a:effectLst/>
-                <a:latin typeface="+mn-lt"/>
-                <a:ea typeface="+mn-ea"/>
-                <a:cs typeface="+mn-cs"/>
-              </a:rPr>
-              <a:t>assist</a:t>
-            </a:r>
-            <a:r>
-              <a:rPr lang="en-ZA" sz="1200" kern="1200" dirty="0" smtClean="0">
-                <a:solidFill>
-                  <a:schemeClr val="tx1"/>
-                </a:solidFill>
-                <a:effectLst/>
-                <a:latin typeface="+mn-lt"/>
-                <a:ea typeface="+mn-ea"/>
-                <a:cs typeface="+mn-cs"/>
-              </a:rPr>
-              <a:t> in the processing of a request by performing a specific function without necessarily responding to the request – although it may. For example, we can have middleware to authenticate a user on every request. Or, we could have middleware to log every request that comes onto our site. </a:t>
-            </a:r>
-          </a:p>
-          <a:p>
-            <a:endParaRPr lang="en-ZA" dirty="0" smtClean="0"/>
-          </a:p>
-          <a:p>
-            <a:r>
-              <a:rPr lang="en-ZA" sz="1200" kern="1200" dirty="0" smtClean="0">
-                <a:solidFill>
-                  <a:schemeClr val="tx1"/>
-                </a:solidFill>
-                <a:effectLst/>
-                <a:latin typeface="+mn-lt"/>
-                <a:ea typeface="+mn-ea"/>
-                <a:cs typeface="+mn-cs"/>
-              </a:rPr>
-              <a:t>A middleware function may or may not respond to a request. In the case that it does not respond to the request, it will pass control over to the next middleware or route handler. If one middleware responds to a request then the processing pipeline can be ended and any middleware that was yet to be invoked ignored. </a:t>
-            </a:r>
-            <a:endParaRPr lang="en-ZA" dirty="0" smtClean="0"/>
+              <a:t>The obvious benefit of this is realised in large applications where one might have hundreds of routes. Keeping all the handlers to these routes in one file would become a maintenance nightmare.</a:t>
+            </a:r>
+          </a:p>
+          <a:p>
+            <a:endParaRPr lang="en-ZA" sz="1200" kern="1200" dirty="0" smtClean="0">
+              <a:solidFill>
+                <a:schemeClr val="tx1"/>
+              </a:solidFill>
+              <a:effectLst/>
+              <a:latin typeface="+mn-lt"/>
+              <a:ea typeface="+mn-ea"/>
+              <a:cs typeface="+mn-cs"/>
+            </a:endParaRPr>
+          </a:p>
+          <a:p>
+            <a:endParaRPr lang="en-ZA" sz="1200" kern="1200" dirty="0" smtClean="0">
+              <a:solidFill>
+                <a:schemeClr val="tx1"/>
+              </a:solidFill>
+              <a:effectLst/>
+              <a:latin typeface="+mn-lt"/>
+              <a:ea typeface="+mn-ea"/>
+              <a:cs typeface="+mn-cs"/>
+            </a:endParaRPr>
+          </a:p>
+          <a:p>
+            <a:endParaRPr lang="en-ZA" sz="1200" kern="1200" dirty="0" smtClean="0">
+              <a:solidFill>
+                <a:schemeClr val="tx1"/>
+              </a:solidFill>
+              <a:effectLst/>
+              <a:latin typeface="+mn-lt"/>
+              <a:ea typeface="+mn-ea"/>
+              <a:cs typeface="+mn-cs"/>
+            </a:endParaRPr>
           </a:p>
         </p:txBody>
       </p:sp>
@@ -1544,7 +1486,7 @@
           <a:p>
             <a:fld id="{325FAB6F-F295-44F7-B511-A16B864003EE}" type="slidenum">
               <a:rPr lang="en-ZA" smtClean="0"/>
-              <a:t>19</a:t>
+              <a:t>18</a:t>
             </a:fld>
             <a:endParaRPr lang="en-ZA"/>
           </a:p>
@@ -1553,7 +1495,7 @@
     </p:spTree>
     <p:extLst>
       <p:ext uri="{BB962C8B-B14F-4D97-AF65-F5344CB8AC3E}">
-        <p14:creationId xmlns:p14="http://schemas.microsoft.com/office/powerpoint/2010/main" val="2551359897"/>
+        <p14:creationId xmlns:p14="http://schemas.microsoft.com/office/powerpoint/2010/main" val="1368132702"/>
       </p:ext>
     </p:extLst>
   </p:cSld>
@@ -1607,10 +1549,77 @@
           <a:bodyPr/>
           <a:lstStyle/>
           <a:p>
-            <a:r>
-              <a:rPr lang="en-ZA" baseline="0" dirty="0" smtClean="0"/>
-              <a:t>Error handling</a:t>
-            </a:r>
+            <a:pPr marL="0" marR="0" indent="0" algn="l" defTabSz="914400" rtl="0" eaLnBrk="1" fontAlgn="auto" latinLnBrk="0" hangingPunct="1">
+              <a:lnSpc>
+                <a:spcPct val="100000"/>
+              </a:lnSpc>
+              <a:spcBef>
+                <a:spcPts val="0"/>
+              </a:spcBef>
+              <a:spcAft>
+                <a:spcPts val="0"/>
+              </a:spcAft>
+              <a:buClrTx/>
+              <a:buSzTx/>
+              <a:buFontTx/>
+              <a:buNone/>
+              <a:tabLst/>
+              <a:defRPr/>
+            </a:pPr>
+            <a:r>
+              <a:rPr lang="en-ZA" sz="1200" kern="1200" dirty="0" smtClean="0">
+                <a:solidFill>
+                  <a:schemeClr val="tx1"/>
+                </a:solidFill>
+                <a:effectLst/>
+                <a:latin typeface="+mn-lt"/>
+                <a:ea typeface="+mn-ea"/>
+                <a:cs typeface="+mn-cs"/>
+              </a:rPr>
+              <a:t>A middleware function is one that can </a:t>
+            </a:r>
+            <a:r>
+              <a:rPr lang="en-ZA" sz="1200" i="1" kern="1200" dirty="0" smtClean="0">
+                <a:solidFill>
+                  <a:schemeClr val="tx1"/>
+                </a:solidFill>
+                <a:effectLst/>
+                <a:latin typeface="+mn-lt"/>
+                <a:ea typeface="+mn-ea"/>
+                <a:cs typeface="+mn-cs"/>
+              </a:rPr>
+              <a:t>assist</a:t>
+            </a:r>
+            <a:r>
+              <a:rPr lang="en-ZA" sz="1200" kern="1200" dirty="0" smtClean="0">
+                <a:solidFill>
+                  <a:schemeClr val="tx1"/>
+                </a:solidFill>
+                <a:effectLst/>
+                <a:latin typeface="+mn-lt"/>
+                <a:ea typeface="+mn-ea"/>
+                <a:cs typeface="+mn-cs"/>
+              </a:rPr>
+              <a:t> in the processing of a request by performing a specific function without necessarily responding to the request – although it may. For example, we can have middleware to authenticate a user on every request. Or, we could have middleware to log every request that comes onto our site. </a:t>
+            </a:r>
+          </a:p>
+          <a:p>
+            <a:endParaRPr lang="en-ZA" dirty="0" smtClean="0"/>
+          </a:p>
+          <a:p>
+            <a:r>
+              <a:rPr lang="en-ZA" sz="1200" kern="1200" dirty="0" smtClean="0">
+                <a:solidFill>
+                  <a:schemeClr val="tx1"/>
+                </a:solidFill>
+                <a:effectLst/>
+                <a:latin typeface="+mn-lt"/>
+                <a:ea typeface="+mn-ea"/>
+                <a:cs typeface="+mn-cs"/>
+              </a:rPr>
+              <a:t>A middleware function may or may not respond to a request. In the case that it does not respond to the request, it will pass control over to the next middleware or route handler. If one middleware responds to a request then the processing pipeline can be ended and any middleware that was yet to be invoked ignored. </a:t>
+            </a:r>
+            <a:endParaRPr lang="en-ZA" dirty="0" smtClean="0"/>
           </a:p>
         </p:txBody>
       </p:sp>
@@ -1631,7 +1640,7 @@
           <a:p>
             <a:fld id="{325FAB6F-F295-44F7-B511-A16B864003EE}" type="slidenum">
               <a:rPr lang="en-ZA" smtClean="0"/>
-              <a:t>20</a:t>
+              <a:t>19</a:t>
             </a:fld>
             <a:endParaRPr lang="en-ZA"/>
           </a:p>
@@ -1640,7 +1649,7 @@
     </p:spTree>
     <p:extLst>
       <p:ext uri="{BB962C8B-B14F-4D97-AF65-F5344CB8AC3E}">
-        <p14:creationId xmlns:p14="http://schemas.microsoft.com/office/powerpoint/2010/main" val="1383158921"/>
+        <p14:creationId xmlns:p14="http://schemas.microsoft.com/office/powerpoint/2010/main" val="2551359897"/>
       </p:ext>
     </p:extLst>
   </p:cSld>
@@ -1695,88 +1704,9 @@
           <a:lstStyle/>
           <a:p>
             <a:r>
-              <a:rPr lang="en-ZA" dirty="0" smtClean="0"/>
-              <a:t>All this does is</a:t>
-            </a:r>
-            <a:r>
               <a:rPr lang="en-ZA" baseline="0" dirty="0" smtClean="0"/>
-              <a:t> simply log the date, method and route of the request.</a:t>
-            </a:r>
-          </a:p>
-          <a:p>
-            <a:endParaRPr lang="en-ZA" baseline="0" dirty="0" smtClean="0"/>
-          </a:p>
-          <a:p>
-            <a:r>
-              <a:rPr lang="en-ZA" sz="1200" kern="1200" dirty="0" smtClean="0">
-                <a:solidFill>
-                  <a:schemeClr val="tx1"/>
-                </a:solidFill>
-                <a:effectLst/>
-                <a:latin typeface="+mn-lt"/>
-                <a:ea typeface="+mn-ea"/>
-                <a:cs typeface="+mn-cs"/>
-              </a:rPr>
-              <a:t>Note the extra </a:t>
-            </a:r>
-            <a:r>
-              <a:rPr lang="en-ZA" sz="1200" b="1" kern="1200" dirty="0" smtClean="0">
-                <a:solidFill>
-                  <a:schemeClr val="tx1"/>
-                </a:solidFill>
-                <a:effectLst/>
-                <a:latin typeface="+mn-lt"/>
-                <a:ea typeface="+mn-ea"/>
-                <a:cs typeface="+mn-cs"/>
-              </a:rPr>
-              <a:t>next </a:t>
-            </a:r>
-            <a:r>
-              <a:rPr lang="en-ZA" sz="1200" kern="1200" dirty="0" smtClean="0">
-                <a:solidFill>
-                  <a:schemeClr val="tx1"/>
-                </a:solidFill>
-                <a:effectLst/>
-                <a:latin typeface="+mn-lt"/>
-                <a:ea typeface="+mn-ea"/>
-                <a:cs typeface="+mn-cs"/>
-              </a:rPr>
-              <a:t>parameter passed to our middleware function. This parameter refers to the next function in the middleware chain. In the above snippet, this middleware will log the date, method and </a:t>
-            </a:r>
-            <a:r>
-              <a:rPr lang="en-ZA" sz="1200" kern="1200" dirty="0" err="1" smtClean="0">
-                <a:solidFill>
-                  <a:schemeClr val="tx1"/>
-                </a:solidFill>
-                <a:effectLst/>
-                <a:latin typeface="+mn-lt"/>
-                <a:ea typeface="+mn-ea"/>
-                <a:cs typeface="+mn-cs"/>
-              </a:rPr>
-              <a:t>url</a:t>
-            </a:r>
-            <a:r>
-              <a:rPr lang="en-ZA" sz="1200" kern="1200" dirty="0" smtClean="0">
-                <a:solidFill>
-                  <a:schemeClr val="tx1"/>
-                </a:solidFill>
-                <a:effectLst/>
-                <a:latin typeface="+mn-lt"/>
-                <a:ea typeface="+mn-ea"/>
-                <a:cs typeface="+mn-cs"/>
-              </a:rPr>
-              <a:t> of the request and then pass control over to the next middleware, where actual processing of the request can occur. </a:t>
-            </a:r>
-          </a:p>
-          <a:p>
-            <a:endParaRPr lang="en-ZA" baseline="0" dirty="0" smtClean="0"/>
-          </a:p>
-          <a:p>
-            <a:r>
-              <a:rPr lang="en-ZA" baseline="0" dirty="0" smtClean="0"/>
-              <a:t>To add the logger to our app we require it in. Now every request that comes to our app will log to the console. </a:t>
-            </a:r>
-            <a:endParaRPr lang="en-ZA" dirty="0"/>
+              <a:t>Error handling</a:t>
+            </a:r>
           </a:p>
         </p:txBody>
       </p:sp>
@@ -1797,7 +1727,7 @@
           <a:p>
             <a:fld id="{325FAB6F-F295-44F7-B511-A16B864003EE}" type="slidenum">
               <a:rPr lang="en-ZA" smtClean="0"/>
-              <a:t>21</a:t>
+              <a:t>20</a:t>
             </a:fld>
             <a:endParaRPr lang="en-ZA"/>
           </a:p>
@@ -1806,7 +1736,7 @@
     </p:spTree>
     <p:extLst>
       <p:ext uri="{BB962C8B-B14F-4D97-AF65-F5344CB8AC3E}">
-        <p14:creationId xmlns:p14="http://schemas.microsoft.com/office/powerpoint/2010/main" val="728674842"/>
+        <p14:creationId xmlns:p14="http://schemas.microsoft.com/office/powerpoint/2010/main" val="1383158921"/>
       </p:ext>
     </p:extLst>
   </p:cSld>
@@ -1860,68 +1790,7 @@
           <a:bodyPr/>
           <a:lstStyle/>
           <a:p>
-            <a:r>
-              <a:rPr lang="en-ZA" dirty="0" smtClean="0"/>
-              <a:t>We’re going to build</a:t>
-            </a:r>
-            <a:r>
-              <a:rPr lang="en-ZA" baseline="0" dirty="0" smtClean="0"/>
-              <a:t> a node </a:t>
-            </a:r>
-            <a:r>
-              <a:rPr lang="en-ZA" baseline="0" dirty="0" err="1" smtClean="0"/>
-              <a:t>api</a:t>
-            </a:r>
-            <a:r>
-              <a:rPr lang="en-ZA" baseline="0" dirty="0" smtClean="0"/>
-              <a:t> that serves data about our blog. </a:t>
-            </a:r>
-          </a:p>
-          <a:p>
-            <a:endParaRPr lang="en-ZA" baseline="0" dirty="0" smtClean="0"/>
-          </a:p>
-          <a:p>
-            <a:r>
-              <a:rPr lang="en-ZA" baseline="0" dirty="0" err="1" smtClean="0"/>
-              <a:t>mkdir</a:t>
-            </a:r>
-            <a:r>
-              <a:rPr lang="en-ZA" baseline="0" dirty="0" smtClean="0"/>
-              <a:t> blog-</a:t>
-            </a:r>
-            <a:r>
-              <a:rPr lang="en-ZA" baseline="0" dirty="0" err="1" smtClean="0"/>
-              <a:t>api</a:t>
-            </a:r>
-            <a:endParaRPr lang="en-ZA" baseline="0" dirty="0" smtClean="0"/>
-          </a:p>
-          <a:p>
-            <a:r>
-              <a:rPr lang="en-ZA" baseline="0" dirty="0" err="1" smtClean="0"/>
-              <a:t>npm</a:t>
-            </a:r>
-            <a:r>
-              <a:rPr lang="en-ZA" baseline="0" dirty="0" smtClean="0"/>
-              <a:t> </a:t>
-            </a:r>
-            <a:r>
-              <a:rPr lang="en-ZA" baseline="0" dirty="0" err="1" smtClean="0"/>
-              <a:t>init</a:t>
-            </a:r>
-            <a:endParaRPr lang="en-ZA" baseline="0" dirty="0" smtClean="0"/>
-          </a:p>
-          <a:p>
-            <a:r>
-              <a:rPr lang="en-ZA" baseline="0" dirty="0" err="1" smtClean="0"/>
-              <a:t>npm</a:t>
-            </a:r>
-            <a:r>
-              <a:rPr lang="en-ZA" baseline="0" dirty="0" smtClean="0"/>
-              <a:t> install express -SE</a:t>
-            </a:r>
-          </a:p>
-          <a:p>
-            <a:endParaRPr lang="en-ZA" baseline="0" dirty="0" smtClean="0"/>
+            <a:endParaRPr lang="en-ZA" dirty="0"/>
           </a:p>
         </p:txBody>
       </p:sp>
@@ -1942,7 +1811,7 @@
           <a:p>
             <a:fld id="{325FAB6F-F295-44F7-B511-A16B864003EE}" type="slidenum">
               <a:rPr lang="en-ZA" smtClean="0"/>
-              <a:t>3</a:t>
+              <a:t>2</a:t>
             </a:fld>
             <a:endParaRPr lang="en-ZA"/>
           </a:p>
@@ -1951,7 +1820,7 @@
     </p:spTree>
     <p:extLst>
       <p:ext uri="{BB962C8B-B14F-4D97-AF65-F5344CB8AC3E}">
-        <p14:creationId xmlns:p14="http://schemas.microsoft.com/office/powerpoint/2010/main" val="729025861"/>
+        <p14:creationId xmlns:p14="http://schemas.microsoft.com/office/powerpoint/2010/main" val="2552923748"/>
       </p:ext>
     </p:extLst>
   </p:cSld>
@@ -2007,26 +1876,19 @@
           <a:p>
             <a:r>
               <a:rPr lang="en-ZA" dirty="0" smtClean="0"/>
-              <a:t>In this case, this</a:t>
+              <a:t>All this does is</a:t>
             </a:r>
             <a:r>
               <a:rPr lang="en-ZA" baseline="0" dirty="0" smtClean="0"/>
-              <a:t> line will only be written to the console when we visit the posts page.</a:t>
+              <a:t> simply log the date, method and route of the request.</a:t>
             </a:r>
           </a:p>
           <a:p>
             <a:endParaRPr lang="en-ZA" baseline="0" dirty="0" smtClean="0"/>
           </a:p>
           <a:p>
-            <a:endParaRPr lang="en-ZA" baseline="0" dirty="0" smtClean="0"/>
-          </a:p>
-          <a:p>
-            <a:r>
-              <a:rPr lang="en-ZA" dirty="0" err="1" smtClean="0"/>
-              <a:t>router.</a:t>
-            </a:r>
-            <a:r>
-              <a:rPr lang="en-ZA" sz="1200" kern="1200" dirty="0" err="1" smtClean="0">
+            <a:r>
+              <a:rPr lang="en-ZA" sz="1200" kern="1200" dirty="0" smtClean="0">
                 <a:solidFill>
                   <a:schemeClr val="tx1"/>
                 </a:solidFill>
@@ -2035,14 +1897,10 @@
                 <a:ea typeface="+mn-ea"/>
                 <a:cs typeface="+mn-cs"/>
               </a:rPr>
-              <a:t>use</a:t>
-            </a:r>
-            <a:r>
-              <a:rPr lang="en-ZA" dirty="0" smtClean="0"/>
-              <a:t>(</a:t>
-            </a:r>
-            <a:r>
-              <a:rPr lang="en-ZA" sz="1200" kern="1200" dirty="0" smtClean="0">
+              <a:t>Note the extra </a:t>
+            </a:r>
+            <a:r>
+              <a:rPr lang="en-ZA" sz="1200" b="1" kern="1200" dirty="0" smtClean="0">
                 <a:solidFill>
                   <a:schemeClr val="tx1"/>
                 </a:solidFill>
@@ -2051,10 +1909,10 @@
                 <a:ea typeface="+mn-ea"/>
                 <a:cs typeface="+mn-cs"/>
               </a:rPr>
-              <a:t>"/", </a:t>
-            </a:r>
-            <a:r>
-              <a:rPr lang="en-ZA" sz="1200" b="1" kern="1200" dirty="0" smtClean="0">
+              <a:t>next </a:t>
+            </a:r>
+            <a:r>
+              <a:rPr lang="en-ZA" sz="1200" kern="1200" dirty="0" smtClean="0">
                 <a:solidFill>
                   <a:schemeClr val="tx1"/>
                 </a:solidFill>
@@ -2063,18 +1921,10 @@
                 <a:ea typeface="+mn-ea"/>
                 <a:cs typeface="+mn-cs"/>
               </a:rPr>
-              <a:t>function </a:t>
-            </a:r>
-            <a:r>
-              <a:rPr lang="en-ZA" dirty="0" smtClean="0"/>
-              <a:t>(</a:t>
-            </a:r>
-            <a:r>
-              <a:rPr lang="en-ZA" dirty="0" err="1" smtClean="0"/>
-              <a:t>req</a:t>
-            </a:r>
-            <a:r>
-              <a:rPr lang="en-ZA" sz="1200" kern="1200" dirty="0" smtClean="0">
+              <a:t>parameter passed to our middleware function. This parameter refers to the next function in the middleware chain. In the above snippet, this middleware will log the date, method and </a:t>
+            </a:r>
+            <a:r>
+              <a:rPr lang="en-ZA" sz="1200" kern="1200" dirty="0" err="1" smtClean="0">
                 <a:solidFill>
                   <a:schemeClr val="tx1"/>
                 </a:solidFill>
@@ -2083,11 +1933,7 @@
                 <a:ea typeface="+mn-ea"/>
                 <a:cs typeface="+mn-cs"/>
               </a:rPr>
-              <a:t>, </a:t>
-            </a:r>
-            <a:r>
-              <a:rPr lang="en-ZA" dirty="0" smtClean="0"/>
-              <a:t>res</a:t>
+              <a:t>url</a:t>
             </a:r>
             <a:r>
               <a:rPr lang="en-ZA" sz="1200" kern="1200" dirty="0" smtClean="0">
@@ -2099,191 +1945,17 @@
                 <a:ea typeface="+mn-ea"/>
                 <a:cs typeface="+mn-cs"/>
               </a:rPr>
-              <a:t>, </a:t>
-            </a:r>
-            <a:r>
-              <a:rPr lang="en-ZA" dirty="0" smtClean="0"/>
-              <a:t>next) {</a:t>
-            </a:r>
-            <a:br>
-              <a:rPr lang="en-ZA" dirty="0" smtClean="0"/>
-            </a:br>
-            <a:r>
-              <a:rPr lang="en-ZA" dirty="0" smtClean="0"/>
-              <a:t>    </a:t>
-            </a:r>
-            <a:r>
-              <a:rPr lang="en-ZA" sz="1200" kern="1200" dirty="0" smtClean="0">
-                <a:solidFill>
-                  <a:schemeClr val="tx1"/>
-                </a:solidFill>
-                <a:effectLst/>
-                <a:latin typeface="+mn-lt"/>
-                <a:ea typeface="+mn-ea"/>
-                <a:cs typeface="+mn-cs"/>
-              </a:rPr>
-              <a:t>console</a:t>
-            </a:r>
-            <a:r>
-              <a:rPr lang="en-ZA" dirty="0" smtClean="0"/>
-              <a:t>.</a:t>
-            </a:r>
-            <a:r>
-              <a:rPr lang="en-ZA" sz="1200" kern="1200" dirty="0" smtClean="0">
-                <a:solidFill>
-                  <a:schemeClr val="tx1"/>
-                </a:solidFill>
-                <a:effectLst/>
-                <a:latin typeface="+mn-lt"/>
-                <a:ea typeface="+mn-ea"/>
-                <a:cs typeface="+mn-cs"/>
-              </a:rPr>
-              <a:t>log</a:t>
-            </a:r>
-            <a:r>
-              <a:rPr lang="en-ZA" dirty="0" smtClean="0"/>
-              <a:t>(</a:t>
-            </a:r>
-            <a:r>
-              <a:rPr lang="en-ZA" sz="1200" kern="1200" dirty="0" smtClean="0">
-                <a:solidFill>
-                  <a:schemeClr val="tx1"/>
-                </a:solidFill>
-                <a:effectLst/>
-                <a:latin typeface="+mn-lt"/>
-                <a:ea typeface="+mn-ea"/>
-                <a:cs typeface="+mn-cs"/>
-              </a:rPr>
-              <a:t>"%s - Logging on the posts page", </a:t>
-            </a:r>
-            <a:r>
-              <a:rPr lang="en-ZA" sz="1200" b="1" kern="1200" dirty="0" smtClean="0">
-                <a:solidFill>
-                  <a:schemeClr val="tx1"/>
-                </a:solidFill>
-                <a:effectLst/>
-                <a:latin typeface="+mn-lt"/>
-                <a:ea typeface="+mn-ea"/>
-                <a:cs typeface="+mn-cs"/>
-              </a:rPr>
-              <a:t>new </a:t>
-            </a:r>
-            <a:r>
-              <a:rPr lang="en-ZA" dirty="0" smtClean="0"/>
-              <a:t>Date())</a:t>
-            </a:r>
-            <a:r>
-              <a:rPr lang="en-ZA" sz="1200" kern="1200" dirty="0" smtClean="0">
-                <a:solidFill>
-                  <a:schemeClr val="tx1"/>
-                </a:solidFill>
-                <a:effectLst/>
-                <a:latin typeface="+mn-lt"/>
-                <a:ea typeface="+mn-ea"/>
-                <a:cs typeface="+mn-cs"/>
-              </a:rPr>
-              <a:t>;</a:t>
-            </a:r>
-            <a:br>
-              <a:rPr lang="en-ZA" sz="1200" kern="1200" dirty="0" smtClean="0">
-                <a:solidFill>
-                  <a:schemeClr val="tx1"/>
-                </a:solidFill>
-                <a:effectLst/>
-                <a:latin typeface="+mn-lt"/>
-                <a:ea typeface="+mn-ea"/>
-                <a:cs typeface="+mn-cs"/>
-              </a:rPr>
-            </a:br>
-            <a:r>
-              <a:rPr lang="en-ZA" sz="1200" kern="1200" dirty="0" smtClean="0">
-                <a:solidFill>
-                  <a:schemeClr val="tx1"/>
-                </a:solidFill>
-                <a:effectLst/>
-                <a:latin typeface="+mn-lt"/>
-                <a:ea typeface="+mn-ea"/>
-                <a:cs typeface="+mn-cs"/>
-              </a:rPr>
-              <a:t>    </a:t>
-            </a:r>
-            <a:r>
-              <a:rPr lang="en-ZA" dirty="0" smtClean="0"/>
-              <a:t>next()</a:t>
-            </a:r>
-            <a:r>
-              <a:rPr lang="en-ZA" sz="1200" kern="1200" dirty="0" smtClean="0">
-                <a:solidFill>
-                  <a:schemeClr val="tx1"/>
-                </a:solidFill>
-                <a:effectLst/>
-                <a:latin typeface="+mn-lt"/>
-                <a:ea typeface="+mn-ea"/>
-                <a:cs typeface="+mn-cs"/>
-              </a:rPr>
-              <a:t>;</a:t>
-            </a:r>
-            <a:br>
-              <a:rPr lang="en-ZA" sz="1200" kern="1200" dirty="0" smtClean="0">
-                <a:solidFill>
-                  <a:schemeClr val="tx1"/>
-                </a:solidFill>
-                <a:effectLst/>
-                <a:latin typeface="+mn-lt"/>
-                <a:ea typeface="+mn-ea"/>
-                <a:cs typeface="+mn-cs"/>
-              </a:rPr>
-            </a:br>
-            <a:r>
-              <a:rPr lang="en-ZA" dirty="0" smtClean="0"/>
-              <a:t>})</a:t>
-            </a:r>
-            <a:r>
-              <a:rPr lang="en-ZA" sz="1200" kern="1200" dirty="0" smtClean="0">
-                <a:solidFill>
-                  <a:schemeClr val="tx1"/>
-                </a:solidFill>
-                <a:effectLst/>
-                <a:latin typeface="+mn-lt"/>
-                <a:ea typeface="+mn-ea"/>
-                <a:cs typeface="+mn-cs"/>
-              </a:rPr>
-              <a:t>;</a:t>
-            </a:r>
-            <a:br>
-              <a:rPr lang="en-ZA" sz="1200" kern="1200" dirty="0" smtClean="0">
-                <a:solidFill>
-                  <a:schemeClr val="tx1"/>
-                </a:solidFill>
-                <a:effectLst/>
-                <a:latin typeface="+mn-lt"/>
-                <a:ea typeface="+mn-ea"/>
-                <a:cs typeface="+mn-cs"/>
-              </a:rPr>
-            </a:br>
-            <a:r>
-              <a:rPr lang="en-ZA" sz="1200" kern="1200" dirty="0" smtClean="0">
-                <a:solidFill>
-                  <a:schemeClr val="tx1"/>
-                </a:solidFill>
-                <a:effectLst/>
-                <a:latin typeface="+mn-lt"/>
-                <a:ea typeface="+mn-ea"/>
-                <a:cs typeface="+mn-cs"/>
-              </a:rPr>
-              <a:t/>
-            </a:r>
-            <a:br>
-              <a:rPr lang="en-ZA" sz="1200" kern="1200" dirty="0" smtClean="0">
-                <a:solidFill>
-                  <a:schemeClr val="tx1"/>
-                </a:solidFill>
-                <a:effectLst/>
-                <a:latin typeface="+mn-lt"/>
-                <a:ea typeface="+mn-ea"/>
-                <a:cs typeface="+mn-cs"/>
-              </a:rPr>
-            </a:br>
+              <a:t> of the request and then pass control over to the next middleware, where actual processing of the request can occur. </a:t>
+            </a:r>
+          </a:p>
+          <a:p>
+            <a:endParaRPr lang="en-ZA" baseline="0" dirty="0" smtClean="0"/>
+          </a:p>
+          <a:p>
+            <a:r>
+              <a:rPr lang="en-ZA" baseline="0" dirty="0" smtClean="0"/>
+              <a:t>To add the logger to our app we require it in. Now every request that comes to our app will log to the console. </a:t>
+            </a:r>
             <a:endParaRPr lang="en-ZA" dirty="0"/>
           </a:p>
         </p:txBody>
@@ -2305,7 +1977,7 @@
           <a:p>
             <a:fld id="{325FAB6F-F295-44F7-B511-A16B864003EE}" type="slidenum">
               <a:rPr lang="en-ZA" smtClean="0"/>
-              <a:t>22</a:t>
+              <a:t>21</a:t>
             </a:fld>
             <a:endParaRPr lang="en-ZA"/>
           </a:p>
@@ -2314,7 +1986,7 @@
     </p:spTree>
     <p:extLst>
       <p:ext uri="{BB962C8B-B14F-4D97-AF65-F5344CB8AC3E}">
-        <p14:creationId xmlns:p14="http://schemas.microsoft.com/office/powerpoint/2010/main" val="670882535"/>
+        <p14:creationId xmlns:p14="http://schemas.microsoft.com/office/powerpoint/2010/main" val="728674842"/>
       </p:ext>
     </p:extLst>
   </p:cSld>
@@ -2368,6 +2040,285 @@
           <a:bodyPr/>
           <a:lstStyle/>
           <a:p>
+            <a:r>
+              <a:rPr lang="en-ZA" dirty="0" smtClean="0"/>
+              <a:t>In this case, this</a:t>
+            </a:r>
+            <a:r>
+              <a:rPr lang="en-ZA" baseline="0" dirty="0" smtClean="0"/>
+              <a:t> line will only be written to the console when we visit the posts page.</a:t>
+            </a:r>
+          </a:p>
+          <a:p>
+            <a:endParaRPr lang="en-ZA" baseline="0" dirty="0" smtClean="0"/>
+          </a:p>
+          <a:p>
+            <a:endParaRPr lang="en-ZA" baseline="0" dirty="0" smtClean="0"/>
+          </a:p>
+          <a:p>
+            <a:r>
+              <a:rPr lang="en-ZA" dirty="0" err="1" smtClean="0"/>
+              <a:t>router.</a:t>
+            </a:r>
+            <a:r>
+              <a:rPr lang="en-ZA" sz="1200" kern="1200" dirty="0" err="1" smtClean="0">
+                <a:solidFill>
+                  <a:schemeClr val="tx1"/>
+                </a:solidFill>
+                <a:effectLst/>
+                <a:latin typeface="+mn-lt"/>
+                <a:ea typeface="+mn-ea"/>
+                <a:cs typeface="+mn-cs"/>
+              </a:rPr>
+              <a:t>use</a:t>
+            </a:r>
+            <a:r>
+              <a:rPr lang="en-ZA" dirty="0" smtClean="0"/>
+              <a:t>(</a:t>
+            </a:r>
+            <a:r>
+              <a:rPr lang="en-ZA" sz="1200" kern="1200" dirty="0" smtClean="0">
+                <a:solidFill>
+                  <a:schemeClr val="tx1"/>
+                </a:solidFill>
+                <a:effectLst/>
+                <a:latin typeface="+mn-lt"/>
+                <a:ea typeface="+mn-ea"/>
+                <a:cs typeface="+mn-cs"/>
+              </a:rPr>
+              <a:t>"/", </a:t>
+            </a:r>
+            <a:r>
+              <a:rPr lang="en-ZA" sz="1200" b="1" kern="1200" dirty="0" smtClean="0">
+                <a:solidFill>
+                  <a:schemeClr val="tx1"/>
+                </a:solidFill>
+                <a:effectLst/>
+                <a:latin typeface="+mn-lt"/>
+                <a:ea typeface="+mn-ea"/>
+                <a:cs typeface="+mn-cs"/>
+              </a:rPr>
+              <a:t>function </a:t>
+            </a:r>
+            <a:r>
+              <a:rPr lang="en-ZA" dirty="0" smtClean="0"/>
+              <a:t>(</a:t>
+            </a:r>
+            <a:r>
+              <a:rPr lang="en-ZA" dirty="0" err="1" smtClean="0"/>
+              <a:t>req</a:t>
+            </a:r>
+            <a:r>
+              <a:rPr lang="en-ZA" sz="1200" kern="1200" dirty="0" smtClean="0">
+                <a:solidFill>
+                  <a:schemeClr val="tx1"/>
+                </a:solidFill>
+                <a:effectLst/>
+                <a:latin typeface="+mn-lt"/>
+                <a:ea typeface="+mn-ea"/>
+                <a:cs typeface="+mn-cs"/>
+              </a:rPr>
+              <a:t>, </a:t>
+            </a:r>
+            <a:r>
+              <a:rPr lang="en-ZA" dirty="0" smtClean="0"/>
+              <a:t>res</a:t>
+            </a:r>
+            <a:r>
+              <a:rPr lang="en-ZA" sz="1200" kern="1200" dirty="0" smtClean="0">
+                <a:solidFill>
+                  <a:schemeClr val="tx1"/>
+                </a:solidFill>
+                <a:effectLst/>
+                <a:latin typeface="+mn-lt"/>
+                <a:ea typeface="+mn-ea"/>
+                <a:cs typeface="+mn-cs"/>
+              </a:rPr>
+              <a:t>, </a:t>
+            </a:r>
+            <a:r>
+              <a:rPr lang="en-ZA" dirty="0" smtClean="0"/>
+              <a:t>next) {</a:t>
+            </a:r>
+            <a:br>
+              <a:rPr lang="en-ZA" dirty="0" smtClean="0"/>
+            </a:br>
+            <a:r>
+              <a:rPr lang="en-ZA" dirty="0" smtClean="0"/>
+              <a:t>    </a:t>
+            </a:r>
+            <a:r>
+              <a:rPr lang="en-ZA" sz="1200" kern="1200" dirty="0" smtClean="0">
+                <a:solidFill>
+                  <a:schemeClr val="tx1"/>
+                </a:solidFill>
+                <a:effectLst/>
+                <a:latin typeface="+mn-lt"/>
+                <a:ea typeface="+mn-ea"/>
+                <a:cs typeface="+mn-cs"/>
+              </a:rPr>
+              <a:t>console</a:t>
+            </a:r>
+            <a:r>
+              <a:rPr lang="en-ZA" dirty="0" smtClean="0"/>
+              <a:t>.</a:t>
+            </a:r>
+            <a:r>
+              <a:rPr lang="en-ZA" sz="1200" kern="1200" dirty="0" smtClean="0">
+                <a:solidFill>
+                  <a:schemeClr val="tx1"/>
+                </a:solidFill>
+                <a:effectLst/>
+                <a:latin typeface="+mn-lt"/>
+                <a:ea typeface="+mn-ea"/>
+                <a:cs typeface="+mn-cs"/>
+              </a:rPr>
+              <a:t>log</a:t>
+            </a:r>
+            <a:r>
+              <a:rPr lang="en-ZA" dirty="0" smtClean="0"/>
+              <a:t>(</a:t>
+            </a:r>
+            <a:r>
+              <a:rPr lang="en-ZA" sz="1200" kern="1200" dirty="0" smtClean="0">
+                <a:solidFill>
+                  <a:schemeClr val="tx1"/>
+                </a:solidFill>
+                <a:effectLst/>
+                <a:latin typeface="+mn-lt"/>
+                <a:ea typeface="+mn-ea"/>
+                <a:cs typeface="+mn-cs"/>
+              </a:rPr>
+              <a:t>"%s - Logging on the posts page", </a:t>
+            </a:r>
+            <a:r>
+              <a:rPr lang="en-ZA" sz="1200" b="1" kern="1200" dirty="0" smtClean="0">
+                <a:solidFill>
+                  <a:schemeClr val="tx1"/>
+                </a:solidFill>
+                <a:effectLst/>
+                <a:latin typeface="+mn-lt"/>
+                <a:ea typeface="+mn-ea"/>
+                <a:cs typeface="+mn-cs"/>
+              </a:rPr>
+              <a:t>new </a:t>
+            </a:r>
+            <a:r>
+              <a:rPr lang="en-ZA" dirty="0" smtClean="0"/>
+              <a:t>Date())</a:t>
+            </a:r>
+            <a:r>
+              <a:rPr lang="en-ZA" sz="1200" kern="1200" dirty="0" smtClean="0">
+                <a:solidFill>
+                  <a:schemeClr val="tx1"/>
+                </a:solidFill>
+                <a:effectLst/>
+                <a:latin typeface="+mn-lt"/>
+                <a:ea typeface="+mn-ea"/>
+                <a:cs typeface="+mn-cs"/>
+              </a:rPr>
+              <a:t>;</a:t>
+            </a:r>
+            <a:br>
+              <a:rPr lang="en-ZA" sz="1200" kern="1200" dirty="0" smtClean="0">
+                <a:solidFill>
+                  <a:schemeClr val="tx1"/>
+                </a:solidFill>
+                <a:effectLst/>
+                <a:latin typeface="+mn-lt"/>
+                <a:ea typeface="+mn-ea"/>
+                <a:cs typeface="+mn-cs"/>
+              </a:rPr>
+            </a:br>
+            <a:r>
+              <a:rPr lang="en-ZA" sz="1200" kern="1200" dirty="0" smtClean="0">
+                <a:solidFill>
+                  <a:schemeClr val="tx1"/>
+                </a:solidFill>
+                <a:effectLst/>
+                <a:latin typeface="+mn-lt"/>
+                <a:ea typeface="+mn-ea"/>
+                <a:cs typeface="+mn-cs"/>
+              </a:rPr>
+              <a:t>    </a:t>
+            </a:r>
+            <a:r>
+              <a:rPr lang="en-ZA" dirty="0" smtClean="0"/>
+              <a:t>next()</a:t>
+            </a:r>
+            <a:r>
+              <a:rPr lang="en-ZA" sz="1200" kern="1200" dirty="0" smtClean="0">
+                <a:solidFill>
+                  <a:schemeClr val="tx1"/>
+                </a:solidFill>
+                <a:effectLst/>
+                <a:latin typeface="+mn-lt"/>
+                <a:ea typeface="+mn-ea"/>
+                <a:cs typeface="+mn-cs"/>
+              </a:rPr>
+              <a:t>;</a:t>
+            </a:r>
+            <a:br>
+              <a:rPr lang="en-ZA" sz="1200" kern="1200" dirty="0" smtClean="0">
+                <a:solidFill>
+                  <a:schemeClr val="tx1"/>
+                </a:solidFill>
+                <a:effectLst/>
+                <a:latin typeface="+mn-lt"/>
+                <a:ea typeface="+mn-ea"/>
+                <a:cs typeface="+mn-cs"/>
+              </a:rPr>
+            </a:br>
+            <a:r>
+              <a:rPr lang="en-ZA" dirty="0" smtClean="0"/>
+              <a:t>})</a:t>
+            </a:r>
+            <a:r>
+              <a:rPr lang="en-ZA" sz="1200" kern="1200" dirty="0" smtClean="0">
+                <a:solidFill>
+                  <a:schemeClr val="tx1"/>
+                </a:solidFill>
+                <a:effectLst/>
+                <a:latin typeface="+mn-lt"/>
+                <a:ea typeface="+mn-ea"/>
+                <a:cs typeface="+mn-cs"/>
+              </a:rPr>
+              <a:t>;</a:t>
+            </a:r>
+            <a:br>
+              <a:rPr lang="en-ZA" sz="1200" kern="1200" dirty="0" smtClean="0">
+                <a:solidFill>
+                  <a:schemeClr val="tx1"/>
+                </a:solidFill>
+                <a:effectLst/>
+                <a:latin typeface="+mn-lt"/>
+                <a:ea typeface="+mn-ea"/>
+                <a:cs typeface="+mn-cs"/>
+              </a:rPr>
+            </a:br>
+            <a:r>
+              <a:rPr lang="en-ZA" sz="1200" kern="1200" dirty="0" smtClean="0">
+                <a:solidFill>
+                  <a:schemeClr val="tx1"/>
+                </a:solidFill>
+                <a:effectLst/>
+                <a:latin typeface="+mn-lt"/>
+                <a:ea typeface="+mn-ea"/>
+                <a:cs typeface="+mn-cs"/>
+              </a:rPr>
+              <a:t/>
+            </a:r>
+            <a:br>
+              <a:rPr lang="en-ZA" sz="1200" kern="1200" dirty="0" smtClean="0">
+                <a:solidFill>
+                  <a:schemeClr val="tx1"/>
+                </a:solidFill>
+                <a:effectLst/>
+                <a:latin typeface="+mn-lt"/>
+                <a:ea typeface="+mn-ea"/>
+                <a:cs typeface="+mn-cs"/>
+              </a:rPr>
+            </a:br>
             <a:endParaRPr lang="en-ZA" dirty="0"/>
           </a:p>
         </p:txBody>
@@ -2389,7 +2340,7 @@
           <a:p>
             <a:fld id="{325FAB6F-F295-44F7-B511-A16B864003EE}" type="slidenum">
               <a:rPr lang="en-ZA" smtClean="0"/>
-              <a:t>23</a:t>
+              <a:t>22</a:t>
             </a:fld>
             <a:endParaRPr lang="en-ZA"/>
           </a:p>
@@ -2398,7 +2349,7 @@
     </p:spTree>
     <p:extLst>
       <p:ext uri="{BB962C8B-B14F-4D97-AF65-F5344CB8AC3E}">
-        <p14:creationId xmlns:p14="http://schemas.microsoft.com/office/powerpoint/2010/main" val="1563260500"/>
+        <p14:creationId xmlns:p14="http://schemas.microsoft.com/office/powerpoint/2010/main" val="670882535"/>
       </p:ext>
     </p:extLst>
   </p:cSld>
@@ -2452,100 +2403,7 @@
           <a:bodyPr/>
           <a:lstStyle/>
           <a:p>
-            <a:r>
-              <a:rPr lang="en-ZA" sz="1200" kern="1200" dirty="0" smtClean="0">
-                <a:solidFill>
-                  <a:schemeClr val="tx1"/>
-                </a:solidFill>
-                <a:effectLst/>
-                <a:latin typeface="+mn-lt"/>
-                <a:ea typeface="+mn-ea"/>
-                <a:cs typeface="+mn-cs"/>
-              </a:rPr>
-              <a:t>We can also attach a series of callback functions that act as middleware to our route handler. This way we isolate them to that very specific route.  </a:t>
-            </a:r>
-          </a:p>
-          <a:p>
-            <a:endParaRPr lang="en-ZA" sz="1200" kern="1200" dirty="0" smtClean="0">
-              <a:solidFill>
-                <a:schemeClr val="tx1"/>
-              </a:solidFill>
-              <a:effectLst/>
-              <a:latin typeface="+mn-lt"/>
-              <a:ea typeface="+mn-ea"/>
-              <a:cs typeface="+mn-cs"/>
-            </a:endParaRPr>
-          </a:p>
-          <a:p>
-            <a:r>
-              <a:rPr lang="en-ZA" sz="1200" kern="1200" dirty="0" smtClean="0">
-                <a:solidFill>
-                  <a:schemeClr val="tx1"/>
-                </a:solidFill>
-                <a:effectLst/>
-                <a:latin typeface="+mn-lt"/>
-                <a:ea typeface="+mn-ea"/>
-                <a:cs typeface="+mn-cs"/>
-              </a:rPr>
-              <a:t>Each of them have the same </a:t>
-            </a:r>
-            <a:r>
-              <a:rPr lang="en-ZA" sz="1200" kern="1200" dirty="0" err="1" smtClean="0">
-                <a:solidFill>
-                  <a:schemeClr val="tx1"/>
-                </a:solidFill>
-                <a:effectLst/>
-                <a:latin typeface="+mn-lt"/>
-                <a:ea typeface="+mn-ea"/>
-                <a:cs typeface="+mn-cs"/>
-              </a:rPr>
-              <a:t>req</a:t>
-            </a:r>
-            <a:r>
-              <a:rPr lang="en-ZA" sz="1200" kern="1200" dirty="0" smtClean="0">
-                <a:solidFill>
-                  <a:schemeClr val="tx1"/>
-                </a:solidFill>
-                <a:effectLst/>
-                <a:latin typeface="+mn-lt"/>
-                <a:ea typeface="+mn-ea"/>
-                <a:cs typeface="+mn-cs"/>
-              </a:rPr>
-              <a:t>, res, next signature, common</a:t>
-            </a:r>
-            <a:r>
-              <a:rPr lang="en-ZA" sz="1200" kern="1200" baseline="0" dirty="0" smtClean="0">
-                <a:solidFill>
-                  <a:schemeClr val="tx1"/>
-                </a:solidFill>
-                <a:effectLst/>
-                <a:latin typeface="+mn-lt"/>
-                <a:ea typeface="+mn-ea"/>
-                <a:cs typeface="+mn-cs"/>
-              </a:rPr>
-              <a:t> to middleware</a:t>
-            </a:r>
-            <a:r>
-              <a:rPr lang="en-ZA" sz="1200" kern="1200" dirty="0" smtClean="0">
-                <a:solidFill>
-                  <a:schemeClr val="tx1"/>
-                </a:solidFill>
-                <a:effectLst/>
-                <a:latin typeface="+mn-lt"/>
-                <a:ea typeface="+mn-ea"/>
-                <a:cs typeface="+mn-cs"/>
-              </a:rPr>
-              <a:t>. </a:t>
-            </a:r>
-            <a:endParaRPr lang="en-ZA" sz="1200" kern="1200" dirty="0">
-              <a:solidFill>
-                <a:schemeClr val="tx1"/>
-              </a:solidFill>
-              <a:effectLst/>
-              <a:latin typeface="+mn-lt"/>
-              <a:ea typeface="+mn-ea"/>
-              <a:cs typeface="+mn-cs"/>
-            </a:endParaRPr>
+            <a:endParaRPr lang="en-ZA" dirty="0"/>
           </a:p>
         </p:txBody>
       </p:sp>
@@ -2566,7 +2424,7 @@
           <a:p>
             <a:fld id="{325FAB6F-F295-44F7-B511-A16B864003EE}" type="slidenum">
               <a:rPr lang="en-ZA" smtClean="0"/>
-              <a:t>24</a:t>
+              <a:t>23</a:t>
             </a:fld>
             <a:endParaRPr lang="en-ZA"/>
           </a:p>
@@ -2575,7 +2433,7 @@
     </p:spTree>
     <p:extLst>
       <p:ext uri="{BB962C8B-B14F-4D97-AF65-F5344CB8AC3E}">
-        <p14:creationId xmlns:p14="http://schemas.microsoft.com/office/powerpoint/2010/main" val="741470479"/>
+        <p14:creationId xmlns:p14="http://schemas.microsoft.com/office/powerpoint/2010/main" val="1563260500"/>
       </p:ext>
     </p:extLst>
   </p:cSld>
@@ -2629,23 +2487,6 @@
           <a:bodyPr/>
           <a:lstStyle/>
           <a:p>
-            <a:pPr marL="0" marR="0" indent="0" algn="l" defTabSz="914400" rtl="0" eaLnBrk="1" fontAlgn="auto" latinLnBrk="0" hangingPunct="1">
-              <a:lnSpc>
-                <a:spcPct val="100000"/>
-              </a:lnSpc>
-              <a:spcBef>
-                <a:spcPts val="0"/>
-              </a:spcBef>
-              <a:spcAft>
-                <a:spcPts val="0"/>
-              </a:spcAft>
-              <a:buClrTx/>
-              <a:buSzTx/>
-              <a:buFontTx/>
-              <a:buNone/>
-              <a:tabLst/>
-              <a:defRPr/>
-            </a:pPr>
             <a:r>
               <a:rPr lang="en-ZA" sz="1200" kern="1200" dirty="0" smtClean="0">
                 <a:solidFill>
@@ -2656,51 +2497,10 @@
                 <a:ea typeface="+mn-ea"/>
                 <a:cs typeface="+mn-cs"/>
               </a:rPr>
-              <a:t>Error handling middleware in express is characterised by a four parameter signature. The first parameter is the error object and the last 3 are </a:t>
-            </a:r>
-            <a:r>
-              <a:rPr lang="en-ZA" sz="1200" kern="1200" dirty="0" err="1" smtClean="0">
-                <a:solidFill>
-                  <a:schemeClr val="tx1"/>
-                </a:solidFill>
-                <a:effectLst/>
-                <a:latin typeface="+mn-lt"/>
-                <a:ea typeface="+mn-ea"/>
-                <a:cs typeface="+mn-cs"/>
-              </a:rPr>
-              <a:t>req</a:t>
-            </a:r>
-            <a:r>
-              <a:rPr lang="en-ZA" sz="1200" kern="1200" dirty="0" smtClean="0">
-                <a:solidFill>
-                  <a:schemeClr val="tx1"/>
-                </a:solidFill>
-                <a:effectLst/>
-                <a:latin typeface="+mn-lt"/>
-                <a:ea typeface="+mn-ea"/>
-                <a:cs typeface="+mn-cs"/>
-              </a:rPr>
-              <a:t>, res and next, in that order. </a:t>
-            </a:r>
-          </a:p>
-          <a:p>
-            <a:pPr marL="0" marR="0" indent="0" algn="l" defTabSz="914400" rtl="0" eaLnBrk="1" fontAlgn="auto" latinLnBrk="0" hangingPunct="1">
-              <a:lnSpc>
-                <a:spcPct val="100000"/>
-              </a:lnSpc>
-              <a:spcBef>
-                <a:spcPts val="0"/>
-              </a:spcBef>
-              <a:spcAft>
-                <a:spcPts val="0"/>
-              </a:spcAft>
-              <a:buClrTx/>
-              <a:buSzTx/>
-              <a:buFontTx/>
-              <a:buNone/>
-              <a:tabLst/>
-              <a:defRPr/>
-            </a:pPr>
+              <a:t>We can also attach a series of callback functions that act as middleware to our route handler. This way we isolate them to that very specific route.  </a:t>
+            </a:r>
+          </a:p>
+          <a:p>
             <a:endParaRPr lang="en-ZA" sz="1200" kern="1200" dirty="0" smtClean="0">
               <a:solidFill>
                 <a:schemeClr val="tx1"/>
@@ -2712,47 +2512,67 @@
             </a:endParaRPr>
           </a:p>
           <a:p>
-            <a:pPr marL="0" marR="0" indent="0" algn="l" defTabSz="914400" rtl="0" eaLnBrk="1" fontAlgn="auto" latinLnBrk="0" hangingPunct="1">
-              <a:lnSpc>
-                <a:spcPct val="100000"/>
-              </a:lnSpc>
-              <a:spcBef>
-                <a:spcPts val="0"/>
-              </a:spcBef>
-              <a:spcAft>
-                <a:spcPts val="0"/>
-              </a:spcAft>
-              <a:buClrTx/>
-              <a:buSzTx/>
-              <a:buFontTx/>
-              <a:buNone/>
-              <a:tabLst/>
-              <a:defRPr/>
-            </a:pPr>
-            <a:r>
-              <a:rPr lang="en-ZA" dirty="0" smtClean="0"/>
-              <a:t>But how does express know that an error has occurred? How do other middleware communicate this to the rest of the app?</a:t>
-            </a:r>
-          </a:p>
-          <a:p>
-            <a:pPr marL="0" marR="0" indent="0" algn="l" defTabSz="914400" rtl="0" eaLnBrk="1" fontAlgn="auto" latinLnBrk="0" hangingPunct="1">
-              <a:lnSpc>
-                <a:spcPct val="100000"/>
-              </a:lnSpc>
-              <a:spcBef>
-                <a:spcPts val="0"/>
-              </a:spcBef>
-              <a:spcAft>
-                <a:spcPts val="0"/>
-              </a:spcAft>
-              <a:buClrTx/>
-              <a:buSzTx/>
-              <a:buFontTx/>
-              <a:buNone/>
-              <a:tabLst/>
-              <a:defRPr/>
-            </a:pPr>
-            <a:endParaRPr lang="en-ZA" sz="1200" kern="1200" dirty="0" smtClean="0">
+            <a:r>
+              <a:rPr lang="en-ZA" sz="1200" kern="1200" dirty="0" smtClean="0">
+                <a:solidFill>
+                  <a:schemeClr val="tx1"/>
+                </a:solidFill>
+                <a:effectLst/>
+                <a:latin typeface="+mn-lt"/>
+                <a:ea typeface="+mn-ea"/>
+                <a:cs typeface="+mn-cs"/>
+              </a:rPr>
+              <a:t>Each of them have the same </a:t>
+            </a:r>
+            <a:r>
+              <a:rPr lang="en-ZA" sz="1200" kern="1200" dirty="0" err="1" smtClean="0">
+                <a:solidFill>
+                  <a:schemeClr val="tx1"/>
+                </a:solidFill>
+                <a:effectLst/>
+                <a:latin typeface="+mn-lt"/>
+                <a:ea typeface="+mn-ea"/>
+                <a:cs typeface="+mn-cs"/>
+              </a:rPr>
+              <a:t>req</a:t>
+            </a:r>
+            <a:r>
+              <a:rPr lang="en-ZA" sz="1200" kern="1200" dirty="0" smtClean="0">
+                <a:solidFill>
+                  <a:schemeClr val="tx1"/>
+                </a:solidFill>
+                <a:effectLst/>
+                <a:latin typeface="+mn-lt"/>
+                <a:ea typeface="+mn-ea"/>
+                <a:cs typeface="+mn-cs"/>
+              </a:rPr>
+              <a:t>, res, next signature, common</a:t>
+            </a:r>
+            <a:r>
+              <a:rPr lang="en-ZA" sz="1200" kern="1200" baseline="0" dirty="0" smtClean="0">
+                <a:solidFill>
+                  <a:schemeClr val="tx1"/>
+                </a:solidFill>
+                <a:effectLst/>
+                <a:latin typeface="+mn-lt"/>
+                <a:ea typeface="+mn-ea"/>
+                <a:cs typeface="+mn-cs"/>
+              </a:rPr>
+              <a:t> to middleware</a:t>
+            </a:r>
+            <a:r>
+              <a:rPr lang="en-ZA" sz="1200" kern="1200" dirty="0" smtClean="0">
+                <a:solidFill>
+                  <a:schemeClr val="tx1"/>
+                </a:solidFill>
+                <a:effectLst/>
+                <a:latin typeface="+mn-lt"/>
+                <a:ea typeface="+mn-ea"/>
+                <a:cs typeface="+mn-cs"/>
+              </a:rPr>
+              <a:t>. </a:t>
+            </a:r>
+            <a:endParaRPr lang="en-ZA" sz="1200" kern="1200" dirty="0">
               <a:solidFill>
                 <a:schemeClr val="tx1"/>
               </a:solidFill>
@@ -2762,19 +2582,6 @@
               <a:cs typeface="+mn-cs"/>
             </a:endParaRPr>
           </a:p>
-          <a:p>
-            <a:r>
-              <a:rPr lang="en-ZA" b="1" dirty="0" smtClean="0"/>
-              <a:t>Note</a:t>
-            </a:r>
-            <a:r>
-              <a:rPr lang="en-ZA" b="1" baseline="0" dirty="0" smtClean="0"/>
-              <a:t> that in all our previous examples, next() is called without any parameters. If at any point we call next() with any arguments then express assumes that first argument to be an error object/message. Note, there is no standard express error so this error could take any form.</a:t>
-            </a:r>
-          </a:p>
-          <a:p>
-            <a:endParaRPr lang="en-ZA" b="1" baseline="0" dirty="0" smtClean="0"/>
-          </a:p>
         </p:txBody>
       </p:sp>
       <p:sp>
@@ -2794,7 +2601,7 @@
           <a:p>
             <a:fld id="{325FAB6F-F295-44F7-B511-A16B864003EE}" type="slidenum">
               <a:rPr lang="en-ZA" smtClean="0"/>
-              <a:t>25</a:t>
+              <a:t>24</a:t>
             </a:fld>
             <a:endParaRPr lang="en-ZA"/>
           </a:p>
@@ -2803,7 +2610,7 @@
     </p:spTree>
     <p:extLst>
       <p:ext uri="{BB962C8B-B14F-4D97-AF65-F5344CB8AC3E}">
-        <p14:creationId xmlns:p14="http://schemas.microsoft.com/office/powerpoint/2010/main" val="3251703028"/>
+        <p14:creationId xmlns:p14="http://schemas.microsoft.com/office/powerpoint/2010/main" val="741470479"/>
       </p:ext>
     </p:extLst>
   </p:cSld>
@@ -2857,23 +2664,151 @@
           <a:bodyPr/>
           <a:lstStyle/>
           <a:p>
+            <a:pPr marL="0" marR="0" indent="0" algn="l" defTabSz="914400" rtl="0" eaLnBrk="1" fontAlgn="auto" latinLnBrk="0" hangingPunct="1">
+              <a:lnSpc>
+                <a:spcPct val="100000"/>
+              </a:lnSpc>
+              <a:spcBef>
+                <a:spcPts val="0"/>
+              </a:spcBef>
+              <a:spcAft>
+                <a:spcPts val="0"/>
+              </a:spcAft>
+              <a:buClrTx/>
+              <a:buSzTx/>
+              <a:buFontTx/>
+              <a:buNone/>
+              <a:tabLst/>
+              <a:defRPr/>
+            </a:pPr>
+            <a:r>
+              <a:rPr lang="en-ZA" sz="1200" kern="1200" dirty="0" smtClean="0">
+                <a:solidFill>
+                  <a:schemeClr val="tx1"/>
+                </a:solidFill>
+                <a:effectLst/>
+                <a:latin typeface="+mn-lt"/>
+                <a:ea typeface="+mn-ea"/>
+                <a:cs typeface="+mn-cs"/>
+              </a:rPr>
+              <a:t>Error handling middleware in express is characterised by a four parameter signature. The first parameter is the error object and the last 3 are </a:t>
+            </a:r>
+            <a:r>
+              <a:rPr lang="en-ZA" sz="1200" kern="1200" dirty="0" err="1" smtClean="0">
+                <a:solidFill>
+                  <a:schemeClr val="tx1"/>
+                </a:solidFill>
+                <a:effectLst/>
+                <a:latin typeface="+mn-lt"/>
+                <a:ea typeface="+mn-ea"/>
+                <a:cs typeface="+mn-cs"/>
+              </a:rPr>
+              <a:t>req</a:t>
+            </a:r>
+            <a:r>
+              <a:rPr lang="en-ZA" sz="1200" kern="1200" dirty="0" smtClean="0">
+                <a:solidFill>
+                  <a:schemeClr val="tx1"/>
+                </a:solidFill>
+                <a:effectLst/>
+                <a:latin typeface="+mn-lt"/>
+                <a:ea typeface="+mn-ea"/>
+                <a:cs typeface="+mn-cs"/>
+              </a:rPr>
+              <a:t>, res and next, in that order. </a:t>
+            </a:r>
+          </a:p>
+          <a:p>
+            <a:pPr marL="0" marR="0" indent="0" algn="l" defTabSz="914400" rtl="0" eaLnBrk="1" fontAlgn="auto" latinLnBrk="0" hangingPunct="1">
+              <a:lnSpc>
+                <a:spcPct val="100000"/>
+              </a:lnSpc>
+              <a:spcBef>
+                <a:spcPts val="0"/>
+              </a:spcBef>
+              <a:spcAft>
+                <a:spcPts val="0"/>
+              </a:spcAft>
+              <a:buClrTx/>
+              <a:buSzTx/>
+              <a:buFontTx/>
+              <a:buNone/>
+              <a:tabLst/>
+              <a:defRPr/>
+            </a:pPr>
+            <a:endParaRPr lang="en-ZA" sz="1200" kern="1200" dirty="0" smtClean="0">
+              <a:solidFill>
+                <a:schemeClr val="tx1"/>
+              </a:solidFill>
+              <a:effectLst/>
+              <a:latin typeface="+mn-lt"/>
+              <a:ea typeface="+mn-ea"/>
+              <a:cs typeface="+mn-cs"/>
+            </a:endParaRPr>
+          </a:p>
+          <a:p>
+            <a:pPr marL="0" marR="0" indent="0" algn="l" defTabSz="914400" rtl="0" eaLnBrk="1" fontAlgn="auto" latinLnBrk="0" hangingPunct="1">
+              <a:lnSpc>
+                <a:spcPct val="100000"/>
+              </a:lnSpc>
+              <a:spcBef>
+                <a:spcPts val="0"/>
+              </a:spcBef>
+              <a:spcAft>
+                <a:spcPts val="0"/>
+              </a:spcAft>
+              <a:buClrTx/>
+              <a:buSzTx/>
+              <a:buFontTx/>
+              <a:buNone/>
+              <a:tabLst/>
+              <a:defRPr/>
+            </a:pPr>
             <a:r>
               <a:rPr lang="en-ZA" dirty="0" smtClean="0"/>
-              <a:t>If</a:t>
-            </a:r>
-            <a:r>
-              <a:rPr lang="en-ZA" baseline="0" dirty="0" smtClean="0"/>
-              <a:t> we pass a </a:t>
-            </a:r>
-            <a:r>
-              <a:rPr lang="en-ZA" baseline="0" dirty="0" err="1" smtClean="0"/>
-              <a:t>postId</a:t>
-            </a:r>
-            <a:r>
-              <a:rPr lang="en-ZA" baseline="0" dirty="0" smtClean="0"/>
-              <a:t> of 100 Express will send back an error a 404 with the appropriate message. If we do not specify the status express will assume a 500!</a:t>
-            </a:r>
-            <a:endParaRPr lang="en-ZA" dirty="0"/>
+              <a:t>But how does express know that an error has occurred? How do other middleware communicate this to the rest of the app?</a:t>
+            </a:r>
+          </a:p>
+          <a:p>
+            <a:pPr marL="0" marR="0" indent="0" algn="l" defTabSz="914400" rtl="0" eaLnBrk="1" fontAlgn="auto" latinLnBrk="0" hangingPunct="1">
+              <a:lnSpc>
+                <a:spcPct val="100000"/>
+              </a:lnSpc>
+              <a:spcBef>
+                <a:spcPts val="0"/>
+              </a:spcBef>
+              <a:spcAft>
+                <a:spcPts val="0"/>
+              </a:spcAft>
+              <a:buClrTx/>
+              <a:buSzTx/>
+              <a:buFontTx/>
+              <a:buNone/>
+              <a:tabLst/>
+              <a:defRPr/>
+            </a:pPr>
+            <a:endParaRPr lang="en-ZA" sz="1200" kern="1200" dirty="0" smtClean="0">
+              <a:solidFill>
+                <a:schemeClr val="tx1"/>
+              </a:solidFill>
+              <a:effectLst/>
+              <a:latin typeface="+mn-lt"/>
+              <a:ea typeface="+mn-ea"/>
+              <a:cs typeface="+mn-cs"/>
+            </a:endParaRPr>
+          </a:p>
+          <a:p>
+            <a:r>
+              <a:rPr lang="en-ZA" b="1" dirty="0" smtClean="0"/>
+              <a:t>Note</a:t>
+            </a:r>
+            <a:r>
+              <a:rPr lang="en-ZA" b="1" baseline="0" dirty="0" smtClean="0"/>
+              <a:t> that in all our previous examples, next() is called without any parameters. If at any point we call next() with any arguments then express assumes that first argument to be an error object/message. Note, there is no standard express error so this error could take any form.</a:t>
+            </a:r>
+          </a:p>
+          <a:p>
+            <a:endParaRPr lang="en-ZA" b="1" baseline="0" dirty="0" smtClean="0"/>
           </a:p>
         </p:txBody>
       </p:sp>
@@ -2894,7 +2829,7 @@
           <a:p>
             <a:fld id="{325FAB6F-F295-44F7-B511-A16B864003EE}" type="slidenum">
               <a:rPr lang="en-ZA" smtClean="0"/>
-              <a:t>26</a:t>
+              <a:t>25</a:t>
             </a:fld>
             <a:endParaRPr lang="en-ZA"/>
           </a:p>
@@ -2903,7 +2838,7 @@
     </p:spTree>
     <p:extLst>
       <p:ext uri="{BB962C8B-B14F-4D97-AF65-F5344CB8AC3E}">
-        <p14:creationId xmlns:p14="http://schemas.microsoft.com/office/powerpoint/2010/main" val="367862964"/>
+        <p14:creationId xmlns:p14="http://schemas.microsoft.com/office/powerpoint/2010/main" val="3251703028"/>
       </p:ext>
     </p:extLst>
   </p:cSld>
@@ -2959,6 +2894,106 @@
           <a:p>
             <a:r>
               <a:rPr lang="en-ZA" dirty="0" smtClean="0"/>
+              <a:t>If</a:t>
+            </a:r>
+            <a:r>
+              <a:rPr lang="en-ZA" baseline="0" dirty="0" smtClean="0"/>
+              <a:t> we pass a </a:t>
+            </a:r>
+            <a:r>
+              <a:rPr lang="en-ZA" baseline="0" dirty="0" err="1" smtClean="0"/>
+              <a:t>postId</a:t>
+            </a:r>
+            <a:r>
+              <a:rPr lang="en-ZA" baseline="0" dirty="0" smtClean="0"/>
+              <a:t> of 100 Express will send back an error a 404 with the appropriate message. If we do not specify the status express will assume a 500!</a:t>
+            </a:r>
+            <a:endParaRPr lang="en-ZA" dirty="0"/>
+          </a:p>
+        </p:txBody>
+      </p:sp>
+      <p:sp>
+        <p:nvSpPr>
+          <p:cNvPr id="4" name="Slide Number Placeholder 3"/>
+          <p:cNvSpPr>
+            <a:spLocks noGrp="1"/>
+          </p:cNvSpPr>
+          <p:nvPr>
+            <p:ph type="sldNum" sz="quarter" idx="10"/>
+          </p:nvPr>
+        </p:nvSpPr>
+        <p:spPr/>
+        <p:txBody>
+          <a:bodyPr/>
+          <a:lstStyle/>
+          <a:p>
+            <a:fld id="{325FAB6F-F295-44F7-B511-A16B864003EE}" type="slidenum">
+              <a:rPr lang="en-ZA" smtClean="0"/>
+              <a:t>26</a:t>
+            </a:fld>
+            <a:endParaRPr lang="en-ZA"/>
+          </a:p>
+        </p:txBody>
+      </p:sp>
+    </p:spTree>
+    <p:extLst>
+      <p:ext uri="{BB962C8B-B14F-4D97-AF65-F5344CB8AC3E}">
+        <p14:creationId xmlns:p14="http://schemas.microsoft.com/office/powerpoint/2010/main" val="367862964"/>
+      </p:ext>
+    </p:extLst>
+  </p:cSld>
+  <p:clrMapOvr>
+    <a:masterClrMapping/>
+  </p:clrMapOvr>
+</p:notes>
+</file>
+
+<file path=ppt/notesSlides/notesSlide26.xml><?xml version="1.0" encoding="utf-8"?>
+<p:notes xmlns:a="http://schemas.openxmlformats.org/drawingml/2006/main" xmlns:r="http://schemas.openxmlformats.org/officeDocument/2006/relationships" xmlns:p="http://schemas.openxmlformats.org/presentationml/2006/main">
+  <p:cSld>
+    <p:spTree>
+      <p:nvGrpSpPr>
+        <p:cNvPr id="1" name=""/>
+        <p:cNvGrpSpPr/>
+        <p:nvPr/>
+      </p:nvGrpSpPr>
+      <p:grpSpPr>
+        <a:xfrm>
+          <a:off x="0" y="0"/>
+          <a:ext cx="0" cy="0"/>
+          <a:chOff x="0" y="0"/>
+          <a:chExt cx="0" cy="0"/>
+        </a:xfrm>
+      </p:grpSpPr>
+      <p:sp>
+        <p:nvSpPr>
+          <p:cNvPr id="2" name="Slide Image Placeholder 1"/>
+          <p:cNvSpPr>
+            <a:spLocks noGrp="1" noRot="1" noChangeAspect="1"/>
+          </p:cNvSpPr>
+          <p:nvPr>
+            <p:ph type="sldImg"/>
+          </p:nvPr>
+        </p:nvSpPr>
+        <p:spPr/>
+      </p:sp>
+      <p:sp>
+        <p:nvSpPr>
+          <p:cNvPr id="3" name="Notes Placeholder 2"/>
+          <p:cNvSpPr>
+            <a:spLocks noGrp="1"/>
+          </p:cNvSpPr>
+          <p:nvPr>
+            <p:ph type="body" idx="1"/>
+          </p:nvPr>
+        </p:nvSpPr>
+        <p:spPr/>
+        <p:txBody>
+          <a:bodyPr/>
+          <a:lstStyle/>
+          <a:p>
+            <a:r>
+              <a:rPr lang="en-ZA" dirty="0" smtClean="0"/>
               <a:t>We can</a:t>
             </a:r>
             <a:r>
@@ -2976,12 +3011,44 @@
             </a:br>
             <a:r>
               <a:rPr lang="en-ZA" baseline="0" dirty="0" smtClean="0"/>
-              <a:t>In this specific example, we only handle 404 errors, If the error is not a 404 then we pass it on to </a:t>
-            </a:r>
-            <a:r>
-              <a:rPr lang="en-ZA" baseline="0" smtClean="0"/>
-              <a:t>the next error handler. </a:t>
-            </a:r>
+              <a:t>In this specific example, we only handle 404 errors, If the error is not a 404 then we pass it on to the next error handler. </a:t>
+            </a:r>
+          </a:p>
+          <a:p>
+            <a:endParaRPr lang="en-ZA" baseline="0" dirty="0" smtClean="0"/>
+          </a:p>
+          <a:p>
+            <a:pPr marL="0" marR="0" indent="0" algn="l" defTabSz="914400" rtl="0" eaLnBrk="1" fontAlgn="auto" latinLnBrk="0" hangingPunct="1">
+              <a:lnSpc>
+                <a:spcPct val="100000"/>
+              </a:lnSpc>
+              <a:spcBef>
+                <a:spcPts val="0"/>
+              </a:spcBef>
+              <a:spcAft>
+                <a:spcPts val="0"/>
+              </a:spcAft>
+              <a:buClrTx/>
+              <a:buSzTx/>
+              <a:buFontTx/>
+              <a:buNone/>
+              <a:tabLst/>
+              <a:defRPr/>
+            </a:pPr>
+            <a:r>
+              <a:rPr lang="en-ZA" sz="1200" kern="1200" dirty="0" smtClean="0">
+                <a:solidFill>
+                  <a:schemeClr val="tx1"/>
+                </a:solidFill>
+                <a:effectLst/>
+                <a:latin typeface="+mn-lt"/>
+                <a:ea typeface="+mn-ea"/>
+                <a:cs typeface="+mn-cs"/>
+              </a:rPr>
+              <a:t>Express also has built in Error handling middleware and this is the very end of the middleware stack. If any error is not handled, it will be handled by the default express error handler. </a:t>
+            </a:r>
+          </a:p>
+          <a:p>
             <a:endParaRPr lang="en-ZA" baseline="0" dirty="0" smtClean="0"/>
           </a:p>
         </p:txBody>
@@ -3013,6 +3080,552 @@
     <p:extLst>
       <p:ext uri="{BB962C8B-B14F-4D97-AF65-F5344CB8AC3E}">
         <p14:creationId xmlns:p14="http://schemas.microsoft.com/office/powerpoint/2010/main" val="2946616682"/>
+      </p:ext>
+    </p:extLst>
+  </p:cSld>
+  <p:clrMapOvr>
+    <a:masterClrMapping/>
+  </p:clrMapOvr>
+</p:notes>
+</file>
+
+<file path=ppt/notesSlides/notesSlide27.xml><?xml version="1.0" encoding="utf-8"?>
+<p:notes xmlns:a="http://schemas.openxmlformats.org/drawingml/2006/main" xmlns:r="http://schemas.openxmlformats.org/officeDocument/2006/relationships" xmlns:p="http://schemas.openxmlformats.org/presentationml/2006/main">
+  <p:cSld>
+    <p:spTree>
+      <p:nvGrpSpPr>
+        <p:cNvPr id="1" name=""/>
+        <p:cNvGrpSpPr/>
+        <p:nvPr/>
+      </p:nvGrpSpPr>
+      <p:grpSpPr>
+        <a:xfrm>
+          <a:off x="0" y="0"/>
+          <a:ext cx="0" cy="0"/>
+          <a:chOff x="0" y="0"/>
+          <a:chExt cx="0" cy="0"/>
+        </a:xfrm>
+      </p:grpSpPr>
+      <p:sp>
+        <p:nvSpPr>
+          <p:cNvPr id="2" name="Slide Image Placeholder 1"/>
+          <p:cNvSpPr>
+            <a:spLocks noGrp="1" noRot="1" noChangeAspect="1"/>
+          </p:cNvSpPr>
+          <p:nvPr>
+            <p:ph type="sldImg"/>
+          </p:nvPr>
+        </p:nvSpPr>
+        <p:spPr/>
+      </p:sp>
+      <p:sp>
+        <p:nvSpPr>
+          <p:cNvPr id="3" name="Notes Placeholder 2"/>
+          <p:cNvSpPr>
+            <a:spLocks noGrp="1"/>
+          </p:cNvSpPr>
+          <p:nvPr>
+            <p:ph type="body" idx="1"/>
+          </p:nvPr>
+        </p:nvSpPr>
+        <p:spPr/>
+        <p:txBody>
+          <a:bodyPr/>
+          <a:lstStyle/>
+          <a:p>
+            <a:pPr marL="0" marR="0" indent="0" algn="l" defTabSz="914400" rtl="0" eaLnBrk="1" fontAlgn="auto" latinLnBrk="0" hangingPunct="1">
+              <a:lnSpc>
+                <a:spcPct val="100000"/>
+              </a:lnSpc>
+              <a:spcBef>
+                <a:spcPts val="0"/>
+              </a:spcBef>
+              <a:spcAft>
+                <a:spcPts val="0"/>
+              </a:spcAft>
+              <a:buClrTx/>
+              <a:buSzTx/>
+              <a:buFontTx/>
+              <a:buNone/>
+              <a:tabLst/>
+              <a:defRPr/>
+            </a:pPr>
+            <a:r>
+              <a:rPr lang="en-ZA" sz="1200" kern="1200" dirty="0" smtClean="0">
+                <a:solidFill>
+                  <a:schemeClr val="tx1"/>
+                </a:solidFill>
+                <a:effectLst/>
+                <a:latin typeface="+mn-lt"/>
+                <a:ea typeface="+mn-ea"/>
+                <a:cs typeface="+mn-cs"/>
+              </a:rPr>
+              <a:t>Express is a very minimalistic framework and uses mostly 3</a:t>
+            </a:r>
+            <a:r>
+              <a:rPr lang="en-ZA" sz="1200" kern="1200" baseline="30000" dirty="0" smtClean="0">
+                <a:solidFill>
+                  <a:schemeClr val="tx1"/>
+                </a:solidFill>
+                <a:effectLst/>
+                <a:latin typeface="+mn-lt"/>
+                <a:ea typeface="+mn-ea"/>
+                <a:cs typeface="+mn-cs"/>
+              </a:rPr>
+              <a:t>rd</a:t>
+            </a:r>
+            <a:r>
+              <a:rPr lang="en-ZA" sz="1200" kern="1200" dirty="0" smtClean="0">
+                <a:solidFill>
+                  <a:schemeClr val="tx1"/>
+                </a:solidFill>
+                <a:effectLst/>
+                <a:latin typeface="+mn-lt"/>
+                <a:ea typeface="+mn-ea"/>
+                <a:cs typeface="+mn-cs"/>
+              </a:rPr>
+              <a:t> party middleware for most functionality. Express does not provide a way to access the body of a request out of the box. For this we use another middleware called body-parser. </a:t>
+            </a:r>
+          </a:p>
+          <a:p>
+            <a:endParaRPr lang="en-ZA" dirty="0"/>
+          </a:p>
+        </p:txBody>
+      </p:sp>
+      <p:sp>
+        <p:nvSpPr>
+          <p:cNvPr id="4" name="Slide Number Placeholder 3"/>
+          <p:cNvSpPr>
+            <a:spLocks noGrp="1"/>
+          </p:cNvSpPr>
+          <p:nvPr>
+            <p:ph type="sldNum" sz="quarter" idx="10"/>
+          </p:nvPr>
+        </p:nvSpPr>
+        <p:spPr/>
+        <p:txBody>
+          <a:bodyPr/>
+          <a:lstStyle/>
+          <a:p>
+            <a:fld id="{325FAB6F-F295-44F7-B511-A16B864003EE}" type="slidenum">
+              <a:rPr lang="en-ZA" smtClean="0"/>
+              <a:t>29</a:t>
+            </a:fld>
+            <a:endParaRPr lang="en-ZA"/>
+          </a:p>
+        </p:txBody>
+      </p:sp>
+    </p:spTree>
+    <p:extLst>
+      <p:ext uri="{BB962C8B-B14F-4D97-AF65-F5344CB8AC3E}">
+        <p14:creationId xmlns:p14="http://schemas.microsoft.com/office/powerpoint/2010/main" val="1166865550"/>
+      </p:ext>
+    </p:extLst>
+  </p:cSld>
+  <p:clrMapOvr>
+    <a:masterClrMapping/>
+  </p:clrMapOvr>
+</p:notes>
+</file>
+
+<file path=ppt/notesSlides/notesSlide28.xml><?xml version="1.0" encoding="utf-8"?>
+<p:notes xmlns:a="http://schemas.openxmlformats.org/drawingml/2006/main" xmlns:r="http://schemas.openxmlformats.org/officeDocument/2006/relationships" xmlns:p="http://schemas.openxmlformats.org/presentationml/2006/main">
+  <p:cSld>
+    <p:spTree>
+      <p:nvGrpSpPr>
+        <p:cNvPr id="1" name=""/>
+        <p:cNvGrpSpPr/>
+        <p:nvPr/>
+      </p:nvGrpSpPr>
+      <p:grpSpPr>
+        <a:xfrm>
+          <a:off x="0" y="0"/>
+          <a:ext cx="0" cy="0"/>
+          <a:chOff x="0" y="0"/>
+          <a:chExt cx="0" cy="0"/>
+        </a:xfrm>
+      </p:grpSpPr>
+      <p:sp>
+        <p:nvSpPr>
+          <p:cNvPr id="2" name="Slide Image Placeholder 1"/>
+          <p:cNvSpPr>
+            <a:spLocks noGrp="1" noRot="1" noChangeAspect="1"/>
+          </p:cNvSpPr>
+          <p:nvPr>
+            <p:ph type="sldImg"/>
+          </p:nvPr>
+        </p:nvSpPr>
+        <p:spPr/>
+      </p:sp>
+      <p:sp>
+        <p:nvSpPr>
+          <p:cNvPr id="3" name="Notes Placeholder 2"/>
+          <p:cNvSpPr>
+            <a:spLocks noGrp="1"/>
+          </p:cNvSpPr>
+          <p:nvPr>
+            <p:ph type="body" idx="1"/>
+          </p:nvPr>
+        </p:nvSpPr>
+        <p:spPr/>
+        <p:txBody>
+          <a:bodyPr/>
+          <a:lstStyle/>
+          <a:p>
+            <a:r>
+              <a:rPr lang="en-ZA" dirty="0" smtClean="0"/>
+              <a:t>Cross-origin resource sharing (CORS) is a mechanism that allows restricted resources (e.g. fonts) on a web page to be requested from another domain outside the domain from which the resource originated (Wikipedia). Because of the same-origin policy – which is a security measure implemented by browsers - , Ajax request from one domain to a different domain will ordinarily be blocked. CORS allows us to calibrate our server and whitelist certain domains so that they are able to access resources from our site. </a:t>
+            </a:r>
+          </a:p>
+          <a:p>
+            <a:endParaRPr lang="en-ZA" dirty="0" smtClean="0"/>
+          </a:p>
+          <a:p>
+            <a:endParaRPr lang="en-ZA" dirty="0"/>
+          </a:p>
+        </p:txBody>
+      </p:sp>
+      <p:sp>
+        <p:nvSpPr>
+          <p:cNvPr id="4" name="Slide Number Placeholder 3"/>
+          <p:cNvSpPr>
+            <a:spLocks noGrp="1"/>
+          </p:cNvSpPr>
+          <p:nvPr>
+            <p:ph type="sldNum" sz="quarter" idx="10"/>
+          </p:nvPr>
+        </p:nvSpPr>
+        <p:spPr/>
+        <p:txBody>
+          <a:bodyPr/>
+          <a:lstStyle/>
+          <a:p>
+            <a:fld id="{325FAB6F-F295-44F7-B511-A16B864003EE}" type="slidenum">
+              <a:rPr lang="en-ZA" smtClean="0"/>
+              <a:t>30</a:t>
+            </a:fld>
+            <a:endParaRPr lang="en-ZA"/>
+          </a:p>
+        </p:txBody>
+      </p:sp>
+    </p:spTree>
+    <p:extLst>
+      <p:ext uri="{BB962C8B-B14F-4D97-AF65-F5344CB8AC3E}">
+        <p14:creationId xmlns:p14="http://schemas.microsoft.com/office/powerpoint/2010/main" val="2396742591"/>
+      </p:ext>
+    </p:extLst>
+  </p:cSld>
+  <p:clrMapOvr>
+    <a:masterClrMapping/>
+  </p:clrMapOvr>
+</p:notes>
+</file>
+
+<file path=ppt/notesSlides/notesSlide29.xml><?xml version="1.0" encoding="utf-8"?>
+<p:notes xmlns:a="http://schemas.openxmlformats.org/drawingml/2006/main" xmlns:r="http://schemas.openxmlformats.org/officeDocument/2006/relationships" xmlns:p="http://schemas.openxmlformats.org/presentationml/2006/main">
+  <p:cSld>
+    <p:spTree>
+      <p:nvGrpSpPr>
+        <p:cNvPr id="1" name=""/>
+        <p:cNvGrpSpPr/>
+        <p:nvPr/>
+      </p:nvGrpSpPr>
+      <p:grpSpPr>
+        <a:xfrm>
+          <a:off x="0" y="0"/>
+          <a:ext cx="0" cy="0"/>
+          <a:chOff x="0" y="0"/>
+          <a:chExt cx="0" cy="0"/>
+        </a:xfrm>
+      </p:grpSpPr>
+      <p:sp>
+        <p:nvSpPr>
+          <p:cNvPr id="2" name="Slide Image Placeholder 1"/>
+          <p:cNvSpPr>
+            <a:spLocks noGrp="1" noRot="1" noChangeAspect="1"/>
+          </p:cNvSpPr>
+          <p:nvPr>
+            <p:ph type="sldImg"/>
+          </p:nvPr>
+        </p:nvSpPr>
+        <p:spPr/>
+      </p:sp>
+      <p:sp>
+        <p:nvSpPr>
+          <p:cNvPr id="3" name="Notes Placeholder 2"/>
+          <p:cNvSpPr>
+            <a:spLocks noGrp="1"/>
+          </p:cNvSpPr>
+          <p:nvPr>
+            <p:ph type="body" idx="1"/>
+          </p:nvPr>
+        </p:nvSpPr>
+        <p:spPr/>
+        <p:txBody>
+          <a:bodyPr/>
+          <a:lstStyle/>
+          <a:p>
+            <a:pPr marL="0" marR="0" indent="0" algn="l" defTabSz="914400" rtl="0" eaLnBrk="1" fontAlgn="auto" latinLnBrk="0" hangingPunct="1">
+              <a:lnSpc>
+                <a:spcPct val="100000"/>
+              </a:lnSpc>
+              <a:spcBef>
+                <a:spcPts val="0"/>
+              </a:spcBef>
+              <a:spcAft>
+                <a:spcPts val="0"/>
+              </a:spcAft>
+              <a:buClrTx/>
+              <a:buSzTx/>
+              <a:buFontTx/>
+              <a:buNone/>
+              <a:tabLst/>
+              <a:defRPr/>
+            </a:pPr>
+            <a:r>
+              <a:rPr lang="en-ZA" sz="1200" kern="1200" dirty="0" smtClean="0">
+                <a:solidFill>
+                  <a:schemeClr val="tx1"/>
+                </a:solidFill>
+                <a:effectLst/>
+                <a:latin typeface="+mn-lt"/>
+                <a:ea typeface="+mn-ea"/>
+                <a:cs typeface="+mn-cs"/>
+              </a:rPr>
+              <a:t>Remember mongo is schema-less, so it will take everything</a:t>
+            </a:r>
+            <a:r>
+              <a:rPr lang="en-ZA" sz="1200" kern="1200" baseline="0" dirty="0" smtClean="0">
+                <a:solidFill>
+                  <a:schemeClr val="tx1"/>
+                </a:solidFill>
+                <a:effectLst/>
+                <a:latin typeface="+mn-lt"/>
+                <a:ea typeface="+mn-ea"/>
+                <a:cs typeface="+mn-cs"/>
+              </a:rPr>
+              <a:t> u throw at it without asking questions. </a:t>
+            </a:r>
+            <a:endParaRPr lang="en-ZA" sz="1200" kern="1200" dirty="0" smtClean="0">
+              <a:solidFill>
+                <a:schemeClr val="tx1"/>
+              </a:solidFill>
+              <a:effectLst/>
+              <a:latin typeface="+mn-lt"/>
+              <a:ea typeface="+mn-ea"/>
+              <a:cs typeface="+mn-cs"/>
+            </a:endParaRPr>
+          </a:p>
+          <a:p>
+            <a:pPr marL="0" marR="0" indent="0" algn="l" defTabSz="914400" rtl="0" eaLnBrk="1" fontAlgn="auto" latinLnBrk="0" hangingPunct="1">
+              <a:lnSpc>
+                <a:spcPct val="100000"/>
+              </a:lnSpc>
+              <a:spcBef>
+                <a:spcPts val="0"/>
+              </a:spcBef>
+              <a:spcAft>
+                <a:spcPts val="0"/>
+              </a:spcAft>
+              <a:buClrTx/>
+              <a:buSzTx/>
+              <a:buFontTx/>
+              <a:buNone/>
+              <a:tabLst/>
+              <a:defRPr/>
+            </a:pPr>
+            <a:r>
+              <a:rPr lang="en-ZA" sz="1200" kern="1200" dirty="0" smtClean="0">
+                <a:solidFill>
+                  <a:schemeClr val="tx1"/>
+                </a:solidFill>
+                <a:effectLst/>
+                <a:latin typeface="+mn-lt"/>
+                <a:ea typeface="+mn-ea"/>
+                <a:cs typeface="+mn-cs"/>
+              </a:rPr>
+              <a:t>As an example, consider the hypothetical </a:t>
+            </a:r>
+            <a:r>
+              <a:rPr lang="en-ZA" sz="1200" i="1" kern="1200" dirty="0" smtClean="0">
+                <a:solidFill>
+                  <a:schemeClr val="tx1"/>
+                </a:solidFill>
+                <a:effectLst/>
+                <a:latin typeface="+mn-lt"/>
+                <a:ea typeface="+mn-ea"/>
+                <a:cs typeface="+mn-cs"/>
+              </a:rPr>
+              <a:t>Post </a:t>
+            </a:r>
+            <a:r>
+              <a:rPr lang="en-ZA" sz="1200" kern="1200" dirty="0" smtClean="0">
+                <a:solidFill>
+                  <a:schemeClr val="tx1"/>
+                </a:solidFill>
+                <a:effectLst/>
+                <a:latin typeface="+mn-lt"/>
+                <a:ea typeface="+mn-ea"/>
+                <a:cs typeface="+mn-cs"/>
+              </a:rPr>
+              <a:t>object:</a:t>
+            </a:r>
+          </a:p>
+          <a:p>
+            <a:endParaRPr lang="en-ZA" dirty="0" smtClean="0"/>
+          </a:p>
+          <a:p>
+            <a:pPr marL="0" marR="0" indent="0" algn="l" defTabSz="914400" rtl="0" eaLnBrk="1" fontAlgn="auto" latinLnBrk="0" hangingPunct="1">
+              <a:lnSpc>
+                <a:spcPct val="100000"/>
+              </a:lnSpc>
+              <a:spcBef>
+                <a:spcPts val="0"/>
+              </a:spcBef>
+              <a:spcAft>
+                <a:spcPts val="0"/>
+              </a:spcAft>
+              <a:buClrTx/>
+              <a:buSzTx/>
+              <a:buFontTx/>
+              <a:buNone/>
+              <a:tabLst/>
+              <a:defRPr/>
+            </a:pPr>
+            <a:r>
+              <a:rPr lang="en-ZA" dirty="0" smtClean="0"/>
+              <a:t>There is nothing stopping</a:t>
+            </a:r>
+            <a:r>
+              <a:rPr lang="en-ZA" baseline="0" dirty="0" smtClean="0"/>
+              <a:t> someone from passing </a:t>
+            </a:r>
+            <a:r>
+              <a:rPr lang="en-ZA" dirty="0" smtClean="0"/>
+              <a:t>the value “</a:t>
+            </a:r>
+            <a:r>
+              <a:rPr lang="en-ZA" dirty="0" err="1" smtClean="0"/>
+              <a:t>xyyz</a:t>
+            </a:r>
+            <a:r>
+              <a:rPr lang="en-ZA" dirty="0" smtClean="0"/>
+              <a:t>” for the views, or a “Sello” For the </a:t>
+            </a:r>
+            <a:r>
+              <a:rPr lang="en-ZA" i="1" dirty="0" err="1" smtClean="0"/>
+              <a:t>datePosted</a:t>
+            </a:r>
+            <a:r>
+              <a:rPr lang="en-ZA" i="1" dirty="0" smtClean="0"/>
+              <a:t> </a:t>
+            </a:r>
+            <a:r>
+              <a:rPr lang="en-ZA" dirty="0" smtClean="0"/>
+              <a:t>field. Without JSON schema (Or any other type of validation) these values could be persisted to the database – if it too does not validate</a:t>
+            </a:r>
+            <a:r>
+              <a:rPr lang="en-ZA" baseline="0" dirty="0" smtClean="0"/>
+              <a:t> the fields</a:t>
+            </a:r>
+            <a:r>
+              <a:rPr lang="en-ZA" dirty="0" smtClean="0"/>
+              <a:t>. </a:t>
+            </a:r>
+          </a:p>
+          <a:p>
+            <a:endParaRPr lang="en-ZA" dirty="0" smtClean="0"/>
+          </a:p>
+          <a:p>
+            <a:endParaRPr lang="en-ZA" dirty="0" smtClean="0"/>
+          </a:p>
+          <a:p>
+            <a:pPr marL="0" marR="0" indent="0" algn="l" defTabSz="914400" rtl="0" eaLnBrk="1" fontAlgn="auto" latinLnBrk="0" hangingPunct="1">
+              <a:lnSpc>
+                <a:spcPct val="100000"/>
+              </a:lnSpc>
+              <a:spcBef>
+                <a:spcPts val="0"/>
+              </a:spcBef>
+              <a:spcAft>
+                <a:spcPts val="0"/>
+              </a:spcAft>
+              <a:buClrTx/>
+              <a:buSzTx/>
+              <a:buFontTx/>
+              <a:buNone/>
+              <a:tabLst/>
+              <a:defRPr/>
+            </a:pPr>
+            <a:r>
+              <a:rPr lang="en-ZA" sz="1200" kern="1200" dirty="0" smtClean="0">
+                <a:solidFill>
+                  <a:schemeClr val="tx1"/>
+                </a:solidFill>
+                <a:effectLst/>
+                <a:latin typeface="+mn-lt"/>
+                <a:ea typeface="+mn-ea"/>
+                <a:cs typeface="+mn-cs"/>
+              </a:rPr>
+              <a:t>JSON schema defines a contract for what a valid object looks like. For the example above, we can force our </a:t>
+            </a:r>
+            <a:r>
+              <a:rPr lang="en-ZA" sz="1200" i="1" kern="1200" dirty="0" smtClean="0">
+                <a:solidFill>
+                  <a:schemeClr val="tx1"/>
+                </a:solidFill>
+                <a:effectLst/>
+                <a:latin typeface="+mn-lt"/>
+                <a:ea typeface="+mn-ea"/>
+                <a:cs typeface="+mn-cs"/>
+              </a:rPr>
+              <a:t>post </a:t>
+            </a:r>
+            <a:r>
+              <a:rPr lang="en-ZA" sz="1200" kern="1200" dirty="0" smtClean="0">
+                <a:solidFill>
+                  <a:schemeClr val="tx1"/>
+                </a:solidFill>
+                <a:effectLst/>
+                <a:latin typeface="+mn-lt"/>
+                <a:ea typeface="+mn-ea"/>
+                <a:cs typeface="+mn-cs"/>
+              </a:rPr>
+              <a:t>object to look the way we desire. A possible for the object might look like: </a:t>
+            </a:r>
+          </a:p>
+          <a:p>
+            <a:endParaRPr lang="en-ZA" dirty="0"/>
+          </a:p>
+        </p:txBody>
+      </p:sp>
+      <p:sp>
+        <p:nvSpPr>
+          <p:cNvPr id="4" name="Slide Number Placeholder 3"/>
+          <p:cNvSpPr>
+            <a:spLocks noGrp="1"/>
+          </p:cNvSpPr>
+          <p:nvPr>
+            <p:ph type="sldNum" sz="quarter" idx="10"/>
+          </p:nvPr>
+        </p:nvSpPr>
+        <p:spPr/>
+        <p:txBody>
+          <a:bodyPr/>
+          <a:lstStyle/>
+          <a:p>
+            <a:fld id="{325FAB6F-F295-44F7-B511-A16B864003EE}" type="slidenum">
+              <a:rPr lang="en-ZA" smtClean="0"/>
+              <a:t>32</a:t>
+            </a:fld>
+            <a:endParaRPr lang="en-ZA"/>
+          </a:p>
+        </p:txBody>
+      </p:sp>
+    </p:spTree>
+    <p:extLst>
+      <p:ext uri="{BB962C8B-B14F-4D97-AF65-F5344CB8AC3E}">
+        <p14:creationId xmlns:p14="http://schemas.microsoft.com/office/powerpoint/2010/main" val="1582130156"/>
       </p:ext>
     </p:extLst>
   </p:cSld>
@@ -3068,11 +3681,11 @@
           <a:p>
             <a:r>
               <a:rPr lang="en-ZA" dirty="0" smtClean="0"/>
-              <a:t>So</a:t>
+              <a:t>We’re going to build</a:t>
             </a:r>
             <a:r>
               <a:rPr lang="en-ZA" baseline="0" dirty="0" smtClean="0"/>
-              <a:t> now we have express installed we can write a hello version for our </a:t>
+              <a:t> a node </a:t>
             </a:r>
             <a:r>
               <a:rPr lang="en-ZA" baseline="0" dirty="0" err="1" smtClean="0"/>
@@ -3080,7 +3693,7 @@
             </a:r>
             <a:r>
               <a:rPr lang="en-ZA" baseline="0" dirty="0" smtClean="0"/>
-              <a:t>.</a:t>
+              <a:t> that serves data about our blog. </a:t>
             </a:r>
           </a:p>
           <a:p>
@@ -3088,22 +3701,128 @@
           </a:p>
           <a:p>
             <a:r>
+              <a:rPr lang="en-ZA" baseline="0" dirty="0" err="1" smtClean="0"/>
+              <a:t>mkdir</a:t>
+            </a:r>
+            <a:r>
               <a:rPr lang="en-ZA" baseline="0" dirty="0" smtClean="0"/>
-              <a:t>- Create a new file. Hello-world.js</a:t>
-            </a:r>
-          </a:p>
-          <a:p>
+              <a:t> blog-</a:t>
+            </a:r>
+            <a:r>
+              <a:rPr lang="en-ZA" baseline="0" dirty="0" err="1" smtClean="0"/>
+              <a:t>api</a:t>
+            </a:r>
             <a:endParaRPr lang="en-ZA" baseline="0" dirty="0" smtClean="0"/>
           </a:p>
           <a:p>
             <a:r>
+              <a:rPr lang="en-ZA" baseline="0" dirty="0" err="1" smtClean="0"/>
+              <a:t>npm</a:t>
+            </a:r>
+            <a:r>
               <a:rPr lang="en-ZA" baseline="0" dirty="0" smtClean="0"/>
-              <a:t>We will get to what is happening in the slide but for now just copy and paste the above code.</a:t>
-            </a:r>
-          </a:p>
-          <a:p>
+              <a:t> </a:t>
+            </a:r>
+            <a:r>
+              <a:rPr lang="en-ZA" baseline="0" dirty="0" err="1" smtClean="0"/>
+              <a:t>init</a:t>
+            </a:r>
             <a:endParaRPr lang="en-ZA" baseline="0" dirty="0" smtClean="0"/>
           </a:p>
+          <a:p>
+            <a:r>
+              <a:rPr lang="en-ZA" baseline="0" dirty="0" err="1" smtClean="0"/>
+              <a:t>npm</a:t>
+            </a:r>
+            <a:r>
+              <a:rPr lang="en-ZA" baseline="0" dirty="0" smtClean="0"/>
+              <a:t> install express -SE</a:t>
+            </a:r>
+          </a:p>
+          <a:p>
+            <a:endParaRPr lang="en-ZA" baseline="0" dirty="0" smtClean="0"/>
+          </a:p>
+        </p:txBody>
+      </p:sp>
+      <p:sp>
+        <p:nvSpPr>
+          <p:cNvPr id="4" name="Slide Number Placeholder 3"/>
+          <p:cNvSpPr>
+            <a:spLocks noGrp="1"/>
+          </p:cNvSpPr>
+          <p:nvPr>
+            <p:ph type="sldNum" sz="quarter" idx="10"/>
+          </p:nvPr>
+        </p:nvSpPr>
+        <p:spPr/>
+        <p:txBody>
+          <a:bodyPr/>
+          <a:lstStyle/>
+          <a:p>
+            <a:fld id="{325FAB6F-F295-44F7-B511-A16B864003EE}" type="slidenum">
+              <a:rPr lang="en-ZA" smtClean="0"/>
+              <a:t>3</a:t>
+            </a:fld>
+            <a:endParaRPr lang="en-ZA"/>
+          </a:p>
+        </p:txBody>
+      </p:sp>
+    </p:spTree>
+    <p:extLst>
+      <p:ext uri="{BB962C8B-B14F-4D97-AF65-F5344CB8AC3E}">
+        <p14:creationId xmlns:p14="http://schemas.microsoft.com/office/powerpoint/2010/main" val="729025861"/>
+      </p:ext>
+    </p:extLst>
+  </p:cSld>
+  <p:clrMapOvr>
+    <a:masterClrMapping/>
+  </p:clrMapOvr>
+</p:notes>
+</file>
+
+<file path=ppt/notesSlides/notesSlide30.xml><?xml version="1.0" encoding="utf-8"?>
+<p:notes xmlns:a="http://schemas.openxmlformats.org/drawingml/2006/main" xmlns:r="http://schemas.openxmlformats.org/officeDocument/2006/relationships" xmlns:p="http://schemas.openxmlformats.org/presentationml/2006/main">
+  <p:cSld>
+    <p:spTree>
+      <p:nvGrpSpPr>
+        <p:cNvPr id="1" name=""/>
+        <p:cNvGrpSpPr/>
+        <p:nvPr/>
+      </p:nvGrpSpPr>
+      <p:grpSpPr>
+        <a:xfrm>
+          <a:off x="0" y="0"/>
+          <a:ext cx="0" cy="0"/>
+          <a:chOff x="0" y="0"/>
+          <a:chExt cx="0" cy="0"/>
+        </a:xfrm>
+      </p:grpSpPr>
+      <p:sp>
+        <p:nvSpPr>
+          <p:cNvPr id="2" name="Slide Image Placeholder 1"/>
+          <p:cNvSpPr>
+            <a:spLocks noGrp="1" noRot="1" noChangeAspect="1"/>
+          </p:cNvSpPr>
+          <p:nvPr>
+            <p:ph type="sldImg"/>
+          </p:nvPr>
+        </p:nvSpPr>
+        <p:spPr/>
+      </p:sp>
+      <p:sp>
+        <p:nvSpPr>
+          <p:cNvPr id="3" name="Notes Placeholder 2"/>
+          <p:cNvSpPr>
+            <a:spLocks noGrp="1"/>
+          </p:cNvSpPr>
+          <p:nvPr>
+            <p:ph type="body" idx="1"/>
+          </p:nvPr>
+        </p:nvSpPr>
+        <p:spPr/>
+        <p:txBody>
+          <a:bodyPr/>
+          <a:lstStyle/>
           <a:p>
             <a:pPr marL="0" marR="0" indent="0" algn="l" defTabSz="914400" rtl="0" eaLnBrk="1" fontAlgn="auto" latinLnBrk="0" hangingPunct="1">
               <a:lnSpc>
@@ -3132,29 +3851,10 @@
                 <a:ea typeface="+mn-ea"/>
                 <a:cs typeface="+mn-cs"/>
               </a:rPr>
-              <a:t>The above example is a very simple example of a definition of route handler. </a:t>
-            </a:r>
-          </a:p>
-          <a:p>
-            <a:pPr marL="0" marR="0" indent="0" algn="l" defTabSz="914400" rtl="0" eaLnBrk="1" fontAlgn="auto" latinLnBrk="0" hangingPunct="1">
-              <a:lnSpc>
-                <a:spcPct val="100000"/>
-              </a:lnSpc>
-              <a:spcBef>
-                <a:spcPts val="0"/>
-              </a:spcBef>
-              <a:spcAft>
-                <a:spcPts val="0"/>
-              </a:spcAft>
-              <a:buClrTx/>
-              <a:buSzTx/>
-              <a:buFontTx/>
-              <a:buNone/>
-              <a:tabLst/>
-              <a:defRPr/>
-            </a:pPr>
-            <a:r>
-              <a:rPr lang="en-ZA" sz="1200" kern="1200" dirty="0" smtClean="0">
+              <a:t>JSON schema defines a contract for what a valid object looks like. For the example above, we can force our </a:t>
+            </a:r>
+            <a:r>
+              <a:rPr lang="en-ZA" sz="1200" i="1" kern="1200" dirty="0" smtClean="0">
                 <a:solidFill>
                   <a:schemeClr val="tx1"/>
                 </a:solidFill>
@@ -3163,10 +3863,10 @@
                 <a:ea typeface="+mn-ea"/>
                 <a:cs typeface="+mn-cs"/>
               </a:rPr>
-              <a:t>With app = express() we define a new instance of an express app – our entire app</a:t>
-            </a:r>
-            <a:r>
-              <a:rPr lang="en-ZA" sz="1200" kern="1200" baseline="0" dirty="0" smtClean="0">
+              <a:t>post </a:t>
+            </a:r>
+            <a:r>
+              <a:rPr lang="en-ZA" sz="1200" kern="1200" dirty="0" smtClean="0">
                 <a:solidFill>
                   <a:schemeClr val="tx1"/>
                 </a:solidFill>
@@ -3175,8 +3875,94 @@
                 <a:ea typeface="+mn-ea"/>
                 <a:cs typeface="+mn-cs"/>
               </a:rPr>
-              <a:t> basically lives in this variable</a:t>
-            </a:r>
+              <a:t>object to look the way we desire. A possible for the object might look like: </a:t>
+            </a:r>
+          </a:p>
+          <a:p>
+            <a:endParaRPr lang="en-ZA" dirty="0"/>
+          </a:p>
+        </p:txBody>
+      </p:sp>
+      <p:sp>
+        <p:nvSpPr>
+          <p:cNvPr id="4" name="Slide Number Placeholder 3"/>
+          <p:cNvSpPr>
+            <a:spLocks noGrp="1"/>
+          </p:cNvSpPr>
+          <p:nvPr>
+            <p:ph type="sldNum" sz="quarter" idx="10"/>
+          </p:nvPr>
+        </p:nvSpPr>
+        <p:spPr/>
+        <p:txBody>
+          <a:bodyPr/>
+          <a:lstStyle/>
+          <a:p>
+            <a:fld id="{325FAB6F-F295-44F7-B511-A16B864003EE}" type="slidenum">
+              <a:rPr lang="en-ZA" smtClean="0"/>
+              <a:t>33</a:t>
+            </a:fld>
+            <a:endParaRPr lang="en-ZA"/>
+          </a:p>
+        </p:txBody>
+      </p:sp>
+    </p:spTree>
+    <p:extLst>
+      <p:ext uri="{BB962C8B-B14F-4D97-AF65-F5344CB8AC3E}">
+        <p14:creationId xmlns:p14="http://schemas.microsoft.com/office/powerpoint/2010/main" val="3593999592"/>
+      </p:ext>
+    </p:extLst>
+  </p:cSld>
+  <p:clrMapOvr>
+    <a:masterClrMapping/>
+  </p:clrMapOvr>
+</p:notes>
+</file>
+
+<file path=ppt/notesSlides/notesSlide31.xml><?xml version="1.0" encoding="utf-8"?>
+<p:notes xmlns:a="http://schemas.openxmlformats.org/drawingml/2006/main" xmlns:r="http://schemas.openxmlformats.org/officeDocument/2006/relationships" xmlns:p="http://schemas.openxmlformats.org/presentationml/2006/main">
+  <p:cSld>
+    <p:spTree>
+      <p:nvGrpSpPr>
+        <p:cNvPr id="1" name=""/>
+        <p:cNvGrpSpPr/>
+        <p:nvPr/>
+      </p:nvGrpSpPr>
+      <p:grpSpPr>
+        <a:xfrm>
+          <a:off x="0" y="0"/>
+          <a:ext cx="0" cy="0"/>
+          <a:chOff x="0" y="0"/>
+          <a:chExt cx="0" cy="0"/>
+        </a:xfrm>
+      </p:grpSpPr>
+      <p:sp>
+        <p:nvSpPr>
+          <p:cNvPr id="2" name="Slide Image Placeholder 1"/>
+          <p:cNvSpPr>
+            <a:spLocks noGrp="1" noRot="1" noChangeAspect="1"/>
+          </p:cNvSpPr>
+          <p:nvPr>
+            <p:ph type="sldImg"/>
+          </p:nvPr>
+        </p:nvSpPr>
+        <p:spPr/>
+      </p:sp>
+      <p:sp>
+        <p:nvSpPr>
+          <p:cNvPr id="3" name="Notes Placeholder 2"/>
+          <p:cNvSpPr>
+            <a:spLocks noGrp="1"/>
+          </p:cNvSpPr>
+          <p:nvPr>
+            <p:ph type="body" idx="1"/>
+          </p:nvPr>
+        </p:nvSpPr>
+        <p:spPr/>
+        <p:txBody>
+          <a:bodyPr/>
+          <a:lstStyle/>
+          <a:p>
             <a:r>
               <a:rPr lang="en-ZA" sz="1200" kern="1200" dirty="0" smtClean="0">
                 <a:solidFill>
@@ -3187,29 +3973,10 @@
                 <a:ea typeface="+mn-ea"/>
                 <a:cs typeface="+mn-cs"/>
               </a:rPr>
-              <a:t>. </a:t>
-            </a:r>
-          </a:p>
-          <a:p>
-            <a:pPr marL="0" marR="0" indent="0" algn="l" defTabSz="914400" rtl="0" eaLnBrk="1" fontAlgn="auto" latinLnBrk="0" hangingPunct="1">
-              <a:lnSpc>
-                <a:spcPct val="100000"/>
-              </a:lnSpc>
-              <a:spcBef>
-                <a:spcPts val="0"/>
-              </a:spcBef>
-              <a:spcAft>
-                <a:spcPts val="0"/>
-              </a:spcAft>
-              <a:buClrTx/>
-              <a:buSzTx/>
-              <a:buFontTx/>
-              <a:buNone/>
-              <a:tabLst/>
-              <a:defRPr/>
-            </a:pPr>
-            <a:r>
-              <a:rPr lang="en-ZA" sz="1200" kern="1200" dirty="0" smtClean="0">
+              <a:t> On</a:t>
+            </a:r>
+            <a:r>
+              <a:rPr lang="en-ZA" sz="1200" kern="1200" baseline="0" dirty="0" smtClean="0">
                 <a:solidFill>
                   <a:schemeClr val="tx1"/>
                 </a:solidFill>
@@ -3218,10 +3985,10 @@
                 <a:ea typeface="+mn-ea"/>
                 <a:cs typeface="+mn-cs"/>
               </a:rPr>
-              <a:t>The next 3 lines define a path (‘/’) and a route to handle GET (</a:t>
-            </a:r>
-            <a:r>
-              <a:rPr lang="en-ZA" sz="1200" kern="1200" dirty="0" err="1" smtClean="0">
+              <a:t> these pages t</a:t>
+            </a:r>
+            <a:r>
+              <a:rPr lang="en-ZA" sz="1200" kern="1200" dirty="0" smtClean="0">
                 <a:solidFill>
                   <a:schemeClr val="tx1"/>
                 </a:solidFill>
@@ -3230,63 +3997,10 @@
                 <a:ea typeface="+mn-ea"/>
                 <a:cs typeface="+mn-cs"/>
               </a:rPr>
-              <a:t>app.get</a:t>
-            </a:r>
-            <a:r>
-              <a:rPr lang="en-ZA" sz="1200" kern="1200" dirty="0" smtClean="0">
-                <a:solidFill>
-                  <a:schemeClr val="tx1"/>
-                </a:solidFill>
-                <a:effectLst/>
-                <a:latin typeface="+mn-lt"/>
-                <a:ea typeface="+mn-ea"/>
-                <a:cs typeface="+mn-cs"/>
-              </a:rPr>
-              <a:t>) requests to that route.</a:t>
-            </a:r>
-          </a:p>
-          <a:p>
-            <a:pPr marL="0" marR="0" indent="0" algn="l" defTabSz="914400" rtl="0" eaLnBrk="1" fontAlgn="auto" latinLnBrk="0" hangingPunct="1">
-              <a:lnSpc>
-                <a:spcPct val="100000"/>
-              </a:lnSpc>
-              <a:spcBef>
-                <a:spcPts val="0"/>
-              </a:spcBef>
-              <a:spcAft>
-                <a:spcPts val="0"/>
-              </a:spcAft>
-              <a:buClrTx/>
-              <a:buSzTx/>
-              <a:buFontTx/>
-              <a:buNone/>
-              <a:tabLst/>
-              <a:defRPr/>
-            </a:pPr>
-            <a:r>
-              <a:rPr lang="en-ZA" sz="1200" kern="1200" dirty="0" smtClean="0">
-                <a:solidFill>
-                  <a:schemeClr val="tx1"/>
-                </a:solidFill>
-                <a:effectLst/>
-                <a:latin typeface="+mn-lt"/>
-                <a:ea typeface="+mn-ea"/>
-                <a:cs typeface="+mn-cs"/>
-              </a:rPr>
-              <a:t>Finally we tell our app</a:t>
-            </a:r>
-            <a:r>
-              <a:rPr lang="en-ZA" sz="1200" kern="1200" baseline="0" dirty="0" smtClean="0">
-                <a:solidFill>
-                  <a:schemeClr val="tx1"/>
-                </a:solidFill>
-                <a:effectLst/>
-                <a:latin typeface="+mn-lt"/>
-                <a:ea typeface="+mn-ea"/>
-                <a:cs typeface="+mn-cs"/>
-              </a:rPr>
-              <a:t> to listen on port 1330. </a:t>
-            </a:r>
+              <a:t>he layout is the same but the content (which is determined by our model) is different for different users. </a:t>
+            </a:r>
+          </a:p>
+          <a:p>
             <a:endParaRPr lang="en-ZA" sz="1200" kern="1200" dirty="0" smtClean="0">
               <a:solidFill>
                 <a:schemeClr val="tx1"/>
@@ -3298,7 +4012,31 @@
             </a:endParaRPr>
           </a:p>
           <a:p>
-            <a:endParaRPr lang="en-ZA" baseline="0" dirty="0" smtClean="0"/>
+            <a:r>
+              <a:rPr lang="en-ZA" sz="1200" kern="1200" dirty="0" smtClean="0">
+                <a:solidFill>
+                  <a:schemeClr val="tx1"/>
+                </a:solidFill>
+                <a:effectLst/>
+                <a:latin typeface="+mn-lt"/>
+                <a:ea typeface="+mn-ea"/>
+                <a:cs typeface="+mn-cs"/>
+              </a:rPr>
+              <a:t>.NET</a:t>
+            </a:r>
+            <a:r>
+              <a:rPr lang="en-ZA" sz="1200" kern="1200" baseline="0" dirty="0" smtClean="0">
+                <a:solidFill>
+                  <a:schemeClr val="tx1"/>
+                </a:solidFill>
+                <a:effectLst/>
+                <a:latin typeface="+mn-lt"/>
+                <a:ea typeface="+mn-ea"/>
+                <a:cs typeface="+mn-cs"/>
+              </a:rPr>
+              <a:t> users will be familiar with the Razor syntax which is common on that stack. </a:t>
+            </a:r>
+            <a:endParaRPr lang="en-ZA" dirty="0"/>
           </a:p>
         </p:txBody>
       </p:sp>
@@ -3319,7 +4057,7 @@
           <a:p>
             <a:fld id="{325FAB6F-F295-44F7-B511-A16B864003EE}" type="slidenum">
               <a:rPr lang="en-ZA" smtClean="0"/>
-              <a:t>4</a:t>
+              <a:t>34</a:t>
             </a:fld>
             <a:endParaRPr lang="en-ZA"/>
           </a:p>
@@ -3328,7 +4066,463 @@
     </p:spTree>
     <p:extLst>
       <p:ext uri="{BB962C8B-B14F-4D97-AF65-F5344CB8AC3E}">
-        <p14:creationId xmlns:p14="http://schemas.microsoft.com/office/powerpoint/2010/main" val="535794583"/>
+        <p14:creationId xmlns:p14="http://schemas.microsoft.com/office/powerpoint/2010/main" val="868828623"/>
+      </p:ext>
+    </p:extLst>
+  </p:cSld>
+  <p:clrMapOvr>
+    <a:masterClrMapping/>
+  </p:clrMapOvr>
+</p:notes>
+</file>
+
+<file path=ppt/notesSlides/notesSlide32.xml><?xml version="1.0" encoding="utf-8"?>
+<p:notes xmlns:a="http://schemas.openxmlformats.org/drawingml/2006/main" xmlns:r="http://schemas.openxmlformats.org/officeDocument/2006/relationships" xmlns:p="http://schemas.openxmlformats.org/presentationml/2006/main">
+  <p:cSld>
+    <p:spTree>
+      <p:nvGrpSpPr>
+        <p:cNvPr id="1" name=""/>
+        <p:cNvGrpSpPr/>
+        <p:nvPr/>
+      </p:nvGrpSpPr>
+      <p:grpSpPr>
+        <a:xfrm>
+          <a:off x="0" y="0"/>
+          <a:ext cx="0" cy="0"/>
+          <a:chOff x="0" y="0"/>
+          <a:chExt cx="0" cy="0"/>
+        </a:xfrm>
+      </p:grpSpPr>
+      <p:sp>
+        <p:nvSpPr>
+          <p:cNvPr id="2" name="Slide Image Placeholder 1"/>
+          <p:cNvSpPr>
+            <a:spLocks noGrp="1" noRot="1" noChangeAspect="1"/>
+          </p:cNvSpPr>
+          <p:nvPr>
+            <p:ph type="sldImg"/>
+          </p:nvPr>
+        </p:nvSpPr>
+        <p:spPr/>
+      </p:sp>
+      <p:sp>
+        <p:nvSpPr>
+          <p:cNvPr id="3" name="Notes Placeholder 2"/>
+          <p:cNvSpPr>
+            <a:spLocks noGrp="1"/>
+          </p:cNvSpPr>
+          <p:nvPr>
+            <p:ph type="body" idx="1"/>
+          </p:nvPr>
+        </p:nvSpPr>
+        <p:spPr/>
+        <p:txBody>
+          <a:bodyPr/>
+          <a:lstStyle/>
+          <a:p>
+            <a:r>
+              <a:rPr lang="en-ZA" dirty="0" smtClean="0"/>
+              <a:t>Handlebars is</a:t>
+            </a:r>
+            <a:r>
+              <a:rPr lang="en-ZA" baseline="0" dirty="0" smtClean="0"/>
+              <a:t> a </a:t>
+            </a:r>
+            <a:r>
+              <a:rPr lang="en-ZA" baseline="0" dirty="0" err="1" smtClean="0"/>
+              <a:t>logicless</a:t>
+            </a:r>
+            <a:r>
+              <a:rPr lang="en-ZA" baseline="0" dirty="0" smtClean="0"/>
+              <a:t> </a:t>
+            </a:r>
+            <a:r>
+              <a:rPr lang="en-ZA" baseline="0" dirty="0" err="1" smtClean="0"/>
+              <a:t>templating</a:t>
+            </a:r>
+            <a:r>
+              <a:rPr lang="en-ZA" baseline="0" dirty="0" smtClean="0"/>
+              <a:t> engine and is usable in a whole host of other languages such as </a:t>
+            </a:r>
+            <a:r>
+              <a:rPr lang="en-ZA" baseline="0" dirty="0" err="1" smtClean="0"/>
+              <a:t>js</a:t>
+            </a:r>
+            <a:r>
+              <a:rPr lang="en-ZA" baseline="0" dirty="0" smtClean="0"/>
+              <a:t>, ruby,  C#, java, etc. </a:t>
+            </a:r>
+            <a:endParaRPr lang="en-ZA" dirty="0"/>
+          </a:p>
+        </p:txBody>
+      </p:sp>
+      <p:sp>
+        <p:nvSpPr>
+          <p:cNvPr id="4" name="Slide Number Placeholder 3"/>
+          <p:cNvSpPr>
+            <a:spLocks noGrp="1"/>
+          </p:cNvSpPr>
+          <p:nvPr>
+            <p:ph type="sldNum" sz="quarter" idx="10"/>
+          </p:nvPr>
+        </p:nvSpPr>
+        <p:spPr/>
+        <p:txBody>
+          <a:bodyPr/>
+          <a:lstStyle/>
+          <a:p>
+            <a:fld id="{325FAB6F-F295-44F7-B511-A16B864003EE}" type="slidenum">
+              <a:rPr lang="en-ZA" smtClean="0"/>
+              <a:t>35</a:t>
+            </a:fld>
+            <a:endParaRPr lang="en-ZA"/>
+          </a:p>
+        </p:txBody>
+      </p:sp>
+    </p:spTree>
+    <p:extLst>
+      <p:ext uri="{BB962C8B-B14F-4D97-AF65-F5344CB8AC3E}">
+        <p14:creationId xmlns:p14="http://schemas.microsoft.com/office/powerpoint/2010/main" val="1759720054"/>
+      </p:ext>
+    </p:extLst>
+  </p:cSld>
+  <p:clrMapOvr>
+    <a:masterClrMapping/>
+  </p:clrMapOvr>
+</p:notes>
+</file>
+
+<file path=ppt/notesSlides/notesSlide33.xml><?xml version="1.0" encoding="utf-8"?>
+<p:notes xmlns:a="http://schemas.openxmlformats.org/drawingml/2006/main" xmlns:r="http://schemas.openxmlformats.org/officeDocument/2006/relationships" xmlns:p="http://schemas.openxmlformats.org/presentationml/2006/main">
+  <p:cSld>
+    <p:spTree>
+      <p:nvGrpSpPr>
+        <p:cNvPr id="1" name=""/>
+        <p:cNvGrpSpPr/>
+        <p:nvPr/>
+      </p:nvGrpSpPr>
+      <p:grpSpPr>
+        <a:xfrm>
+          <a:off x="0" y="0"/>
+          <a:ext cx="0" cy="0"/>
+          <a:chOff x="0" y="0"/>
+          <a:chExt cx="0" cy="0"/>
+        </a:xfrm>
+      </p:grpSpPr>
+      <p:sp>
+        <p:nvSpPr>
+          <p:cNvPr id="2" name="Slide Image Placeholder 1"/>
+          <p:cNvSpPr>
+            <a:spLocks noGrp="1" noRot="1" noChangeAspect="1"/>
+          </p:cNvSpPr>
+          <p:nvPr>
+            <p:ph type="sldImg"/>
+          </p:nvPr>
+        </p:nvSpPr>
+        <p:spPr/>
+      </p:sp>
+      <p:sp>
+        <p:nvSpPr>
+          <p:cNvPr id="3" name="Notes Placeholder 2"/>
+          <p:cNvSpPr>
+            <a:spLocks noGrp="1"/>
+          </p:cNvSpPr>
+          <p:nvPr>
+            <p:ph type="body" idx="1"/>
+          </p:nvPr>
+        </p:nvSpPr>
+        <p:spPr/>
+        <p:txBody>
+          <a:bodyPr/>
+          <a:lstStyle/>
+          <a:p>
+            <a:endParaRPr lang="en-ZA" dirty="0"/>
+          </a:p>
+        </p:txBody>
+      </p:sp>
+      <p:sp>
+        <p:nvSpPr>
+          <p:cNvPr id="4" name="Slide Number Placeholder 3"/>
+          <p:cNvSpPr>
+            <a:spLocks noGrp="1"/>
+          </p:cNvSpPr>
+          <p:nvPr>
+            <p:ph type="sldNum" sz="quarter" idx="10"/>
+          </p:nvPr>
+        </p:nvSpPr>
+        <p:spPr/>
+        <p:txBody>
+          <a:bodyPr/>
+          <a:lstStyle/>
+          <a:p>
+            <a:fld id="{325FAB6F-F295-44F7-B511-A16B864003EE}" type="slidenum">
+              <a:rPr lang="en-ZA" smtClean="0"/>
+              <a:t>36</a:t>
+            </a:fld>
+            <a:endParaRPr lang="en-ZA"/>
+          </a:p>
+        </p:txBody>
+      </p:sp>
+    </p:spTree>
+    <p:extLst>
+      <p:ext uri="{BB962C8B-B14F-4D97-AF65-F5344CB8AC3E}">
+        <p14:creationId xmlns:p14="http://schemas.microsoft.com/office/powerpoint/2010/main" val="1708945747"/>
+      </p:ext>
+    </p:extLst>
+  </p:cSld>
+  <p:clrMapOvr>
+    <a:masterClrMapping/>
+  </p:clrMapOvr>
+</p:notes>
+</file>
+
+<file path=ppt/notesSlides/notesSlide34.xml><?xml version="1.0" encoding="utf-8"?>
+<p:notes xmlns:a="http://schemas.openxmlformats.org/drawingml/2006/main" xmlns:r="http://schemas.openxmlformats.org/officeDocument/2006/relationships" xmlns:p="http://schemas.openxmlformats.org/presentationml/2006/main">
+  <p:cSld>
+    <p:spTree>
+      <p:nvGrpSpPr>
+        <p:cNvPr id="1" name=""/>
+        <p:cNvGrpSpPr/>
+        <p:nvPr/>
+      </p:nvGrpSpPr>
+      <p:grpSpPr>
+        <a:xfrm>
+          <a:off x="0" y="0"/>
+          <a:ext cx="0" cy="0"/>
+          <a:chOff x="0" y="0"/>
+          <a:chExt cx="0" cy="0"/>
+        </a:xfrm>
+      </p:grpSpPr>
+      <p:sp>
+        <p:nvSpPr>
+          <p:cNvPr id="2" name="Slide Image Placeholder 1"/>
+          <p:cNvSpPr>
+            <a:spLocks noGrp="1" noRot="1" noChangeAspect="1"/>
+          </p:cNvSpPr>
+          <p:nvPr>
+            <p:ph type="sldImg"/>
+          </p:nvPr>
+        </p:nvSpPr>
+        <p:spPr/>
+      </p:sp>
+      <p:sp>
+        <p:nvSpPr>
+          <p:cNvPr id="3" name="Notes Placeholder 2"/>
+          <p:cNvSpPr>
+            <a:spLocks noGrp="1"/>
+          </p:cNvSpPr>
+          <p:nvPr>
+            <p:ph type="body" idx="1"/>
+          </p:nvPr>
+        </p:nvSpPr>
+        <p:spPr/>
+        <p:txBody>
+          <a:bodyPr/>
+          <a:lstStyle/>
+          <a:p>
+            <a:endParaRPr lang="en-ZA" dirty="0"/>
+          </a:p>
+        </p:txBody>
+      </p:sp>
+      <p:sp>
+        <p:nvSpPr>
+          <p:cNvPr id="4" name="Slide Number Placeholder 3"/>
+          <p:cNvSpPr>
+            <a:spLocks noGrp="1"/>
+          </p:cNvSpPr>
+          <p:nvPr>
+            <p:ph type="sldNum" sz="quarter" idx="10"/>
+          </p:nvPr>
+        </p:nvSpPr>
+        <p:spPr/>
+        <p:txBody>
+          <a:bodyPr/>
+          <a:lstStyle/>
+          <a:p>
+            <a:fld id="{325FAB6F-F295-44F7-B511-A16B864003EE}" type="slidenum">
+              <a:rPr lang="en-ZA" smtClean="0"/>
+              <a:t>37</a:t>
+            </a:fld>
+            <a:endParaRPr lang="en-ZA"/>
+          </a:p>
+        </p:txBody>
+      </p:sp>
+    </p:spTree>
+    <p:extLst>
+      <p:ext uri="{BB962C8B-B14F-4D97-AF65-F5344CB8AC3E}">
+        <p14:creationId xmlns:p14="http://schemas.microsoft.com/office/powerpoint/2010/main" val="2306774587"/>
+      </p:ext>
+    </p:extLst>
+  </p:cSld>
+  <p:clrMapOvr>
+    <a:masterClrMapping/>
+  </p:clrMapOvr>
+</p:notes>
+</file>
+
+<file path=ppt/notesSlides/notesSlide35.xml><?xml version="1.0" encoding="utf-8"?>
+<p:notes xmlns:a="http://schemas.openxmlformats.org/drawingml/2006/main" xmlns:r="http://schemas.openxmlformats.org/officeDocument/2006/relationships" xmlns:p="http://schemas.openxmlformats.org/presentationml/2006/main">
+  <p:cSld>
+    <p:spTree>
+      <p:nvGrpSpPr>
+        <p:cNvPr id="1" name=""/>
+        <p:cNvGrpSpPr/>
+        <p:nvPr/>
+      </p:nvGrpSpPr>
+      <p:grpSpPr>
+        <a:xfrm>
+          <a:off x="0" y="0"/>
+          <a:ext cx="0" cy="0"/>
+          <a:chOff x="0" y="0"/>
+          <a:chExt cx="0" cy="0"/>
+        </a:xfrm>
+      </p:grpSpPr>
+      <p:sp>
+        <p:nvSpPr>
+          <p:cNvPr id="2" name="Slide Image Placeholder 1"/>
+          <p:cNvSpPr>
+            <a:spLocks noGrp="1" noRot="1" noChangeAspect="1"/>
+          </p:cNvSpPr>
+          <p:nvPr>
+            <p:ph type="sldImg"/>
+          </p:nvPr>
+        </p:nvSpPr>
+        <p:spPr/>
+      </p:sp>
+      <p:sp>
+        <p:nvSpPr>
+          <p:cNvPr id="3" name="Notes Placeholder 2"/>
+          <p:cNvSpPr>
+            <a:spLocks noGrp="1"/>
+          </p:cNvSpPr>
+          <p:nvPr>
+            <p:ph type="body" idx="1"/>
+          </p:nvPr>
+        </p:nvSpPr>
+        <p:spPr/>
+        <p:txBody>
+          <a:bodyPr/>
+          <a:lstStyle/>
+          <a:p>
+            <a:endParaRPr lang="en-ZA" dirty="0"/>
+          </a:p>
+        </p:txBody>
+      </p:sp>
+      <p:sp>
+        <p:nvSpPr>
+          <p:cNvPr id="4" name="Slide Number Placeholder 3"/>
+          <p:cNvSpPr>
+            <a:spLocks noGrp="1"/>
+          </p:cNvSpPr>
+          <p:nvPr>
+            <p:ph type="sldNum" sz="quarter" idx="10"/>
+          </p:nvPr>
+        </p:nvSpPr>
+        <p:spPr/>
+        <p:txBody>
+          <a:bodyPr/>
+          <a:lstStyle/>
+          <a:p>
+            <a:fld id="{325FAB6F-F295-44F7-B511-A16B864003EE}" type="slidenum">
+              <a:rPr lang="en-ZA" smtClean="0"/>
+              <a:t>38</a:t>
+            </a:fld>
+            <a:endParaRPr lang="en-ZA"/>
+          </a:p>
+        </p:txBody>
+      </p:sp>
+    </p:spTree>
+    <p:extLst>
+      <p:ext uri="{BB962C8B-B14F-4D97-AF65-F5344CB8AC3E}">
+        <p14:creationId xmlns:p14="http://schemas.microsoft.com/office/powerpoint/2010/main" val="1663261149"/>
+      </p:ext>
+    </p:extLst>
+  </p:cSld>
+  <p:clrMapOvr>
+    <a:masterClrMapping/>
+  </p:clrMapOvr>
+</p:notes>
+</file>
+
+<file path=ppt/notesSlides/notesSlide36.xml><?xml version="1.0" encoding="utf-8"?>
+<p:notes xmlns:a="http://schemas.openxmlformats.org/drawingml/2006/main" xmlns:r="http://schemas.openxmlformats.org/officeDocument/2006/relationships" xmlns:p="http://schemas.openxmlformats.org/presentationml/2006/main">
+  <p:cSld>
+    <p:spTree>
+      <p:nvGrpSpPr>
+        <p:cNvPr id="1" name=""/>
+        <p:cNvGrpSpPr/>
+        <p:nvPr/>
+      </p:nvGrpSpPr>
+      <p:grpSpPr>
+        <a:xfrm>
+          <a:off x="0" y="0"/>
+          <a:ext cx="0" cy="0"/>
+          <a:chOff x="0" y="0"/>
+          <a:chExt cx="0" cy="0"/>
+        </a:xfrm>
+      </p:grpSpPr>
+      <p:sp>
+        <p:nvSpPr>
+          <p:cNvPr id="2" name="Slide Image Placeholder 1"/>
+          <p:cNvSpPr>
+            <a:spLocks noGrp="1" noRot="1" noChangeAspect="1"/>
+          </p:cNvSpPr>
+          <p:nvPr>
+            <p:ph type="sldImg"/>
+          </p:nvPr>
+        </p:nvSpPr>
+        <p:spPr/>
+      </p:sp>
+      <p:sp>
+        <p:nvSpPr>
+          <p:cNvPr id="3" name="Notes Placeholder 2"/>
+          <p:cNvSpPr>
+            <a:spLocks noGrp="1"/>
+          </p:cNvSpPr>
+          <p:nvPr>
+            <p:ph type="body" idx="1"/>
+          </p:nvPr>
+        </p:nvSpPr>
+        <p:spPr/>
+        <p:txBody>
+          <a:bodyPr/>
+          <a:lstStyle/>
+          <a:p>
+            <a:r>
+              <a:rPr lang="en-ZA" dirty="0" smtClean="0"/>
+              <a:t>Show footer example</a:t>
+            </a:r>
+            <a:endParaRPr lang="en-ZA" dirty="0"/>
+          </a:p>
+        </p:txBody>
+      </p:sp>
+      <p:sp>
+        <p:nvSpPr>
+          <p:cNvPr id="4" name="Slide Number Placeholder 3"/>
+          <p:cNvSpPr>
+            <a:spLocks noGrp="1"/>
+          </p:cNvSpPr>
+          <p:nvPr>
+            <p:ph type="sldNum" sz="quarter" idx="10"/>
+          </p:nvPr>
+        </p:nvSpPr>
+        <p:spPr/>
+        <p:txBody>
+          <a:bodyPr/>
+          <a:lstStyle/>
+          <a:p>
+            <a:fld id="{325FAB6F-F295-44F7-B511-A16B864003EE}" type="slidenum">
+              <a:rPr lang="en-ZA" smtClean="0"/>
+              <a:t>39</a:t>
+            </a:fld>
+            <a:endParaRPr lang="en-ZA"/>
+          </a:p>
+        </p:txBody>
+      </p:sp>
+    </p:spTree>
+    <p:extLst>
+      <p:ext uri="{BB962C8B-B14F-4D97-AF65-F5344CB8AC3E}">
+        <p14:creationId xmlns:p14="http://schemas.microsoft.com/office/powerpoint/2010/main" val="393747693"/>
       </p:ext>
     </p:extLst>
   </p:cSld>
@@ -3384,17 +4578,237 @@
           <a:p>
             <a:r>
               <a:rPr lang="en-ZA" dirty="0" smtClean="0"/>
-              <a:t>Paste console.log(</a:t>
-            </a:r>
-            <a:r>
-              <a:rPr lang="en-ZA" dirty="0" err="1" smtClean="0"/>
-              <a:t>req</a:t>
-            </a:r>
-            <a:r>
-              <a:rPr lang="en-ZA" dirty="0" smtClean="0"/>
-              <a:t>);</a:t>
-            </a:r>
-            <a:endParaRPr lang="en-ZA" dirty="0"/>
+              <a:t>So</a:t>
+            </a:r>
+            <a:r>
+              <a:rPr lang="en-ZA" baseline="0" dirty="0" smtClean="0"/>
+              <a:t> now we have express installed we can write a hello version for our </a:t>
+            </a:r>
+            <a:r>
+              <a:rPr lang="en-ZA" baseline="0" dirty="0" err="1" smtClean="0"/>
+              <a:t>api</a:t>
+            </a:r>
+            <a:r>
+              <a:rPr lang="en-ZA" baseline="0" dirty="0" smtClean="0"/>
+              <a:t>.</a:t>
+            </a:r>
+          </a:p>
+          <a:p>
+            <a:endParaRPr lang="en-ZA" baseline="0" dirty="0" smtClean="0"/>
+          </a:p>
+          <a:p>
+            <a:r>
+              <a:rPr lang="en-ZA" baseline="0" dirty="0" smtClean="0"/>
+              <a:t>- Create a new file. Hello-world.js</a:t>
+            </a:r>
+          </a:p>
+          <a:p>
+            <a:endParaRPr lang="en-ZA" baseline="0" dirty="0" smtClean="0"/>
+          </a:p>
+          <a:p>
+            <a:r>
+              <a:rPr lang="en-ZA" baseline="0" dirty="0" smtClean="0"/>
+              <a:t>We will get to what is happening in the slide but for now just copy and paste the above code.</a:t>
+            </a:r>
+          </a:p>
+          <a:p>
+            <a:endParaRPr lang="en-ZA" baseline="0" dirty="0" smtClean="0"/>
+          </a:p>
+          <a:p>
+            <a:pPr marL="0" marR="0" indent="0" algn="l" defTabSz="914400" rtl="0" eaLnBrk="1" fontAlgn="auto" latinLnBrk="0" hangingPunct="1">
+              <a:lnSpc>
+                <a:spcPct val="100000"/>
+              </a:lnSpc>
+              <a:spcBef>
+                <a:spcPts val="0"/>
+              </a:spcBef>
+              <a:spcAft>
+                <a:spcPts val="0"/>
+              </a:spcAft>
+              <a:buClrTx/>
+              <a:buSzTx/>
+              <a:buFontTx/>
+              <a:buNone/>
+              <a:tabLst/>
+              <a:defRPr/>
+            </a:pPr>
+            <a:r>
+              <a:rPr lang="en-ZA" sz="1200" kern="1200" dirty="0" smtClean="0">
+                <a:solidFill>
+                  <a:schemeClr val="tx1"/>
+                </a:solidFill>
+                <a:effectLst/>
+                <a:latin typeface="+mn-lt"/>
+                <a:ea typeface="+mn-ea"/>
+                <a:cs typeface="+mn-cs"/>
+              </a:rPr>
+              <a:t>The above example is a very simple example of a definition of route handler. </a:t>
+            </a:r>
+          </a:p>
+          <a:p>
+            <a:pPr marL="0" marR="0" indent="0" algn="l" defTabSz="914400" rtl="0" eaLnBrk="1" fontAlgn="auto" latinLnBrk="0" hangingPunct="1">
+              <a:lnSpc>
+                <a:spcPct val="100000"/>
+              </a:lnSpc>
+              <a:spcBef>
+                <a:spcPts val="0"/>
+              </a:spcBef>
+              <a:spcAft>
+                <a:spcPts val="0"/>
+              </a:spcAft>
+              <a:buClrTx/>
+              <a:buSzTx/>
+              <a:buFontTx/>
+              <a:buNone/>
+              <a:tabLst/>
+              <a:defRPr/>
+            </a:pPr>
+            <a:r>
+              <a:rPr lang="en-ZA" sz="1200" kern="1200" dirty="0" smtClean="0">
+                <a:solidFill>
+                  <a:schemeClr val="tx1"/>
+                </a:solidFill>
+                <a:effectLst/>
+                <a:latin typeface="+mn-lt"/>
+                <a:ea typeface="+mn-ea"/>
+                <a:cs typeface="+mn-cs"/>
+              </a:rPr>
+              <a:t>With app = express() we define a new instance of an express app – our entire app</a:t>
+            </a:r>
+            <a:r>
+              <a:rPr lang="en-ZA" sz="1200" kern="1200" baseline="0" dirty="0" smtClean="0">
+                <a:solidFill>
+                  <a:schemeClr val="tx1"/>
+                </a:solidFill>
+                <a:effectLst/>
+                <a:latin typeface="+mn-lt"/>
+                <a:ea typeface="+mn-ea"/>
+                <a:cs typeface="+mn-cs"/>
+              </a:rPr>
+              <a:t> basically lives in this variable</a:t>
+            </a:r>
+            <a:r>
+              <a:rPr lang="en-ZA" sz="1200" kern="1200" dirty="0" smtClean="0">
+                <a:solidFill>
+                  <a:schemeClr val="tx1"/>
+                </a:solidFill>
+                <a:effectLst/>
+                <a:latin typeface="+mn-lt"/>
+                <a:ea typeface="+mn-ea"/>
+                <a:cs typeface="+mn-cs"/>
+              </a:rPr>
+              <a:t>. </a:t>
+            </a:r>
+          </a:p>
+          <a:p>
+            <a:pPr marL="0" marR="0" indent="0" algn="l" defTabSz="914400" rtl="0" eaLnBrk="1" fontAlgn="auto" latinLnBrk="0" hangingPunct="1">
+              <a:lnSpc>
+                <a:spcPct val="100000"/>
+              </a:lnSpc>
+              <a:spcBef>
+                <a:spcPts val="0"/>
+              </a:spcBef>
+              <a:spcAft>
+                <a:spcPts val="0"/>
+              </a:spcAft>
+              <a:buClrTx/>
+              <a:buSzTx/>
+              <a:buFontTx/>
+              <a:buNone/>
+              <a:tabLst/>
+              <a:defRPr/>
+            </a:pPr>
+            <a:r>
+              <a:rPr lang="en-ZA" sz="1200" kern="1200" dirty="0" smtClean="0">
+                <a:solidFill>
+                  <a:schemeClr val="tx1"/>
+                </a:solidFill>
+                <a:effectLst/>
+                <a:latin typeface="+mn-lt"/>
+                <a:ea typeface="+mn-ea"/>
+                <a:cs typeface="+mn-cs"/>
+              </a:rPr>
+              <a:t>The next 3 lines define a path (‘/’) and a route to handle GET (</a:t>
+            </a:r>
+            <a:r>
+              <a:rPr lang="en-ZA" sz="1200" kern="1200" dirty="0" err="1" smtClean="0">
+                <a:solidFill>
+                  <a:schemeClr val="tx1"/>
+                </a:solidFill>
+                <a:effectLst/>
+                <a:latin typeface="+mn-lt"/>
+                <a:ea typeface="+mn-ea"/>
+                <a:cs typeface="+mn-cs"/>
+              </a:rPr>
+              <a:t>app.get</a:t>
+            </a:r>
+            <a:r>
+              <a:rPr lang="en-ZA" sz="1200" kern="1200" dirty="0" smtClean="0">
+                <a:solidFill>
+                  <a:schemeClr val="tx1"/>
+                </a:solidFill>
+                <a:effectLst/>
+                <a:latin typeface="+mn-lt"/>
+                <a:ea typeface="+mn-ea"/>
+                <a:cs typeface="+mn-cs"/>
+              </a:rPr>
+              <a:t>) requests to that route.</a:t>
+            </a:r>
+          </a:p>
+          <a:p>
+            <a:pPr marL="0" marR="0" indent="0" algn="l" defTabSz="914400" rtl="0" eaLnBrk="1" fontAlgn="auto" latinLnBrk="0" hangingPunct="1">
+              <a:lnSpc>
+                <a:spcPct val="100000"/>
+              </a:lnSpc>
+              <a:spcBef>
+                <a:spcPts val="0"/>
+              </a:spcBef>
+              <a:spcAft>
+                <a:spcPts val="0"/>
+              </a:spcAft>
+              <a:buClrTx/>
+              <a:buSzTx/>
+              <a:buFontTx/>
+              <a:buNone/>
+              <a:tabLst/>
+              <a:defRPr/>
+            </a:pPr>
+            <a:r>
+              <a:rPr lang="en-ZA" sz="1200" kern="1200" dirty="0" smtClean="0">
+                <a:solidFill>
+                  <a:schemeClr val="tx1"/>
+                </a:solidFill>
+                <a:effectLst/>
+                <a:latin typeface="+mn-lt"/>
+                <a:ea typeface="+mn-ea"/>
+                <a:cs typeface="+mn-cs"/>
+              </a:rPr>
+              <a:t>Finally we tell our app</a:t>
+            </a:r>
+            <a:r>
+              <a:rPr lang="en-ZA" sz="1200" kern="1200" baseline="0" dirty="0" smtClean="0">
+                <a:solidFill>
+                  <a:schemeClr val="tx1"/>
+                </a:solidFill>
+                <a:effectLst/>
+                <a:latin typeface="+mn-lt"/>
+                <a:ea typeface="+mn-ea"/>
+                <a:cs typeface="+mn-cs"/>
+              </a:rPr>
+              <a:t> to listen on port 1330. </a:t>
+            </a:r>
+            <a:endParaRPr lang="en-ZA" sz="1200" kern="1200" dirty="0" smtClean="0">
+              <a:solidFill>
+                <a:schemeClr val="tx1"/>
+              </a:solidFill>
+              <a:effectLst/>
+              <a:latin typeface="+mn-lt"/>
+              <a:ea typeface="+mn-ea"/>
+              <a:cs typeface="+mn-cs"/>
+            </a:endParaRPr>
+          </a:p>
+          <a:p>
+            <a:endParaRPr lang="en-ZA" baseline="0" dirty="0" smtClean="0"/>
           </a:p>
         </p:txBody>
       </p:sp>
@@ -3415,7 +4829,7 @@
           <a:p>
             <a:fld id="{325FAB6F-F295-44F7-B511-A16B864003EE}" type="slidenum">
               <a:rPr lang="en-ZA" smtClean="0"/>
-              <a:t>5</a:t>
+              <a:t>4</a:t>
             </a:fld>
             <a:endParaRPr lang="en-ZA"/>
           </a:p>
@@ -3424,7 +4838,7 @@
     </p:spTree>
     <p:extLst>
       <p:ext uri="{BB962C8B-B14F-4D97-AF65-F5344CB8AC3E}">
-        <p14:creationId xmlns:p14="http://schemas.microsoft.com/office/powerpoint/2010/main" val="3466309713"/>
+        <p14:creationId xmlns:p14="http://schemas.microsoft.com/office/powerpoint/2010/main" val="535794583"/>
       </p:ext>
     </p:extLst>
   </p:cSld>
@@ -3478,44 +4892,17 @@
           <a:bodyPr/>
           <a:lstStyle/>
           <a:p>
-            <a:pPr marL="0" marR="0" indent="0" algn="l" defTabSz="914400" rtl="0" eaLnBrk="1" fontAlgn="auto" latinLnBrk="0" hangingPunct="1">
-              <a:lnSpc>
-                <a:spcPct val="100000"/>
-              </a:lnSpc>
-              <a:spcBef>
-                <a:spcPts val="0"/>
-              </a:spcBef>
-              <a:spcAft>
-                <a:spcPts val="0"/>
-              </a:spcAft>
-              <a:buClrTx/>
-              <a:buSzTx/>
-              <a:buFontTx/>
-              <a:buNone/>
-              <a:tabLst/>
-              <a:defRPr/>
-            </a:pPr>
-            <a:r>
-              <a:rPr lang="en-ZA" sz="1200" kern="1200" dirty="0" smtClean="0">
-                <a:solidFill>
-                  <a:schemeClr val="tx1"/>
-                </a:solidFill>
-                <a:effectLst/>
-                <a:latin typeface="+mn-lt"/>
-                <a:ea typeface="+mn-ea"/>
-                <a:cs typeface="+mn-cs"/>
-              </a:rPr>
-              <a:t>The response/res object is a similar to the request object. Except it contains information and helper methods pertaining to the response. </a:t>
-            </a:r>
-          </a:p>
-          <a:p>
             <a:r>
               <a:rPr lang="en-ZA" dirty="0" smtClean="0"/>
-              <a:t>So now we know what the two parameters to our</a:t>
-            </a:r>
-            <a:r>
-              <a:rPr lang="en-ZA" baseline="0" dirty="0" smtClean="0"/>
-              <a:t> handlers are. Let us look at the routing mechanism in more detail.</a:t>
+              <a:t>Paste console.log(</a:t>
+            </a:r>
+            <a:r>
+              <a:rPr lang="en-ZA" dirty="0" err="1" smtClean="0"/>
+              <a:t>req</a:t>
+            </a:r>
+            <a:r>
+              <a:rPr lang="en-ZA" dirty="0" smtClean="0"/>
+              <a:t>);</a:t>
             </a:r>
             <a:endParaRPr lang="en-ZA" dirty="0"/>
           </a:p>
@@ -3538,7 +4925,7 @@
           <a:p>
             <a:fld id="{325FAB6F-F295-44F7-B511-A16B864003EE}" type="slidenum">
               <a:rPr lang="en-ZA" smtClean="0"/>
-              <a:t>6</a:t>
+              <a:t>5</a:t>
             </a:fld>
             <a:endParaRPr lang="en-ZA"/>
           </a:p>
@@ -3547,7 +4934,7 @@
     </p:spTree>
     <p:extLst>
       <p:ext uri="{BB962C8B-B14F-4D97-AF65-F5344CB8AC3E}">
-        <p14:creationId xmlns:p14="http://schemas.microsoft.com/office/powerpoint/2010/main" val="3745241618"/>
+        <p14:creationId xmlns:p14="http://schemas.microsoft.com/office/powerpoint/2010/main" val="3466309713"/>
       </p:ext>
     </p:extLst>
   </p:cSld>
@@ -3601,22 +4988,45 @@
           <a:bodyPr/>
           <a:lstStyle/>
           <a:p>
+            <a:pPr marL="0" marR="0" indent="0" algn="l" defTabSz="914400" rtl="0" eaLnBrk="1" fontAlgn="auto" latinLnBrk="0" hangingPunct="1">
+              <a:lnSpc>
+                <a:spcPct val="100000"/>
+              </a:lnSpc>
+              <a:spcBef>
+                <a:spcPts val="0"/>
+              </a:spcBef>
+              <a:spcAft>
+                <a:spcPts val="0"/>
+              </a:spcAft>
+              <a:buClrTx/>
+              <a:buSzTx/>
+              <a:buFontTx/>
+              <a:buNone/>
+              <a:tabLst/>
+              <a:defRPr/>
+            </a:pPr>
+            <a:r>
+              <a:rPr lang="en-ZA" sz="1200" kern="1200" dirty="0" smtClean="0">
+                <a:solidFill>
+                  <a:schemeClr val="tx1"/>
+                </a:solidFill>
+                <a:effectLst/>
+                <a:latin typeface="+mn-lt"/>
+                <a:ea typeface="+mn-ea"/>
+                <a:cs typeface="+mn-cs"/>
+              </a:rPr>
+              <a:t>The response/res object is a similar to the request object. Except it contains information and helper methods pertaining to the response. </a:t>
+            </a:r>
+          </a:p>
+          <a:p>
             <a:r>
               <a:rPr lang="en-ZA" dirty="0" smtClean="0"/>
-              <a:t>An app</a:t>
+              <a:t>So now we know what the two parameters to our</a:t>
             </a:r>
             <a:r>
               <a:rPr lang="en-ZA" baseline="0" dirty="0" smtClean="0"/>
-              <a:t> is just an express() instance. </a:t>
-            </a:r>
-          </a:p>
-          <a:p>
-            <a:r>
-              <a:rPr lang="en-ZA" baseline="0" dirty="0" smtClean="0"/>
-              <a:t>The root route = ‘/’</a:t>
-            </a:r>
-          </a:p>
-          <a:p>
+              <a:t> handlers are. Let us look at the routing mechanism in more detail.</a:t>
+            </a:r>
             <a:endParaRPr lang="en-ZA" dirty="0"/>
           </a:p>
         </p:txBody>
@@ -3638,7 +5048,7 @@
           <a:p>
             <a:fld id="{325FAB6F-F295-44F7-B511-A16B864003EE}" type="slidenum">
               <a:rPr lang="en-ZA" smtClean="0"/>
-              <a:t>7</a:t>
+              <a:t>6</a:t>
             </a:fld>
             <a:endParaRPr lang="en-ZA"/>
           </a:p>
@@ -3647,7 +5057,7 @@
     </p:spTree>
     <p:extLst>
       <p:ext uri="{BB962C8B-B14F-4D97-AF65-F5344CB8AC3E}">
-        <p14:creationId xmlns:p14="http://schemas.microsoft.com/office/powerpoint/2010/main" val="2158886546"/>
+        <p14:creationId xmlns:p14="http://schemas.microsoft.com/office/powerpoint/2010/main" val="3745241618"/>
       </p:ext>
     </p:extLst>
   </p:cSld>
@@ -3703,12 +5113,20 @@
           <a:p>
             <a:r>
               <a:rPr lang="en-ZA" dirty="0" smtClean="0"/>
-              <a:t>If we take a look at our hello</a:t>
+              <a:t>An app</a:t>
             </a:r>
             <a:r>
               <a:rPr lang="en-ZA" baseline="0" dirty="0" smtClean="0"/>
-              <a:t> world route handler we can see that very pattern</a:t>
-            </a:r>
+              <a:t> is just an express() instance. </a:t>
+            </a:r>
+          </a:p>
+          <a:p>
+            <a:r>
+              <a:rPr lang="en-ZA" baseline="0" dirty="0" smtClean="0"/>
+              <a:t>The root route = ‘/’</a:t>
+            </a:r>
+          </a:p>
+          <a:p>
             <a:endParaRPr lang="en-ZA" dirty="0"/>
           </a:p>
         </p:txBody>
@@ -3730,7 +5148,7 @@
           <a:p>
             <a:fld id="{325FAB6F-F295-44F7-B511-A16B864003EE}" type="slidenum">
               <a:rPr lang="en-ZA" smtClean="0"/>
-              <a:t>8</a:t>
+              <a:t>7</a:t>
             </a:fld>
             <a:endParaRPr lang="en-ZA"/>
           </a:p>
@@ -3739,7 +5157,7 @@
     </p:spTree>
     <p:extLst>
       <p:ext uri="{BB962C8B-B14F-4D97-AF65-F5344CB8AC3E}">
-        <p14:creationId xmlns:p14="http://schemas.microsoft.com/office/powerpoint/2010/main" val="608662372"/>
+        <p14:creationId xmlns:p14="http://schemas.microsoft.com/office/powerpoint/2010/main" val="2158886546"/>
       </p:ext>
     </p:extLst>
   </p:cSld>
@@ -3793,6 +5211,14 @@
           <a:bodyPr/>
           <a:lstStyle/>
           <a:p>
+            <a:r>
+              <a:rPr lang="en-ZA" dirty="0" smtClean="0"/>
+              <a:t>If we take a look at our hello</a:t>
+            </a:r>
+            <a:r>
+              <a:rPr lang="en-ZA" baseline="0" dirty="0" smtClean="0"/>
+              <a:t> world route handler we can see that very pattern</a:t>
+            </a:r>
             <a:endParaRPr lang="en-ZA" dirty="0"/>
           </a:p>
         </p:txBody>
@@ -3814,7 +5240,7 @@
           <a:p>
             <a:fld id="{325FAB6F-F295-44F7-B511-A16B864003EE}" type="slidenum">
               <a:rPr lang="en-ZA" smtClean="0"/>
-              <a:t>9</a:t>
+              <a:t>8</a:t>
             </a:fld>
             <a:endParaRPr lang="en-ZA"/>
           </a:p>
@@ -3823,7 +5249,7 @@
     </p:spTree>
     <p:extLst>
       <p:ext uri="{BB962C8B-B14F-4D97-AF65-F5344CB8AC3E}">
-        <p14:creationId xmlns:p14="http://schemas.microsoft.com/office/powerpoint/2010/main" val="1457150997"/>
+        <p14:creationId xmlns:p14="http://schemas.microsoft.com/office/powerpoint/2010/main" val="608662372"/>
       </p:ext>
     </p:extLst>
   </p:cSld>
@@ -3898,7 +5324,7 @@
           <a:p>
             <a:fld id="{325FAB6F-F295-44F7-B511-A16B864003EE}" type="slidenum">
               <a:rPr lang="en-ZA" smtClean="0"/>
-              <a:t>10</a:t>
+              <a:t>9</a:t>
             </a:fld>
             <a:endParaRPr lang="en-ZA"/>
           </a:p>
@@ -3907,7 +5333,7 @@
     </p:spTree>
     <p:extLst>
       <p:ext uri="{BB962C8B-B14F-4D97-AF65-F5344CB8AC3E}">
-        <p14:creationId xmlns:p14="http://schemas.microsoft.com/office/powerpoint/2010/main" val="386518934"/>
+        <p14:creationId xmlns:p14="http://schemas.microsoft.com/office/powerpoint/2010/main" val="1457150997"/>
       </p:ext>
     </p:extLst>
   </p:cSld>
@@ -4103,7 +5529,7 @@
           <a:p>
             <a:fld id="{B6843FA2-9156-411A-8BEF-3D753771A1B5}" type="datetimeFigureOut">
               <a:rPr lang="en-ZA" smtClean="0"/>
-              <a:t>2016-06-05</a:t>
+              <a:t>2016-06-12</a:t>
             </a:fld>
             <a:endParaRPr lang="en-ZA"/>
           </a:p>
@@ -4378,7 +5804,7 @@
           <a:p>
             <a:fld id="{B6843FA2-9156-411A-8BEF-3D753771A1B5}" type="datetimeFigureOut">
               <a:rPr lang="en-ZA" smtClean="0"/>
-              <a:t>2016-06-05</a:t>
+              <a:t>2016-06-12</a:t>
             </a:fld>
             <a:endParaRPr lang="en-ZA"/>
           </a:p>
@@ -4572,7 +5998,7 @@
           <a:p>
             <a:fld id="{B6843FA2-9156-411A-8BEF-3D753771A1B5}" type="datetimeFigureOut">
               <a:rPr lang="en-ZA" smtClean="0"/>
-              <a:t>2016-06-05</a:t>
+              <a:t>2016-06-12</a:t>
             </a:fld>
             <a:endParaRPr lang="en-ZA"/>
           </a:p>
@@ -4845,7 +6271,7 @@
           <a:p>
             <a:fld id="{B6843FA2-9156-411A-8BEF-3D753771A1B5}" type="datetimeFigureOut">
               <a:rPr lang="en-ZA" smtClean="0"/>
-              <a:t>2016-06-05</a:t>
+              <a:t>2016-06-12</a:t>
             </a:fld>
             <a:endParaRPr lang="en-ZA"/>
           </a:p>
@@ -5186,7 +6612,7 @@
           <a:p>
             <a:fld id="{B6843FA2-9156-411A-8BEF-3D753771A1B5}" type="datetimeFigureOut">
               <a:rPr lang="en-ZA" smtClean="0"/>
-              <a:t>2016-06-05</a:t>
+              <a:t>2016-06-12</a:t>
             </a:fld>
             <a:endParaRPr lang="en-ZA"/>
           </a:p>
@@ -5809,7 +7235,7 @@
           <a:p>
             <a:fld id="{B6843FA2-9156-411A-8BEF-3D753771A1B5}" type="datetimeFigureOut">
               <a:rPr lang="en-ZA" smtClean="0"/>
-              <a:t>2016-06-05</a:t>
+              <a:t>2016-06-12</a:t>
             </a:fld>
             <a:endParaRPr lang="en-ZA"/>
           </a:p>
@@ -6669,7 +8095,7 @@
           <a:p>
             <a:fld id="{B6843FA2-9156-411A-8BEF-3D753771A1B5}" type="datetimeFigureOut">
               <a:rPr lang="en-ZA" smtClean="0"/>
-              <a:t>2016-06-05</a:t>
+              <a:t>2016-06-12</a:t>
             </a:fld>
             <a:endParaRPr lang="en-ZA"/>
           </a:p>
@@ -6839,7 +8265,7 @@
           <a:p>
             <a:fld id="{B6843FA2-9156-411A-8BEF-3D753771A1B5}" type="datetimeFigureOut">
               <a:rPr lang="en-ZA" smtClean="0"/>
-              <a:t>2016-06-05</a:t>
+              <a:t>2016-06-12</a:t>
             </a:fld>
             <a:endParaRPr lang="en-ZA"/>
           </a:p>
@@ -7019,7 +8445,7 @@
           <a:p>
             <a:fld id="{B6843FA2-9156-411A-8BEF-3D753771A1B5}" type="datetimeFigureOut">
               <a:rPr lang="en-ZA" smtClean="0"/>
-              <a:t>2016-06-05</a:t>
+              <a:t>2016-06-12</a:t>
             </a:fld>
             <a:endParaRPr lang="en-ZA"/>
           </a:p>
@@ -7189,7 +8615,7 @@
           <a:p>
             <a:fld id="{B6843FA2-9156-411A-8BEF-3D753771A1B5}" type="datetimeFigureOut">
               <a:rPr lang="en-ZA" smtClean="0"/>
-              <a:t>2016-06-05</a:t>
+              <a:t>2016-06-12</a:t>
             </a:fld>
             <a:endParaRPr lang="en-ZA"/>
           </a:p>
@@ -7436,7 +8862,7 @@
           <a:p>
             <a:fld id="{B6843FA2-9156-411A-8BEF-3D753771A1B5}" type="datetimeFigureOut">
               <a:rPr lang="en-ZA" smtClean="0"/>
-              <a:t>2016-06-05</a:t>
+              <a:t>2016-06-12</a:t>
             </a:fld>
             <a:endParaRPr lang="en-ZA"/>
           </a:p>
@@ -7728,7 +9154,7 @@
           <a:p>
             <a:fld id="{B6843FA2-9156-411A-8BEF-3D753771A1B5}" type="datetimeFigureOut">
               <a:rPr lang="en-ZA" smtClean="0"/>
-              <a:t>2016-06-05</a:t>
+              <a:t>2016-06-12</a:t>
             </a:fld>
             <a:endParaRPr lang="en-ZA"/>
           </a:p>
@@ -8172,7 +9598,7 @@
           <a:p>
             <a:fld id="{B6843FA2-9156-411A-8BEF-3D753771A1B5}" type="datetimeFigureOut">
               <a:rPr lang="en-ZA" smtClean="0"/>
-              <a:t>2016-06-05</a:t>
+              <a:t>2016-06-12</a:t>
             </a:fld>
             <a:endParaRPr lang="en-ZA"/>
           </a:p>
@@ -8290,7 +9716,7 @@
           <a:p>
             <a:fld id="{B6843FA2-9156-411A-8BEF-3D753771A1B5}" type="datetimeFigureOut">
               <a:rPr lang="en-ZA" smtClean="0"/>
-              <a:t>2016-06-05</a:t>
+              <a:t>2016-06-12</a:t>
             </a:fld>
             <a:endParaRPr lang="en-ZA"/>
           </a:p>
@@ -8385,7 +9811,7 @@
           <a:p>
             <a:fld id="{B6843FA2-9156-411A-8BEF-3D753771A1B5}" type="datetimeFigureOut">
               <a:rPr lang="en-ZA" smtClean="0"/>
-              <a:t>2016-06-05</a:t>
+              <a:t>2016-06-12</a:t>
             </a:fld>
             <a:endParaRPr lang="en-ZA"/>
           </a:p>
@@ -8664,7 +10090,7 @@
           <a:p>
             <a:fld id="{B6843FA2-9156-411A-8BEF-3D753771A1B5}" type="datetimeFigureOut">
               <a:rPr lang="en-ZA" smtClean="0"/>
-              <a:t>2016-06-05</a:t>
+              <a:t>2016-06-12</a:t>
             </a:fld>
             <a:endParaRPr lang="en-ZA"/>
           </a:p>
@@ -8939,7 +10365,7 @@
           <a:p>
             <a:fld id="{B6843FA2-9156-411A-8BEF-3D753771A1B5}" type="datetimeFigureOut">
               <a:rPr lang="en-ZA" smtClean="0"/>
-              <a:t>2016-06-05</a:t>
+              <a:t>2016-06-12</a:t>
             </a:fld>
             <a:endParaRPr lang="en-ZA"/>
           </a:p>
@@ -9368,7 +10794,7 @@
           <a:p>
             <a:fld id="{B6843FA2-9156-411A-8BEF-3D753771A1B5}" type="datetimeFigureOut">
               <a:rPr lang="en-ZA" smtClean="0"/>
-              <a:t>2016-06-05</a:t>
+              <a:t>2016-06-12</a:t>
             </a:fld>
             <a:endParaRPr lang="en-ZA"/>
           </a:p>
@@ -9944,7 +11370,7 @@
             </a:r>
             <a:r>
               <a:rPr lang="en-ZA" dirty="0">
-                <a:hlinkClick r:id="rId2"/>
+                <a:hlinkClick r:id="rId3"/>
               </a:rPr>
               <a:t>Node.js</a:t>
             </a:r>
@@ -16701,11 +18127,7 @@
           <a:p>
             <a:r>
               <a:rPr lang="en-ZA" dirty="0" smtClean="0"/>
-              <a:t>For example, we can add a logger just to our posts route </a:t>
-            </a:r>
-            <a:r>
-              <a:rPr lang="en-ZA" dirty="0" smtClean="0"/>
-              <a:t>handler. </a:t>
+              <a:t>For example, we can add a logger just to our posts route handler. </a:t>
             </a:r>
           </a:p>
           <a:p>
@@ -20836,6 +22258,578 @@
 </p:sld>
 </file>
 
+<file path=ppt/slides/slide28.xml><?xml version="1.0" encoding="utf-8"?>
+<p:sld xmlns:a="http://schemas.openxmlformats.org/drawingml/2006/main" xmlns:r="http://schemas.openxmlformats.org/officeDocument/2006/relationships" xmlns:p="http://schemas.openxmlformats.org/presentationml/2006/main">
+  <p:cSld>
+    <p:spTree>
+      <p:nvGrpSpPr>
+        <p:cNvPr id="1" name=""/>
+        <p:cNvGrpSpPr/>
+        <p:nvPr/>
+      </p:nvGrpSpPr>
+      <p:grpSpPr>
+        <a:xfrm>
+          <a:off x="0" y="0"/>
+          <a:ext cx="0" cy="0"/>
+          <a:chOff x="0" y="0"/>
+          <a:chExt cx="0" cy="0"/>
+        </a:xfrm>
+      </p:grpSpPr>
+      <p:sp>
+        <p:nvSpPr>
+          <p:cNvPr id="2" name="Title 1"/>
+          <p:cNvSpPr>
+            <a:spLocks noGrp="1"/>
+          </p:cNvSpPr>
+          <p:nvPr>
+            <p:ph type="title"/>
+          </p:nvPr>
+        </p:nvSpPr>
+        <p:spPr/>
+        <p:txBody>
+          <a:bodyPr/>
+          <a:lstStyle/>
+          <a:p>
+            <a:r>
+              <a:rPr lang="en-ZA" dirty="0" smtClean="0"/>
+              <a:t>Common Middleware - Morgan logger</a:t>
+            </a:r>
+            <a:endParaRPr lang="en-ZA" dirty="0"/>
+          </a:p>
+        </p:txBody>
+      </p:sp>
+      <p:sp>
+        <p:nvSpPr>
+          <p:cNvPr id="3" name="Content Placeholder 2"/>
+          <p:cNvSpPr>
+            <a:spLocks noGrp="1"/>
+          </p:cNvSpPr>
+          <p:nvPr>
+            <p:ph idx="1"/>
+          </p:nvPr>
+        </p:nvSpPr>
+        <p:spPr/>
+        <p:txBody>
+          <a:bodyPr/>
+          <a:lstStyle/>
+          <a:p>
+            <a:r>
+              <a:rPr lang="en-ZA" dirty="0" smtClean="0"/>
+              <a:t>Feature packed logger for incoming requests</a:t>
+            </a:r>
+          </a:p>
+          <a:p>
+            <a:endParaRPr lang="en-ZA" dirty="0"/>
+          </a:p>
+          <a:p>
+            <a:r>
+              <a:rPr lang="en-ZA" dirty="0"/>
+              <a:t>(https://github.com/expressjs/morgan) </a:t>
+            </a:r>
+            <a:endParaRPr lang="en-ZA" dirty="0" smtClean="0"/>
+          </a:p>
+          <a:p>
+            <a:endParaRPr lang="en-ZA" dirty="0"/>
+          </a:p>
+          <a:p>
+            <a:endParaRPr lang="en-ZA" dirty="0" smtClean="0"/>
+          </a:p>
+        </p:txBody>
+      </p:sp>
+      <p:sp>
+        <p:nvSpPr>
+          <p:cNvPr id="5" name="Rectangle 2"/>
+          <p:cNvSpPr>
+            <a:spLocks noChangeArrowheads="1"/>
+          </p:cNvSpPr>
+          <p:nvPr/>
+        </p:nvSpPr>
+        <p:spPr bwMode="auto">
+          <a:xfrm>
+            <a:off x="1418255" y="4150658"/>
+            <a:ext cx="8957387" cy="1015663"/>
+          </a:xfrm>
+          <a:prstGeom prst="rect">
+            <a:avLst/>
+          </a:prstGeom>
+          <a:solidFill>
+            <a:srgbClr val="2B2B2B"/>
+          </a:solidFill>
+          <a:ln>
+            <a:noFill/>
+          </a:ln>
+          <a:effectLst/>
+          <a:extLst>
+            <a:ext uri="{91240B29-F687-4F45-9708-019B960494DF}">
+              <a14:hiddenLine xmlns:a14="http://schemas.microsoft.com/office/drawing/2010/main" w="9525">
+                <a:solidFill>
+                  <a:schemeClr val="tx1"/>
+                </a:solidFill>
+                <a:miter lim="800000"/>
+                <a:headEnd/>
+                <a:tailEnd/>
+              </a14:hiddenLine>
+            </a:ext>
+            <a:ext uri="{AF507438-7753-43E0-B8FC-AC1667EBCBE1}">
+              <a14:hiddenEffects xmlns:a14="http://schemas.microsoft.com/office/drawing/2010/main">
+                <a:effectLst>
+                  <a:outerShdw dist="35921" dir="2700000" algn="ctr" rotWithShape="0">
+                    <a:schemeClr val="bg2"/>
+                  </a:outerShdw>
+                </a:effectLst>
+              </a14:hiddenEffects>
+            </a:ext>
+          </a:extLst>
+        </p:spPr>
+        <p:txBody>
+          <a:bodyPr vert="horz" wrap="square" lIns="91440" tIns="45720" rIns="91440" bIns="45720" numCol="1" anchor="ctr" anchorCtr="0" compatLnSpc="1">
+            <a:prstTxWarp prst="textNoShape">
+              <a:avLst/>
+            </a:prstTxWarp>
+            <a:spAutoFit/>
+          </a:bodyPr>
+          <a:lstStyle/>
+          <a:p>
+            <a:pPr marL="0" marR="0" lvl="0" indent="0" algn="l" defTabSz="914400" rtl="0" eaLnBrk="0" fontAlgn="base" latinLnBrk="0" hangingPunct="0">
+              <a:lnSpc>
+                <a:spcPct val="100000"/>
+              </a:lnSpc>
+              <a:spcBef>
+                <a:spcPct val="0"/>
+              </a:spcBef>
+              <a:spcAft>
+                <a:spcPct val="0"/>
+              </a:spcAft>
+              <a:buClrTx/>
+              <a:buSzTx/>
+              <a:buFontTx/>
+              <a:buNone/>
+              <a:tabLst/>
+            </a:pPr>
+            <a:r>
+              <a:rPr kumimoji="0" lang="en-US" sz="2000" b="1" i="0" u="none" strike="noStrike" cap="none" normalizeH="0" baseline="0" dirty="0" err="1" smtClean="0">
+                <a:ln>
+                  <a:noFill/>
+                </a:ln>
+                <a:solidFill>
+                  <a:srgbClr val="CC7832"/>
+                </a:solidFill>
+                <a:effectLst/>
+                <a:latin typeface="Courier New" panose="02070309020205020404" pitchFamily="49" charset="0"/>
+                <a:cs typeface="Courier New" panose="02070309020205020404" pitchFamily="49" charset="0"/>
+              </a:rPr>
+              <a:t>var</a:t>
+            </a:r>
+            <a:r>
+              <a:rPr kumimoji="0" lang="en-US" sz="2000" b="1" i="0" u="none" strike="noStrike" cap="none" normalizeH="0" baseline="0" dirty="0" smtClean="0">
+                <a:ln>
+                  <a:noFill/>
+                </a:ln>
+                <a:solidFill>
+                  <a:srgbClr val="CC7832"/>
+                </a:solidFill>
+                <a:effectLst/>
+                <a:latin typeface="Courier New" panose="02070309020205020404" pitchFamily="49" charset="0"/>
+                <a:cs typeface="Courier New" panose="02070309020205020404" pitchFamily="49" charset="0"/>
+              </a:rPr>
+              <a:t> </a:t>
+            </a:r>
+            <a:r>
+              <a:rPr kumimoji="0" lang="en-US" sz="2000" b="0" i="0" u="none" strike="noStrike" cap="none" normalizeH="0" baseline="0" dirty="0" err="1" smtClean="0">
+                <a:ln>
+                  <a:noFill/>
+                </a:ln>
+                <a:solidFill>
+                  <a:srgbClr val="A9B7C6"/>
+                </a:solidFill>
+                <a:effectLst/>
+                <a:latin typeface="Courier New" panose="02070309020205020404" pitchFamily="49" charset="0"/>
+                <a:cs typeface="Courier New" panose="02070309020205020404" pitchFamily="49" charset="0"/>
+              </a:rPr>
+              <a:t>morgan</a:t>
+            </a:r>
+            <a:r>
+              <a:rPr kumimoji="0" lang="en-US" sz="2000" b="0" i="0" u="none" strike="noStrike" cap="none" normalizeH="0" baseline="0" dirty="0" smtClean="0">
+                <a:ln>
+                  <a:noFill/>
+                </a:ln>
+                <a:solidFill>
+                  <a:srgbClr val="A9B7C6"/>
+                </a:solidFill>
+                <a:effectLst/>
+                <a:latin typeface="Courier New" panose="02070309020205020404" pitchFamily="49" charset="0"/>
+                <a:cs typeface="Courier New" panose="02070309020205020404" pitchFamily="49" charset="0"/>
+              </a:rPr>
+              <a:t> = require(</a:t>
+            </a:r>
+            <a:r>
+              <a:rPr kumimoji="0" lang="en-US" sz="2000" b="0" i="0" u="none" strike="noStrike" cap="none" normalizeH="0" baseline="0" dirty="0" smtClean="0">
+                <a:ln>
+                  <a:noFill/>
+                </a:ln>
+                <a:solidFill>
+                  <a:srgbClr val="6A8759"/>
+                </a:solidFill>
+                <a:effectLst/>
+                <a:latin typeface="Courier New" panose="02070309020205020404" pitchFamily="49" charset="0"/>
+                <a:cs typeface="Courier New" panose="02070309020205020404" pitchFamily="49" charset="0"/>
+              </a:rPr>
+              <a:t>"</a:t>
+            </a:r>
+            <a:r>
+              <a:rPr kumimoji="0" lang="en-US" sz="2000" b="0" i="0" u="none" strike="noStrike" cap="none" normalizeH="0" baseline="0" dirty="0" err="1" smtClean="0">
+                <a:ln>
+                  <a:noFill/>
+                </a:ln>
+                <a:solidFill>
+                  <a:srgbClr val="6A8759"/>
+                </a:solidFill>
+                <a:effectLst/>
+                <a:latin typeface="Courier New" panose="02070309020205020404" pitchFamily="49" charset="0"/>
+                <a:cs typeface="Courier New" panose="02070309020205020404" pitchFamily="49" charset="0"/>
+              </a:rPr>
+              <a:t>morgan</a:t>
+            </a:r>
+            <a:r>
+              <a:rPr kumimoji="0" lang="en-US" sz="2000" b="0" i="0" u="none" strike="noStrike" cap="none" normalizeH="0" baseline="0" dirty="0" smtClean="0">
+                <a:ln>
+                  <a:noFill/>
+                </a:ln>
+                <a:solidFill>
+                  <a:srgbClr val="6A8759"/>
+                </a:solidFill>
+                <a:effectLst/>
+                <a:latin typeface="Courier New" panose="02070309020205020404" pitchFamily="49" charset="0"/>
+                <a:cs typeface="Courier New" panose="02070309020205020404" pitchFamily="49" charset="0"/>
+              </a:rPr>
+              <a:t>"</a:t>
+            </a:r>
+            <a:r>
+              <a:rPr kumimoji="0" lang="en-US" sz="2000" b="0" i="0" u="none" strike="noStrike" cap="none" normalizeH="0" baseline="0" dirty="0" smtClean="0">
+                <a:ln>
+                  <a:noFill/>
+                </a:ln>
+                <a:solidFill>
+                  <a:srgbClr val="A9B7C6"/>
+                </a:solidFill>
+                <a:effectLst/>
+                <a:latin typeface="Courier New" panose="02070309020205020404" pitchFamily="49" charset="0"/>
+                <a:cs typeface="Courier New" panose="02070309020205020404" pitchFamily="49" charset="0"/>
+              </a:rPr>
+              <a:t>)</a:t>
+            </a:r>
+            <a:r>
+              <a:rPr kumimoji="0" lang="en-US" sz="2000" b="0" i="0" u="none" strike="noStrike" cap="none" normalizeH="0" baseline="0" dirty="0" smtClean="0">
+                <a:ln>
+                  <a:noFill/>
+                </a:ln>
+                <a:solidFill>
+                  <a:srgbClr val="CC7832"/>
+                </a:solidFill>
+                <a:effectLst/>
+                <a:latin typeface="Courier New" panose="02070309020205020404" pitchFamily="49" charset="0"/>
+                <a:cs typeface="Courier New" panose="02070309020205020404" pitchFamily="49" charset="0"/>
+              </a:rPr>
+              <a:t>;</a:t>
+            </a:r>
+            <a:br>
+              <a:rPr kumimoji="0" lang="en-US" sz="2000" b="0" i="0" u="none" strike="noStrike" cap="none" normalizeH="0" baseline="0" dirty="0" smtClean="0">
+                <a:ln>
+                  <a:noFill/>
+                </a:ln>
+                <a:solidFill>
+                  <a:srgbClr val="CC7832"/>
+                </a:solidFill>
+                <a:effectLst/>
+                <a:latin typeface="Courier New" panose="02070309020205020404" pitchFamily="49" charset="0"/>
+                <a:cs typeface="Courier New" panose="02070309020205020404" pitchFamily="49" charset="0"/>
+              </a:rPr>
+            </a:br>
+            <a:r>
+              <a:rPr kumimoji="0" lang="en-US" sz="2000" b="0" i="0" u="none" strike="noStrike" cap="none" normalizeH="0" baseline="0" dirty="0" smtClean="0">
+                <a:ln>
+                  <a:noFill/>
+                </a:ln>
+                <a:solidFill>
+                  <a:srgbClr val="808080"/>
+                </a:solidFill>
+                <a:effectLst/>
+                <a:latin typeface="Courier New" panose="02070309020205020404" pitchFamily="49" charset="0"/>
+                <a:cs typeface="Courier New" panose="02070309020205020404" pitchFamily="49" charset="0"/>
+              </a:rPr>
+              <a:t/>
+            </a:r>
+            <a:br>
+              <a:rPr kumimoji="0" lang="en-US" sz="2000" b="0" i="0" u="none" strike="noStrike" cap="none" normalizeH="0" baseline="0" dirty="0" smtClean="0">
+                <a:ln>
+                  <a:noFill/>
+                </a:ln>
+                <a:solidFill>
+                  <a:srgbClr val="808080"/>
+                </a:solidFill>
+                <a:effectLst/>
+                <a:latin typeface="Courier New" panose="02070309020205020404" pitchFamily="49" charset="0"/>
+                <a:cs typeface="Courier New" panose="02070309020205020404" pitchFamily="49" charset="0"/>
+              </a:rPr>
+            </a:br>
+            <a:r>
+              <a:rPr kumimoji="0" lang="en-US" sz="2000" b="0" i="0" u="none" strike="noStrike" cap="none" normalizeH="0" baseline="0" dirty="0" err="1" smtClean="0">
+                <a:ln>
+                  <a:noFill/>
+                </a:ln>
+                <a:solidFill>
+                  <a:srgbClr val="A9B7C6"/>
+                </a:solidFill>
+                <a:effectLst/>
+                <a:latin typeface="Courier New" panose="02070309020205020404" pitchFamily="49" charset="0"/>
+                <a:cs typeface="Courier New" panose="02070309020205020404" pitchFamily="49" charset="0"/>
+              </a:rPr>
+              <a:t>app.</a:t>
+            </a:r>
+            <a:r>
+              <a:rPr kumimoji="0" lang="en-US" sz="2000" b="0" i="0" u="none" strike="noStrike" cap="none" normalizeH="0" baseline="0" dirty="0" err="1" smtClean="0">
+                <a:ln>
+                  <a:noFill/>
+                </a:ln>
+                <a:solidFill>
+                  <a:srgbClr val="FFC66D"/>
+                </a:solidFill>
+                <a:effectLst/>
+                <a:latin typeface="Courier New" panose="02070309020205020404" pitchFamily="49" charset="0"/>
+                <a:cs typeface="Courier New" panose="02070309020205020404" pitchFamily="49" charset="0"/>
+              </a:rPr>
+              <a:t>use</a:t>
+            </a:r>
+            <a:r>
+              <a:rPr kumimoji="0" lang="en-US" sz="2000" b="0" i="0" u="none" strike="noStrike" cap="none" normalizeH="0" baseline="0" dirty="0" smtClean="0">
+                <a:ln>
+                  <a:noFill/>
+                </a:ln>
+                <a:solidFill>
+                  <a:srgbClr val="A9B7C6"/>
+                </a:solidFill>
+                <a:effectLst/>
+                <a:latin typeface="Courier New" panose="02070309020205020404" pitchFamily="49" charset="0"/>
+                <a:cs typeface="Courier New" panose="02070309020205020404" pitchFamily="49" charset="0"/>
+              </a:rPr>
+              <a:t>(</a:t>
+            </a:r>
+            <a:r>
+              <a:rPr kumimoji="0" lang="en-US" sz="2000" b="0" i="0" u="none" strike="noStrike" cap="none" normalizeH="0" baseline="0" dirty="0" err="1" smtClean="0">
+                <a:ln>
+                  <a:noFill/>
+                </a:ln>
+                <a:solidFill>
+                  <a:srgbClr val="A9B7C6"/>
+                </a:solidFill>
+                <a:effectLst/>
+                <a:latin typeface="Courier New" panose="02070309020205020404" pitchFamily="49" charset="0"/>
+                <a:cs typeface="Courier New" panose="02070309020205020404" pitchFamily="49" charset="0"/>
+              </a:rPr>
+              <a:t>morgan</a:t>
+            </a:r>
+            <a:r>
+              <a:rPr kumimoji="0" lang="en-US" sz="2000" b="0" i="0" u="none" strike="noStrike" cap="none" normalizeH="0" baseline="0" dirty="0" smtClean="0">
+                <a:ln>
+                  <a:noFill/>
+                </a:ln>
+                <a:solidFill>
+                  <a:srgbClr val="A9B7C6"/>
+                </a:solidFill>
+                <a:effectLst/>
+                <a:latin typeface="Courier New" panose="02070309020205020404" pitchFamily="49" charset="0"/>
+                <a:cs typeface="Courier New" panose="02070309020205020404" pitchFamily="49" charset="0"/>
+              </a:rPr>
+              <a:t>(</a:t>
+            </a:r>
+            <a:r>
+              <a:rPr kumimoji="0" lang="en-US" sz="2000" b="0" i="0" u="none" strike="noStrike" cap="none" normalizeH="0" baseline="0" dirty="0" smtClean="0">
+                <a:ln>
+                  <a:noFill/>
+                </a:ln>
+                <a:solidFill>
+                  <a:srgbClr val="6A8759"/>
+                </a:solidFill>
+                <a:effectLst/>
+                <a:latin typeface="Courier New" panose="02070309020205020404" pitchFamily="49" charset="0"/>
+                <a:cs typeface="Courier New" panose="02070309020205020404" pitchFamily="49" charset="0"/>
+              </a:rPr>
+              <a:t>'combined'</a:t>
+            </a:r>
+            <a:r>
+              <a:rPr kumimoji="0" lang="en-US" sz="2000" b="0" i="0" u="none" strike="noStrike" cap="none" normalizeH="0" baseline="0" dirty="0" smtClean="0">
+                <a:ln>
+                  <a:noFill/>
+                </a:ln>
+                <a:solidFill>
+                  <a:srgbClr val="A9B7C6"/>
+                </a:solidFill>
+                <a:effectLst/>
+                <a:latin typeface="Courier New" panose="02070309020205020404" pitchFamily="49" charset="0"/>
+                <a:cs typeface="Courier New" panose="02070309020205020404" pitchFamily="49" charset="0"/>
+              </a:rPr>
+              <a:t>))</a:t>
+            </a:r>
+            <a:r>
+              <a:rPr kumimoji="0" lang="en-US" sz="2000" b="0" i="0" u="none" strike="noStrike" cap="none" normalizeH="0" baseline="0" dirty="0" smtClean="0">
+                <a:ln>
+                  <a:noFill/>
+                </a:ln>
+                <a:solidFill>
+                  <a:srgbClr val="CC7832"/>
+                </a:solidFill>
+                <a:effectLst/>
+                <a:latin typeface="Courier New" panose="02070309020205020404" pitchFamily="49" charset="0"/>
+                <a:cs typeface="Courier New" panose="02070309020205020404" pitchFamily="49" charset="0"/>
+              </a:rPr>
+              <a:t>;</a:t>
+            </a:r>
+            <a:endParaRPr kumimoji="0" lang="en-US" sz="2000" b="0" i="0" u="none" strike="noStrike" cap="none" normalizeH="0" baseline="0" dirty="0" smtClean="0">
+              <a:ln>
+                <a:noFill/>
+              </a:ln>
+              <a:solidFill>
+                <a:schemeClr val="tx1"/>
+              </a:solidFill>
+              <a:effectLst/>
+              <a:latin typeface="Arial" panose="020B0604020202020204" pitchFamily="34" charset="0"/>
+            </a:endParaRPr>
+          </a:p>
+        </p:txBody>
+      </p:sp>
+    </p:spTree>
+    <p:extLst>
+      <p:ext uri="{BB962C8B-B14F-4D97-AF65-F5344CB8AC3E}">
+        <p14:creationId xmlns:p14="http://schemas.microsoft.com/office/powerpoint/2010/main" val="1014818595"/>
+      </p:ext>
+    </p:extLst>
+  </p:cSld>
+  <p:clrMapOvr>
+    <a:masterClrMapping/>
+  </p:clrMapOvr>
+</p:sld>
+</file>
+
+<file path=ppt/slides/slide29.xml><?xml version="1.0" encoding="utf-8"?>
+<p:sld xmlns:a="http://schemas.openxmlformats.org/drawingml/2006/main" xmlns:r="http://schemas.openxmlformats.org/officeDocument/2006/relationships" xmlns:p="http://schemas.openxmlformats.org/presentationml/2006/main">
+  <p:cSld>
+    <p:spTree>
+      <p:nvGrpSpPr>
+        <p:cNvPr id="1" name=""/>
+        <p:cNvGrpSpPr/>
+        <p:nvPr/>
+      </p:nvGrpSpPr>
+      <p:grpSpPr>
+        <a:xfrm>
+          <a:off x="0" y="0"/>
+          <a:ext cx="0" cy="0"/>
+          <a:chOff x="0" y="0"/>
+          <a:chExt cx="0" cy="0"/>
+        </a:xfrm>
+      </p:grpSpPr>
+      <p:sp>
+        <p:nvSpPr>
+          <p:cNvPr id="2" name="Title 1"/>
+          <p:cNvSpPr>
+            <a:spLocks noGrp="1"/>
+          </p:cNvSpPr>
+          <p:nvPr>
+            <p:ph type="title"/>
+          </p:nvPr>
+        </p:nvSpPr>
+        <p:spPr/>
+        <p:txBody>
+          <a:bodyPr/>
+          <a:lstStyle/>
+          <a:p>
+            <a:r>
+              <a:rPr lang="en-ZA" dirty="0" smtClean="0"/>
+              <a:t>Common middleware – Body Parser</a:t>
+            </a:r>
+            <a:endParaRPr lang="en-ZA" dirty="0"/>
+          </a:p>
+        </p:txBody>
+      </p:sp>
+      <p:sp>
+        <p:nvSpPr>
+          <p:cNvPr id="3" name="Content Placeholder 2"/>
+          <p:cNvSpPr>
+            <a:spLocks noGrp="1"/>
+          </p:cNvSpPr>
+          <p:nvPr>
+            <p:ph idx="1"/>
+          </p:nvPr>
+        </p:nvSpPr>
+        <p:spPr/>
+        <p:txBody>
+          <a:bodyPr/>
+          <a:lstStyle/>
+          <a:p>
+            <a:r>
+              <a:rPr lang="en-ZA" dirty="0" smtClean="0"/>
+              <a:t>Retrieve the body from a request </a:t>
+            </a:r>
+          </a:p>
+          <a:p>
+            <a:endParaRPr lang="en-ZA" dirty="0" smtClean="0"/>
+          </a:p>
+          <a:p>
+            <a:r>
+              <a:rPr lang="en-ZA" dirty="0" smtClean="0"/>
+              <a:t>Can parse body as:</a:t>
+            </a:r>
+          </a:p>
+          <a:p>
+            <a:pPr lvl="1"/>
+            <a:r>
+              <a:rPr lang="en-ZA" dirty="0" smtClean="0"/>
+              <a:t>JSON</a:t>
+            </a:r>
+            <a:endParaRPr lang="en-ZA" dirty="0"/>
+          </a:p>
+          <a:p>
+            <a:pPr lvl="1"/>
+            <a:r>
+              <a:rPr lang="en-ZA" dirty="0"/>
+              <a:t>Raw – parses body as buffer </a:t>
+            </a:r>
+          </a:p>
+          <a:p>
+            <a:pPr lvl="1"/>
+            <a:r>
+              <a:rPr lang="en-ZA" dirty="0"/>
+              <a:t>Text – parses as string</a:t>
+            </a:r>
+          </a:p>
+          <a:p>
+            <a:pPr lvl="1"/>
+            <a:r>
+              <a:rPr lang="en-ZA" dirty="0" err="1"/>
+              <a:t>Urlencoded</a:t>
+            </a:r>
+            <a:r>
+              <a:rPr lang="en-ZA" dirty="0"/>
+              <a:t> – URL encoded body</a:t>
+            </a:r>
+          </a:p>
+          <a:p>
+            <a:endParaRPr lang="en-ZA" dirty="0"/>
+          </a:p>
+        </p:txBody>
+      </p:sp>
+    </p:spTree>
+    <p:extLst>
+      <p:ext uri="{BB962C8B-B14F-4D97-AF65-F5344CB8AC3E}">
+        <p14:creationId xmlns:p14="http://schemas.microsoft.com/office/powerpoint/2010/main" val="2101083042"/>
+      </p:ext>
+    </p:extLst>
+  </p:cSld>
+  <p:clrMapOvr>
+    <a:masterClrMapping/>
+  </p:clrMapOvr>
+</p:sld>
+</file>
+
 <file path=ppt/slides/slide3.xml><?xml version="1.0" encoding="utf-8"?>
 <p:sld xmlns:a="http://schemas.openxmlformats.org/drawingml/2006/main" xmlns:r="http://schemas.openxmlformats.org/officeDocument/2006/relationships" xmlns:p="http://schemas.openxmlformats.org/presentationml/2006/main">
   <p:cSld>
@@ -20998,6 +22992,3068 @@
       </p:par>
     </p:tnLst>
   </p:timing>
+</p:sld>
+</file>
+
+<file path=ppt/slides/slide30.xml><?xml version="1.0" encoding="utf-8"?>
+<p:sld xmlns:a="http://schemas.openxmlformats.org/drawingml/2006/main" xmlns:r="http://schemas.openxmlformats.org/officeDocument/2006/relationships" xmlns:p="http://schemas.openxmlformats.org/presentationml/2006/main">
+  <p:cSld>
+    <p:spTree>
+      <p:nvGrpSpPr>
+        <p:cNvPr id="1" name=""/>
+        <p:cNvGrpSpPr/>
+        <p:nvPr/>
+      </p:nvGrpSpPr>
+      <p:grpSpPr>
+        <a:xfrm>
+          <a:off x="0" y="0"/>
+          <a:ext cx="0" cy="0"/>
+          <a:chOff x="0" y="0"/>
+          <a:chExt cx="0" cy="0"/>
+        </a:xfrm>
+      </p:grpSpPr>
+      <p:sp>
+        <p:nvSpPr>
+          <p:cNvPr id="2" name="Title 1"/>
+          <p:cNvSpPr>
+            <a:spLocks noGrp="1"/>
+          </p:cNvSpPr>
+          <p:nvPr>
+            <p:ph type="title"/>
+          </p:nvPr>
+        </p:nvSpPr>
+        <p:spPr/>
+        <p:txBody>
+          <a:bodyPr/>
+          <a:lstStyle/>
+          <a:p>
+            <a:r>
+              <a:rPr lang="en-ZA" dirty="0" err="1"/>
+              <a:t>C</a:t>
+            </a:r>
+            <a:r>
+              <a:rPr lang="en-ZA" dirty="0" err="1" smtClean="0"/>
+              <a:t>ors</a:t>
+            </a:r>
+            <a:endParaRPr lang="en-ZA" dirty="0"/>
+          </a:p>
+        </p:txBody>
+      </p:sp>
+      <p:sp>
+        <p:nvSpPr>
+          <p:cNvPr id="3" name="Content Placeholder 2"/>
+          <p:cNvSpPr>
+            <a:spLocks noGrp="1"/>
+          </p:cNvSpPr>
+          <p:nvPr>
+            <p:ph idx="1"/>
+          </p:nvPr>
+        </p:nvSpPr>
+        <p:spPr/>
+        <p:txBody>
+          <a:bodyPr/>
+          <a:lstStyle/>
+          <a:p>
+            <a:r>
+              <a:rPr lang="en-ZA" dirty="0" smtClean="0"/>
+              <a:t>Cross-origin resource sharing</a:t>
+            </a:r>
+          </a:p>
+          <a:p>
+            <a:endParaRPr lang="en-ZA" dirty="0"/>
+          </a:p>
+          <a:p>
+            <a:r>
+              <a:rPr lang="en-ZA" dirty="0" smtClean="0"/>
+              <a:t>Browsers restrict access to certain resources if the requesting page and requested route are from different origins</a:t>
+            </a:r>
+            <a:endParaRPr lang="en-ZA" dirty="0"/>
+          </a:p>
+          <a:p>
+            <a:r>
+              <a:rPr lang="en-ZA" dirty="0" smtClean="0"/>
+              <a:t>Where origin is protocol</a:t>
+            </a:r>
+            <a:r>
+              <a:rPr lang="en-ZA" dirty="0"/>
+              <a:t>://</a:t>
+            </a:r>
+            <a:r>
+              <a:rPr lang="en-ZA" dirty="0" smtClean="0"/>
+              <a:t>host:port</a:t>
+            </a:r>
+          </a:p>
+          <a:p>
+            <a:endParaRPr lang="en-ZA" dirty="0" smtClean="0"/>
+          </a:p>
+          <a:p>
+            <a:r>
+              <a:rPr lang="en-ZA" dirty="0" err="1" smtClean="0"/>
+              <a:t>app.use</a:t>
+            </a:r>
+            <a:r>
+              <a:rPr lang="en-ZA" dirty="0" smtClean="0"/>
+              <a:t>(</a:t>
+            </a:r>
+            <a:r>
+              <a:rPr lang="en-ZA" dirty="0" err="1" smtClean="0"/>
+              <a:t>cors</a:t>
+            </a:r>
+            <a:r>
+              <a:rPr lang="en-ZA" dirty="0" smtClean="0"/>
+              <a:t>()) - </a:t>
+            </a:r>
+            <a:r>
+              <a:rPr lang="en-ZA" dirty="0"/>
+              <a:t>enables </a:t>
+            </a:r>
+            <a:r>
+              <a:rPr lang="en-ZA" dirty="0" err="1"/>
+              <a:t>cors</a:t>
+            </a:r>
+            <a:r>
+              <a:rPr lang="en-ZA" dirty="0"/>
+              <a:t> for all domains and for all </a:t>
+            </a:r>
+            <a:r>
+              <a:rPr lang="en-ZA" dirty="0" smtClean="0"/>
+              <a:t>requests</a:t>
+            </a:r>
+          </a:p>
+          <a:p>
+            <a:endParaRPr lang="en-ZA" dirty="0"/>
+          </a:p>
+          <a:p>
+            <a:r>
+              <a:rPr lang="en-ZA" dirty="0" err="1"/>
+              <a:t>app.use</a:t>
+            </a:r>
+            <a:r>
+              <a:rPr lang="en-ZA" dirty="0"/>
+              <a:t>(</a:t>
+            </a:r>
+            <a:r>
+              <a:rPr lang="en-ZA" dirty="0" err="1"/>
+              <a:t>cors</a:t>
+            </a:r>
+            <a:r>
+              <a:rPr lang="en-ZA" dirty="0"/>
+              <a:t>({origin: 'http://example.com'})); //</a:t>
+            </a:r>
+            <a:r>
+              <a:rPr lang="en-ZA" dirty="0" err="1"/>
+              <a:t>whiltelists</a:t>
+            </a:r>
+            <a:r>
+              <a:rPr lang="en-ZA" dirty="0"/>
+              <a:t> only example.com</a:t>
+            </a:r>
+          </a:p>
+          <a:p>
+            <a:endParaRPr lang="en-ZA" dirty="0"/>
+          </a:p>
+          <a:p>
+            <a:endParaRPr lang="en-ZA" dirty="0"/>
+          </a:p>
+        </p:txBody>
+      </p:sp>
+    </p:spTree>
+    <p:extLst>
+      <p:ext uri="{BB962C8B-B14F-4D97-AF65-F5344CB8AC3E}">
+        <p14:creationId xmlns:p14="http://schemas.microsoft.com/office/powerpoint/2010/main" val="1238593410"/>
+      </p:ext>
+    </p:extLst>
+  </p:cSld>
+  <p:clrMapOvr>
+    <a:masterClrMapping/>
+  </p:clrMapOvr>
+</p:sld>
+</file>
+
+<file path=ppt/slides/slide31.xml><?xml version="1.0" encoding="utf-8"?>
+<p:sld xmlns:a="http://schemas.openxmlformats.org/drawingml/2006/main" xmlns:r="http://schemas.openxmlformats.org/officeDocument/2006/relationships" xmlns:p="http://schemas.openxmlformats.org/presentationml/2006/main">
+  <p:cSld>
+    <p:spTree>
+      <p:nvGrpSpPr>
+        <p:cNvPr id="1" name=""/>
+        <p:cNvGrpSpPr/>
+        <p:nvPr/>
+      </p:nvGrpSpPr>
+      <p:grpSpPr>
+        <a:xfrm>
+          <a:off x="0" y="0"/>
+          <a:ext cx="0" cy="0"/>
+          <a:chOff x="0" y="0"/>
+          <a:chExt cx="0" cy="0"/>
+        </a:xfrm>
+      </p:grpSpPr>
+      <p:sp>
+        <p:nvSpPr>
+          <p:cNvPr id="2" name="Title 1"/>
+          <p:cNvSpPr>
+            <a:spLocks noGrp="1"/>
+          </p:cNvSpPr>
+          <p:nvPr>
+            <p:ph type="title"/>
+          </p:nvPr>
+        </p:nvSpPr>
+        <p:spPr/>
+        <p:txBody>
+          <a:bodyPr/>
+          <a:lstStyle/>
+          <a:p>
+            <a:r>
+              <a:rPr lang="en-ZA" dirty="0" err="1" smtClean="0"/>
+              <a:t>Cors</a:t>
+            </a:r>
+            <a:r>
+              <a:rPr lang="en-ZA" dirty="0" smtClean="0"/>
+              <a:t> resources</a:t>
+            </a:r>
+            <a:endParaRPr lang="en-ZA" dirty="0"/>
+          </a:p>
+        </p:txBody>
+      </p:sp>
+      <p:sp>
+        <p:nvSpPr>
+          <p:cNvPr id="3" name="Content Placeholder 2"/>
+          <p:cNvSpPr>
+            <a:spLocks noGrp="1"/>
+          </p:cNvSpPr>
+          <p:nvPr>
+            <p:ph idx="1"/>
+          </p:nvPr>
+        </p:nvSpPr>
+        <p:spPr/>
+        <p:txBody>
+          <a:bodyPr/>
+          <a:lstStyle/>
+          <a:p>
+            <a:endParaRPr lang="en-ZA" u="sng" dirty="0" smtClean="0">
+              <a:hlinkClick r:id="rId2"/>
+            </a:endParaRPr>
+          </a:p>
+          <a:p>
+            <a:endParaRPr lang="en-ZA" u="sng" dirty="0">
+              <a:hlinkClick r:id="rId2"/>
+            </a:endParaRPr>
+          </a:p>
+          <a:p>
+            <a:r>
+              <a:rPr lang="en-ZA" u="sng" dirty="0"/>
+              <a:t>https://www.npmjs.com/package/cors#usage </a:t>
+            </a:r>
+            <a:endParaRPr lang="en-ZA" u="sng" dirty="0" smtClean="0"/>
+          </a:p>
+          <a:p>
+            <a:endParaRPr lang="en-ZA" u="sng" dirty="0"/>
+          </a:p>
+          <a:p>
+            <a:r>
+              <a:rPr lang="en-ZA" u="sng" dirty="0"/>
+              <a:t>https://developer.mozilla.org/en-US/docs/Web/HTTP/Access_control_CORS - The CORS </a:t>
+            </a:r>
+            <a:r>
+              <a:rPr lang="en-ZA" u="sng" dirty="0" smtClean="0"/>
+              <a:t>standard</a:t>
+            </a:r>
+          </a:p>
+          <a:p>
+            <a:endParaRPr lang="en-ZA" u="sng" dirty="0"/>
+          </a:p>
+          <a:p>
+            <a:r>
+              <a:rPr lang="en-ZA" u="sng" dirty="0"/>
+              <a:t>https://www.npmjs.com/package/cors </a:t>
+            </a:r>
+          </a:p>
+          <a:p>
+            <a:endParaRPr lang="en-ZA" dirty="0"/>
+          </a:p>
+        </p:txBody>
+      </p:sp>
+    </p:spTree>
+    <p:extLst>
+      <p:ext uri="{BB962C8B-B14F-4D97-AF65-F5344CB8AC3E}">
+        <p14:creationId xmlns:p14="http://schemas.microsoft.com/office/powerpoint/2010/main" val="3207381461"/>
+      </p:ext>
+    </p:extLst>
+  </p:cSld>
+  <p:clrMapOvr>
+    <a:masterClrMapping/>
+  </p:clrMapOvr>
+</p:sld>
+</file>
+
+<file path=ppt/slides/slide32.xml><?xml version="1.0" encoding="utf-8"?>
+<p:sld xmlns:a="http://schemas.openxmlformats.org/drawingml/2006/main" xmlns:r="http://schemas.openxmlformats.org/officeDocument/2006/relationships" xmlns:p="http://schemas.openxmlformats.org/presentationml/2006/main">
+  <p:cSld>
+    <p:spTree>
+      <p:nvGrpSpPr>
+        <p:cNvPr id="1" name=""/>
+        <p:cNvGrpSpPr/>
+        <p:nvPr/>
+      </p:nvGrpSpPr>
+      <p:grpSpPr>
+        <a:xfrm>
+          <a:off x="0" y="0"/>
+          <a:ext cx="0" cy="0"/>
+          <a:chOff x="0" y="0"/>
+          <a:chExt cx="0" cy="0"/>
+        </a:xfrm>
+      </p:grpSpPr>
+      <p:sp>
+        <p:nvSpPr>
+          <p:cNvPr id="2" name="Title 1"/>
+          <p:cNvSpPr>
+            <a:spLocks noGrp="1"/>
+          </p:cNvSpPr>
+          <p:nvPr>
+            <p:ph type="title"/>
+          </p:nvPr>
+        </p:nvSpPr>
+        <p:spPr/>
+        <p:txBody>
+          <a:bodyPr/>
+          <a:lstStyle/>
+          <a:p>
+            <a:r>
+              <a:rPr lang="en-ZA" dirty="0" smtClean="0"/>
+              <a:t>JSON Schema</a:t>
+            </a:r>
+            <a:endParaRPr lang="en-ZA" dirty="0"/>
+          </a:p>
+        </p:txBody>
+      </p:sp>
+      <p:sp>
+        <p:nvSpPr>
+          <p:cNvPr id="3" name="Content Placeholder 2"/>
+          <p:cNvSpPr>
+            <a:spLocks noGrp="1"/>
+          </p:cNvSpPr>
+          <p:nvPr>
+            <p:ph idx="1"/>
+          </p:nvPr>
+        </p:nvSpPr>
+        <p:spPr/>
+        <p:txBody>
+          <a:bodyPr/>
+          <a:lstStyle/>
+          <a:p>
+            <a:r>
+              <a:rPr lang="en-ZA" dirty="0" smtClean="0"/>
+              <a:t>Helps validate any object against a predetermined blueprint</a:t>
+            </a:r>
+          </a:p>
+          <a:p>
+            <a:endParaRPr lang="en-ZA" dirty="0"/>
+          </a:p>
+          <a:p>
+            <a:endParaRPr lang="en-ZA" dirty="0"/>
+          </a:p>
+        </p:txBody>
+      </p:sp>
+      <p:sp>
+        <p:nvSpPr>
+          <p:cNvPr id="5" name="Rectangle 2"/>
+          <p:cNvSpPr>
+            <a:spLocks noChangeArrowheads="1"/>
+          </p:cNvSpPr>
+          <p:nvPr/>
+        </p:nvSpPr>
+        <p:spPr bwMode="auto">
+          <a:xfrm>
+            <a:off x="1410953" y="3278354"/>
+            <a:ext cx="8946027" cy="2508379"/>
+          </a:xfrm>
+          <a:prstGeom prst="rect">
+            <a:avLst/>
+          </a:prstGeom>
+          <a:solidFill>
+            <a:srgbClr val="2B2B2B"/>
+          </a:solidFill>
+          <a:ln>
+            <a:noFill/>
+          </a:ln>
+          <a:effectLst/>
+          <a:extLst>
+            <a:ext uri="{91240B29-F687-4F45-9708-019B960494DF}">
+              <a14:hiddenLine xmlns:a14="http://schemas.microsoft.com/office/drawing/2010/main" w="9525">
+                <a:solidFill>
+                  <a:schemeClr val="tx1"/>
+                </a:solidFill>
+                <a:miter lim="800000"/>
+                <a:headEnd/>
+                <a:tailEnd/>
+              </a14:hiddenLine>
+            </a:ext>
+            <a:ext uri="{AF507438-7753-43E0-B8FC-AC1667EBCBE1}">
+              <a14:hiddenEffects xmlns:a14="http://schemas.microsoft.com/office/drawing/2010/main">
+                <a:effectLst>
+                  <a:outerShdw dist="35921" dir="2700000" algn="ctr" rotWithShape="0">
+                    <a:schemeClr val="bg2"/>
+                  </a:outerShdw>
+                </a:effectLst>
+              </a14:hiddenEffects>
+            </a:ext>
+          </a:extLst>
+        </p:spPr>
+        <p:txBody>
+          <a:bodyPr vert="horz" wrap="square" lIns="91440" tIns="45720" rIns="91440" bIns="0" numCol="1" anchor="ctr" anchorCtr="0" compatLnSpc="1">
+            <a:prstTxWarp prst="textNoShape">
+              <a:avLst/>
+            </a:prstTxWarp>
+            <a:spAutoFit/>
+          </a:bodyPr>
+          <a:lstStyle/>
+          <a:p>
+            <a:pPr marL="0" marR="0" lvl="0" indent="0" algn="l" defTabSz="914400" rtl="0" eaLnBrk="0" fontAlgn="base" latinLnBrk="0" hangingPunct="0">
+              <a:lnSpc>
+                <a:spcPct val="100000"/>
+              </a:lnSpc>
+              <a:spcBef>
+                <a:spcPct val="0"/>
+              </a:spcBef>
+              <a:spcAft>
+                <a:spcPct val="0"/>
+              </a:spcAft>
+              <a:buClrTx/>
+              <a:buSzTx/>
+              <a:buFontTx/>
+              <a:buNone/>
+              <a:tabLst/>
+            </a:pPr>
+            <a:r>
+              <a:rPr kumimoji="0" lang="en-ZA" sz="2000" b="0" i="0" u="none" strike="noStrike" cap="none" normalizeH="0" baseline="0" dirty="0" smtClean="0">
+                <a:ln>
+                  <a:noFill/>
+                </a:ln>
+                <a:solidFill>
+                  <a:srgbClr val="A9B7C6"/>
+                </a:solidFill>
+                <a:effectLst/>
+                <a:latin typeface="Arial Unicode MS" panose="020B0604020202020204" pitchFamily="34" charset="-128"/>
+                <a:ea typeface="Times New Roman" panose="02020603050405020304" pitchFamily="18" charset="0"/>
+                <a:cs typeface="Courier New" panose="02070309020205020404" pitchFamily="49" charset="0"/>
+              </a:rPr>
+              <a:t>{</a:t>
+            </a:r>
+            <a:br>
+              <a:rPr kumimoji="0" lang="en-ZA" sz="2000" b="0" i="0" u="none" strike="noStrike" cap="none" normalizeH="0" baseline="0" dirty="0" smtClean="0">
+                <a:ln>
+                  <a:noFill/>
+                </a:ln>
+                <a:solidFill>
+                  <a:srgbClr val="A9B7C6"/>
+                </a:solidFill>
+                <a:effectLst/>
+                <a:latin typeface="Arial Unicode MS" panose="020B0604020202020204" pitchFamily="34" charset="-128"/>
+                <a:ea typeface="Times New Roman" panose="02020603050405020304" pitchFamily="18" charset="0"/>
+                <a:cs typeface="Courier New" panose="02070309020205020404" pitchFamily="49" charset="0"/>
+              </a:rPr>
+            </a:br>
+            <a:r>
+              <a:rPr kumimoji="0" lang="en-ZA" sz="2000" b="0" i="0" u="none" strike="noStrike" cap="none" normalizeH="0" baseline="0" dirty="0" smtClean="0">
+                <a:ln>
+                  <a:noFill/>
+                </a:ln>
+                <a:solidFill>
+                  <a:srgbClr val="A9B7C6"/>
+                </a:solidFill>
+                <a:effectLst/>
+                <a:latin typeface="Arial Unicode MS" panose="020B0604020202020204" pitchFamily="34" charset="-128"/>
+                <a:ea typeface="Times New Roman" panose="02020603050405020304" pitchFamily="18" charset="0"/>
+                <a:cs typeface="Courier New" panose="02070309020205020404" pitchFamily="49" charset="0"/>
+              </a:rPr>
+              <a:t>  </a:t>
+            </a:r>
+            <a:r>
+              <a:rPr kumimoji="0" lang="en-ZA" sz="2000" b="0" i="0" u="none" strike="noStrike" cap="none" normalizeH="0" baseline="0" dirty="0" smtClean="0">
+                <a:ln>
+                  <a:noFill/>
+                </a:ln>
+                <a:solidFill>
+                  <a:srgbClr val="9876AA"/>
+                </a:solidFill>
+                <a:effectLst/>
+                <a:latin typeface="Arial Unicode MS" panose="020B0604020202020204" pitchFamily="34" charset="-128"/>
+                <a:ea typeface="Times New Roman" panose="02020603050405020304" pitchFamily="18" charset="0"/>
+                <a:cs typeface="Courier New" panose="02070309020205020404" pitchFamily="49" charset="0"/>
+              </a:rPr>
+              <a:t>"_id"</a:t>
+            </a:r>
+            <a:r>
+              <a:rPr kumimoji="0" lang="en-ZA" sz="2000" b="0" i="0" u="none" strike="noStrike" cap="none" normalizeH="0" baseline="0" dirty="0" smtClean="0">
+                <a:ln>
+                  <a:noFill/>
+                </a:ln>
+                <a:solidFill>
+                  <a:srgbClr val="CC7832"/>
+                </a:solidFill>
+                <a:effectLst/>
+                <a:latin typeface="Arial Unicode MS" panose="020B0604020202020204" pitchFamily="34" charset="-128"/>
+                <a:ea typeface="Times New Roman" panose="02020603050405020304" pitchFamily="18" charset="0"/>
+                <a:cs typeface="Courier New" panose="02070309020205020404" pitchFamily="49" charset="0"/>
+              </a:rPr>
+              <a:t>: </a:t>
+            </a:r>
+            <a:r>
+              <a:rPr kumimoji="0" lang="en-ZA" sz="2000" b="0" i="0" u="none" strike="noStrike" cap="none" normalizeH="0" baseline="0" dirty="0" smtClean="0">
+                <a:ln>
+                  <a:noFill/>
+                </a:ln>
+                <a:solidFill>
+                  <a:srgbClr val="6897BB"/>
+                </a:solidFill>
+                <a:effectLst/>
+                <a:latin typeface="Arial Unicode MS" panose="020B0604020202020204" pitchFamily="34" charset="-128"/>
+                <a:ea typeface="Times New Roman" panose="02020603050405020304" pitchFamily="18" charset="0"/>
+                <a:cs typeface="Courier New" panose="02070309020205020404" pitchFamily="49" charset="0"/>
+              </a:rPr>
+              <a:t>1036</a:t>
+            </a:r>
+            <a:r>
+              <a:rPr kumimoji="0" lang="en-ZA" sz="2000" b="0" i="0" u="none" strike="noStrike" cap="none" normalizeH="0" baseline="0" dirty="0" smtClean="0">
+                <a:ln>
+                  <a:noFill/>
+                </a:ln>
+                <a:solidFill>
+                  <a:srgbClr val="CC7832"/>
+                </a:solidFill>
+                <a:effectLst/>
+                <a:latin typeface="Arial Unicode MS" panose="020B0604020202020204" pitchFamily="34" charset="-128"/>
+                <a:ea typeface="Times New Roman" panose="02020603050405020304" pitchFamily="18" charset="0"/>
+                <a:cs typeface="Courier New" panose="02070309020205020404" pitchFamily="49" charset="0"/>
+              </a:rPr>
+              <a:t>,</a:t>
+            </a:r>
+            <a:br>
+              <a:rPr kumimoji="0" lang="en-ZA" sz="2000" b="0" i="0" u="none" strike="noStrike" cap="none" normalizeH="0" baseline="0" dirty="0" smtClean="0">
+                <a:ln>
+                  <a:noFill/>
+                </a:ln>
+                <a:solidFill>
+                  <a:srgbClr val="CC7832"/>
+                </a:solidFill>
+                <a:effectLst/>
+                <a:latin typeface="Arial Unicode MS" panose="020B0604020202020204" pitchFamily="34" charset="-128"/>
+                <a:ea typeface="Times New Roman" panose="02020603050405020304" pitchFamily="18" charset="0"/>
+                <a:cs typeface="Courier New" panose="02070309020205020404" pitchFamily="49" charset="0"/>
+              </a:rPr>
+            </a:br>
+            <a:r>
+              <a:rPr kumimoji="0" lang="en-ZA" sz="2000" b="0" i="0" u="none" strike="noStrike" cap="none" normalizeH="0" baseline="0" dirty="0" smtClean="0">
+                <a:ln>
+                  <a:noFill/>
+                </a:ln>
+                <a:solidFill>
+                  <a:srgbClr val="CC7832"/>
+                </a:solidFill>
+                <a:effectLst/>
+                <a:latin typeface="Arial Unicode MS" panose="020B0604020202020204" pitchFamily="34" charset="-128"/>
+                <a:ea typeface="Times New Roman" panose="02020603050405020304" pitchFamily="18" charset="0"/>
+                <a:cs typeface="Courier New" panose="02070309020205020404" pitchFamily="49" charset="0"/>
+              </a:rPr>
+              <a:t>  </a:t>
+            </a:r>
+            <a:r>
+              <a:rPr kumimoji="0" lang="en-ZA" sz="2000" b="0" i="0" u="none" strike="noStrike" cap="none" normalizeH="0" baseline="0" dirty="0" smtClean="0">
+                <a:ln>
+                  <a:noFill/>
+                </a:ln>
+                <a:solidFill>
+                  <a:srgbClr val="9876AA"/>
+                </a:solidFill>
+                <a:effectLst/>
+                <a:latin typeface="Arial Unicode MS" panose="020B0604020202020204" pitchFamily="34" charset="-128"/>
+                <a:ea typeface="Times New Roman" panose="02020603050405020304" pitchFamily="18" charset="0"/>
+                <a:cs typeface="Courier New" panose="02070309020205020404" pitchFamily="49" charset="0"/>
+              </a:rPr>
+              <a:t>“title"</a:t>
+            </a:r>
+            <a:r>
+              <a:rPr kumimoji="0" lang="en-ZA" sz="2000" b="0" i="0" u="none" strike="noStrike" cap="none" normalizeH="0" baseline="0" dirty="0" smtClean="0">
+                <a:ln>
+                  <a:noFill/>
+                </a:ln>
+                <a:solidFill>
+                  <a:srgbClr val="CC7832"/>
+                </a:solidFill>
+                <a:effectLst/>
+                <a:latin typeface="Arial Unicode MS" panose="020B0604020202020204" pitchFamily="34" charset="-128"/>
+                <a:ea typeface="Times New Roman" panose="02020603050405020304" pitchFamily="18" charset="0"/>
+                <a:cs typeface="Courier New" panose="02070309020205020404" pitchFamily="49" charset="0"/>
+              </a:rPr>
+              <a:t>: </a:t>
+            </a:r>
+            <a:r>
+              <a:rPr kumimoji="0" lang="en-ZA" sz="2000" b="0" i="0" u="none" strike="noStrike" cap="none" normalizeH="0" baseline="0" dirty="0" smtClean="0">
+                <a:ln>
+                  <a:noFill/>
+                </a:ln>
+                <a:solidFill>
+                  <a:srgbClr val="6A8759"/>
+                </a:solidFill>
+                <a:effectLst/>
+                <a:latin typeface="Arial Unicode MS" panose="020B0604020202020204" pitchFamily="34" charset="-128"/>
+                <a:ea typeface="Times New Roman" panose="02020603050405020304" pitchFamily="18" charset="0"/>
+                <a:cs typeface="Courier New" panose="02070309020205020404" pitchFamily="49" charset="0"/>
+              </a:rPr>
+              <a:t>"The good life"</a:t>
+            </a:r>
+            <a:r>
+              <a:rPr kumimoji="0" lang="en-ZA" sz="2000" b="0" i="0" u="none" strike="noStrike" cap="none" normalizeH="0" baseline="0" dirty="0" smtClean="0">
+                <a:ln>
+                  <a:noFill/>
+                </a:ln>
+                <a:solidFill>
+                  <a:srgbClr val="CC7832"/>
+                </a:solidFill>
+                <a:effectLst/>
+                <a:latin typeface="Arial Unicode MS" panose="020B0604020202020204" pitchFamily="34" charset="-128"/>
+                <a:ea typeface="Times New Roman" panose="02020603050405020304" pitchFamily="18" charset="0"/>
+                <a:cs typeface="Courier New" panose="02070309020205020404" pitchFamily="49" charset="0"/>
+              </a:rPr>
+              <a:t>,</a:t>
+            </a:r>
+            <a:br>
+              <a:rPr kumimoji="0" lang="en-ZA" sz="2000" b="0" i="0" u="none" strike="noStrike" cap="none" normalizeH="0" baseline="0" dirty="0" smtClean="0">
+                <a:ln>
+                  <a:noFill/>
+                </a:ln>
+                <a:solidFill>
+                  <a:srgbClr val="CC7832"/>
+                </a:solidFill>
+                <a:effectLst/>
+                <a:latin typeface="Arial Unicode MS" panose="020B0604020202020204" pitchFamily="34" charset="-128"/>
+                <a:ea typeface="Times New Roman" panose="02020603050405020304" pitchFamily="18" charset="0"/>
+                <a:cs typeface="Courier New" panose="02070309020205020404" pitchFamily="49" charset="0"/>
+              </a:rPr>
+            </a:br>
+            <a:r>
+              <a:rPr kumimoji="0" lang="en-ZA" sz="2000" b="0" i="0" u="none" strike="noStrike" cap="none" normalizeH="0" baseline="0" dirty="0" smtClean="0">
+                <a:ln>
+                  <a:noFill/>
+                </a:ln>
+                <a:solidFill>
+                  <a:srgbClr val="CC7832"/>
+                </a:solidFill>
+                <a:effectLst/>
+                <a:latin typeface="Arial Unicode MS" panose="020B0604020202020204" pitchFamily="34" charset="-128"/>
+                <a:ea typeface="Times New Roman" panose="02020603050405020304" pitchFamily="18" charset="0"/>
+                <a:cs typeface="Courier New" panose="02070309020205020404" pitchFamily="49" charset="0"/>
+              </a:rPr>
+              <a:t>  </a:t>
+            </a:r>
+            <a:r>
+              <a:rPr kumimoji="0" lang="en-ZA" sz="2000" b="0" i="0" u="none" strike="noStrike" cap="none" normalizeH="0" baseline="0" dirty="0" smtClean="0">
+                <a:ln>
+                  <a:noFill/>
+                </a:ln>
+                <a:solidFill>
+                  <a:srgbClr val="9876AA"/>
+                </a:solidFill>
+                <a:effectLst/>
+                <a:latin typeface="Arial Unicode MS" panose="020B0604020202020204" pitchFamily="34" charset="-128"/>
+                <a:ea typeface="Times New Roman" panose="02020603050405020304" pitchFamily="18" charset="0"/>
+                <a:cs typeface="Courier New" panose="02070309020205020404" pitchFamily="49" charset="0"/>
+              </a:rPr>
+              <a:t>"</a:t>
+            </a:r>
+            <a:r>
+              <a:rPr kumimoji="0" lang="en-ZA" sz="2000" b="0" i="0" u="none" strike="noStrike" cap="none" normalizeH="0" baseline="0" dirty="0" err="1" smtClean="0">
+                <a:ln>
+                  <a:noFill/>
+                </a:ln>
+                <a:solidFill>
+                  <a:srgbClr val="9876AA"/>
+                </a:solidFill>
+                <a:effectLst/>
+                <a:latin typeface="Arial Unicode MS" panose="020B0604020202020204" pitchFamily="34" charset="-128"/>
+                <a:ea typeface="Times New Roman" panose="02020603050405020304" pitchFamily="18" charset="0"/>
+                <a:cs typeface="Courier New" panose="02070309020205020404" pitchFamily="49" charset="0"/>
+              </a:rPr>
+              <a:t>datePosted</a:t>
+            </a:r>
+            <a:r>
+              <a:rPr kumimoji="0" lang="en-ZA" sz="2000" b="0" i="0" u="none" strike="noStrike" cap="none" normalizeH="0" baseline="0" dirty="0" smtClean="0">
+                <a:ln>
+                  <a:noFill/>
+                </a:ln>
+                <a:solidFill>
+                  <a:srgbClr val="9876AA"/>
+                </a:solidFill>
+                <a:effectLst/>
+                <a:latin typeface="Arial Unicode MS" panose="020B0604020202020204" pitchFamily="34" charset="-128"/>
+                <a:ea typeface="Times New Roman" panose="02020603050405020304" pitchFamily="18" charset="0"/>
+                <a:cs typeface="Courier New" panose="02070309020205020404" pitchFamily="49" charset="0"/>
+              </a:rPr>
+              <a:t>"</a:t>
+            </a:r>
+            <a:r>
+              <a:rPr kumimoji="0" lang="en-ZA" sz="2000" b="0" i="0" u="none" strike="noStrike" cap="none" normalizeH="0" baseline="0" dirty="0" smtClean="0">
+                <a:ln>
+                  <a:noFill/>
+                </a:ln>
+                <a:solidFill>
+                  <a:srgbClr val="CC7832"/>
+                </a:solidFill>
+                <a:effectLst/>
+                <a:latin typeface="Arial Unicode MS" panose="020B0604020202020204" pitchFamily="34" charset="-128"/>
+                <a:ea typeface="Times New Roman" panose="02020603050405020304" pitchFamily="18" charset="0"/>
+                <a:cs typeface="Courier New" panose="02070309020205020404" pitchFamily="49" charset="0"/>
+              </a:rPr>
+              <a:t>: </a:t>
+            </a:r>
+            <a:r>
+              <a:rPr kumimoji="0" lang="en-ZA" sz="2000" b="0" i="0" u="none" strike="noStrike" cap="none" normalizeH="0" baseline="0" dirty="0" smtClean="0">
+                <a:ln>
+                  <a:noFill/>
+                </a:ln>
+                <a:solidFill>
+                  <a:srgbClr val="6A8759"/>
+                </a:solidFill>
+                <a:effectLst/>
+                <a:latin typeface="Arial Unicode MS" panose="020B0604020202020204" pitchFamily="34" charset="-128"/>
+                <a:ea typeface="Times New Roman" panose="02020603050405020304" pitchFamily="18" charset="0"/>
+                <a:cs typeface="Courier New" panose="02070309020205020404" pitchFamily="49" charset="0"/>
+              </a:rPr>
+              <a:t>"2016-03-03:T12:23:00Z"</a:t>
+            </a:r>
+            <a:r>
+              <a:rPr kumimoji="0" lang="en-ZA" sz="2000" b="0" i="0" u="none" strike="noStrike" cap="none" normalizeH="0" baseline="0" dirty="0" smtClean="0">
+                <a:ln>
+                  <a:noFill/>
+                </a:ln>
+                <a:solidFill>
+                  <a:srgbClr val="CC7832"/>
+                </a:solidFill>
+                <a:effectLst/>
+                <a:latin typeface="Arial Unicode MS" panose="020B0604020202020204" pitchFamily="34" charset="-128"/>
+                <a:ea typeface="Times New Roman" panose="02020603050405020304" pitchFamily="18" charset="0"/>
+                <a:cs typeface="Courier New" panose="02070309020205020404" pitchFamily="49" charset="0"/>
+              </a:rPr>
+              <a:t>,</a:t>
+            </a:r>
+            <a:br>
+              <a:rPr kumimoji="0" lang="en-ZA" sz="2000" b="0" i="0" u="none" strike="noStrike" cap="none" normalizeH="0" baseline="0" dirty="0" smtClean="0">
+                <a:ln>
+                  <a:noFill/>
+                </a:ln>
+                <a:solidFill>
+                  <a:srgbClr val="CC7832"/>
+                </a:solidFill>
+                <a:effectLst/>
+                <a:latin typeface="Arial Unicode MS" panose="020B0604020202020204" pitchFamily="34" charset="-128"/>
+                <a:ea typeface="Times New Roman" panose="02020603050405020304" pitchFamily="18" charset="0"/>
+                <a:cs typeface="Courier New" panose="02070309020205020404" pitchFamily="49" charset="0"/>
+              </a:rPr>
+            </a:br>
+            <a:r>
+              <a:rPr kumimoji="0" lang="en-ZA" sz="2000" b="0" i="0" u="none" strike="noStrike" cap="none" normalizeH="0" baseline="0" dirty="0" smtClean="0">
+                <a:ln>
+                  <a:noFill/>
+                </a:ln>
+                <a:solidFill>
+                  <a:srgbClr val="CC7832"/>
+                </a:solidFill>
+                <a:effectLst/>
+                <a:latin typeface="Arial Unicode MS" panose="020B0604020202020204" pitchFamily="34" charset="-128"/>
+                <a:ea typeface="Times New Roman" panose="02020603050405020304" pitchFamily="18" charset="0"/>
+                <a:cs typeface="Courier New" panose="02070309020205020404" pitchFamily="49" charset="0"/>
+              </a:rPr>
+              <a:t>  </a:t>
+            </a:r>
+            <a:r>
+              <a:rPr kumimoji="0" lang="en-ZA" sz="2000" b="0" i="0" u="none" strike="noStrike" cap="none" normalizeH="0" baseline="0" dirty="0" smtClean="0">
+                <a:ln>
+                  <a:noFill/>
+                </a:ln>
+                <a:solidFill>
+                  <a:srgbClr val="9876AA"/>
+                </a:solidFill>
+                <a:effectLst/>
+                <a:latin typeface="Arial Unicode MS" panose="020B0604020202020204" pitchFamily="34" charset="-128"/>
+                <a:ea typeface="Times New Roman" panose="02020603050405020304" pitchFamily="18" charset="0"/>
+                <a:cs typeface="Courier New" panose="02070309020205020404" pitchFamily="49" charset="0"/>
+              </a:rPr>
+              <a:t>"author"</a:t>
+            </a:r>
+            <a:r>
+              <a:rPr kumimoji="0" lang="en-ZA" sz="2000" b="0" i="0" u="none" strike="noStrike" cap="none" normalizeH="0" baseline="0" dirty="0" smtClean="0">
+                <a:ln>
+                  <a:noFill/>
+                </a:ln>
+                <a:solidFill>
+                  <a:srgbClr val="CC7832"/>
+                </a:solidFill>
+                <a:effectLst/>
+                <a:latin typeface="Arial Unicode MS" panose="020B0604020202020204" pitchFamily="34" charset="-128"/>
+                <a:ea typeface="Times New Roman" panose="02020603050405020304" pitchFamily="18" charset="0"/>
+                <a:cs typeface="Courier New" panose="02070309020205020404" pitchFamily="49" charset="0"/>
+              </a:rPr>
+              <a:t>: </a:t>
+            </a:r>
+            <a:r>
+              <a:rPr kumimoji="0" lang="en-ZA" sz="2000" b="0" i="0" u="none" strike="noStrike" cap="none" normalizeH="0" baseline="0" dirty="0" smtClean="0">
+                <a:ln>
+                  <a:noFill/>
+                </a:ln>
+                <a:solidFill>
+                  <a:srgbClr val="6A8759"/>
+                </a:solidFill>
+                <a:effectLst/>
+                <a:latin typeface="Arial Unicode MS" panose="020B0604020202020204" pitchFamily="34" charset="-128"/>
+                <a:ea typeface="Times New Roman" panose="02020603050405020304" pitchFamily="18" charset="0"/>
+                <a:cs typeface="Courier New" panose="02070309020205020404" pitchFamily="49" charset="0"/>
+              </a:rPr>
+              <a:t>"Sello Mkantjwa"</a:t>
+            </a:r>
+            <a:r>
+              <a:rPr kumimoji="0" lang="en-ZA" sz="2000" b="0" i="0" u="none" strike="noStrike" cap="none" normalizeH="0" baseline="0" dirty="0" smtClean="0">
+                <a:ln>
+                  <a:noFill/>
+                </a:ln>
+                <a:solidFill>
+                  <a:srgbClr val="CC7832"/>
+                </a:solidFill>
+                <a:effectLst/>
+                <a:latin typeface="Arial Unicode MS" panose="020B0604020202020204" pitchFamily="34" charset="-128"/>
+                <a:ea typeface="Times New Roman" panose="02020603050405020304" pitchFamily="18" charset="0"/>
+                <a:cs typeface="Courier New" panose="02070309020205020404" pitchFamily="49" charset="0"/>
+              </a:rPr>
+              <a:t>,</a:t>
+            </a:r>
+            <a:br>
+              <a:rPr kumimoji="0" lang="en-ZA" sz="2000" b="0" i="0" u="none" strike="noStrike" cap="none" normalizeH="0" baseline="0" dirty="0" smtClean="0">
+                <a:ln>
+                  <a:noFill/>
+                </a:ln>
+                <a:solidFill>
+                  <a:srgbClr val="CC7832"/>
+                </a:solidFill>
+                <a:effectLst/>
+                <a:latin typeface="Arial Unicode MS" panose="020B0604020202020204" pitchFamily="34" charset="-128"/>
+                <a:ea typeface="Times New Roman" panose="02020603050405020304" pitchFamily="18" charset="0"/>
+                <a:cs typeface="Courier New" panose="02070309020205020404" pitchFamily="49" charset="0"/>
+              </a:rPr>
+            </a:br>
+            <a:r>
+              <a:rPr kumimoji="0" lang="en-ZA" sz="2000" b="0" i="0" u="none" strike="noStrike" cap="none" normalizeH="0" baseline="0" dirty="0" smtClean="0">
+                <a:ln>
+                  <a:noFill/>
+                </a:ln>
+                <a:solidFill>
+                  <a:srgbClr val="CC7832"/>
+                </a:solidFill>
+                <a:effectLst/>
+                <a:latin typeface="Arial Unicode MS" panose="020B0604020202020204" pitchFamily="34" charset="-128"/>
+                <a:ea typeface="Times New Roman" panose="02020603050405020304" pitchFamily="18" charset="0"/>
+                <a:cs typeface="Courier New" panose="02070309020205020404" pitchFamily="49" charset="0"/>
+              </a:rPr>
+              <a:t>  </a:t>
+            </a:r>
+            <a:r>
+              <a:rPr kumimoji="0" lang="en-ZA" sz="2000" b="0" i="0" u="none" strike="noStrike" cap="none" normalizeH="0" baseline="0" dirty="0" smtClean="0">
+                <a:ln>
+                  <a:noFill/>
+                </a:ln>
+                <a:solidFill>
+                  <a:srgbClr val="9876AA"/>
+                </a:solidFill>
+                <a:effectLst/>
+                <a:latin typeface="Arial Unicode MS" panose="020B0604020202020204" pitchFamily="34" charset="-128"/>
+                <a:ea typeface="Times New Roman" panose="02020603050405020304" pitchFamily="18" charset="0"/>
+                <a:cs typeface="Courier New" panose="02070309020205020404" pitchFamily="49" charset="0"/>
+              </a:rPr>
+              <a:t>"views"</a:t>
+            </a:r>
+            <a:r>
+              <a:rPr kumimoji="0" lang="en-ZA" sz="2000" b="0" i="0" u="none" strike="noStrike" cap="none" normalizeH="0" baseline="0" dirty="0" smtClean="0">
+                <a:ln>
+                  <a:noFill/>
+                </a:ln>
+                <a:solidFill>
+                  <a:srgbClr val="CC7832"/>
+                </a:solidFill>
+                <a:effectLst/>
+                <a:latin typeface="Arial Unicode MS" panose="020B0604020202020204" pitchFamily="34" charset="-128"/>
+                <a:ea typeface="Times New Roman" panose="02020603050405020304" pitchFamily="18" charset="0"/>
+                <a:cs typeface="Courier New" panose="02070309020205020404" pitchFamily="49" charset="0"/>
+              </a:rPr>
+              <a:t>: </a:t>
+            </a:r>
+            <a:r>
+              <a:rPr kumimoji="0" lang="en-ZA" sz="2000" b="0" i="0" u="none" strike="noStrike" cap="none" normalizeH="0" baseline="0" dirty="0" smtClean="0">
+                <a:ln>
+                  <a:noFill/>
+                </a:ln>
+                <a:solidFill>
+                  <a:srgbClr val="6897BB"/>
+                </a:solidFill>
+                <a:effectLst/>
+                <a:latin typeface="Arial Unicode MS" panose="020B0604020202020204" pitchFamily="34" charset="-128"/>
+                <a:ea typeface="Times New Roman" panose="02020603050405020304" pitchFamily="18" charset="0"/>
+                <a:cs typeface="Courier New" panose="02070309020205020404" pitchFamily="49" charset="0"/>
+              </a:rPr>
+              <a:t>25</a:t>
+            </a:r>
+            <a:r>
+              <a:rPr kumimoji="0" lang="en-ZA" sz="2000" b="0" i="0" u="none" strike="noStrike" cap="none" normalizeH="0" baseline="0" dirty="0" smtClean="0">
+                <a:ln>
+                  <a:noFill/>
+                </a:ln>
+                <a:solidFill>
+                  <a:srgbClr val="CC7832"/>
+                </a:solidFill>
+                <a:effectLst/>
+                <a:latin typeface="Arial Unicode MS" panose="020B0604020202020204" pitchFamily="34" charset="-128"/>
+                <a:ea typeface="Times New Roman" panose="02020603050405020304" pitchFamily="18" charset="0"/>
+                <a:cs typeface="Courier New" panose="02070309020205020404" pitchFamily="49" charset="0"/>
+              </a:rPr>
+              <a:t>,</a:t>
+            </a:r>
+            <a:r>
+              <a:rPr kumimoji="0" lang="en-ZA" sz="2000" b="0" i="0" u="none" strike="noStrike" cap="none" normalizeH="0" baseline="0" dirty="0" smtClean="0">
+                <a:ln>
+                  <a:noFill/>
+                </a:ln>
+                <a:solidFill>
+                  <a:srgbClr val="6A8759"/>
+                </a:solidFill>
+                <a:effectLst/>
+                <a:latin typeface="Arial Unicode MS" panose="020B0604020202020204" pitchFamily="34" charset="-128"/>
+                <a:ea typeface="Times New Roman" panose="02020603050405020304" pitchFamily="18" charset="0"/>
+                <a:cs typeface="Courier New" panose="02070309020205020404" pitchFamily="49" charset="0"/>
+              </a:rPr>
+              <a:t>"</a:t>
+            </a:r>
+            <a:br>
+              <a:rPr kumimoji="0" lang="en-ZA" sz="2000" b="0" i="0" u="none" strike="noStrike" cap="none" normalizeH="0" baseline="0" dirty="0" smtClean="0">
+                <a:ln>
+                  <a:noFill/>
+                </a:ln>
+                <a:solidFill>
+                  <a:srgbClr val="6A8759"/>
+                </a:solidFill>
+                <a:effectLst/>
+                <a:latin typeface="Arial Unicode MS" panose="020B0604020202020204" pitchFamily="34" charset="-128"/>
+                <a:ea typeface="Times New Roman" panose="02020603050405020304" pitchFamily="18" charset="0"/>
+                <a:cs typeface="Courier New" panose="02070309020205020404" pitchFamily="49" charset="0"/>
+              </a:rPr>
+            </a:br>
+            <a:r>
+              <a:rPr kumimoji="0" lang="en-ZA" sz="2000" b="0" i="0" u="none" strike="noStrike" cap="none" normalizeH="0" baseline="0" dirty="0" smtClean="0">
+                <a:ln>
+                  <a:noFill/>
+                </a:ln>
+                <a:solidFill>
+                  <a:srgbClr val="6A8759"/>
+                </a:solidFill>
+                <a:effectLst/>
+                <a:latin typeface="Arial Unicode MS" panose="020B0604020202020204" pitchFamily="34" charset="-128"/>
+                <a:ea typeface="Times New Roman" panose="02020603050405020304" pitchFamily="18" charset="0"/>
+                <a:cs typeface="Courier New" panose="02070309020205020404" pitchFamily="49" charset="0"/>
+              </a:rPr>
+              <a:t>  </a:t>
+            </a:r>
+            <a:r>
+              <a:rPr kumimoji="0" lang="en-ZA" sz="2000" b="0" i="0" u="none" strike="noStrike" cap="none" normalizeH="0" baseline="0" dirty="0" smtClean="0">
+                <a:ln>
+                  <a:noFill/>
+                </a:ln>
+                <a:solidFill>
+                  <a:srgbClr val="A9B7C6"/>
+                </a:solidFill>
+                <a:effectLst/>
+                <a:latin typeface="Arial Unicode MS" panose="020B0604020202020204" pitchFamily="34" charset="-128"/>
+                <a:ea typeface="Times New Roman" panose="02020603050405020304" pitchFamily="18" charset="0"/>
+                <a:cs typeface="Courier New" panose="02070309020205020404" pitchFamily="49" charset="0"/>
+              </a:rPr>
+              <a:t>]</a:t>
+            </a:r>
+            <a:br>
+              <a:rPr kumimoji="0" lang="en-ZA" sz="2000" b="0" i="0" u="none" strike="noStrike" cap="none" normalizeH="0" baseline="0" dirty="0" smtClean="0">
+                <a:ln>
+                  <a:noFill/>
+                </a:ln>
+                <a:solidFill>
+                  <a:srgbClr val="A9B7C6"/>
+                </a:solidFill>
+                <a:effectLst/>
+                <a:latin typeface="Arial Unicode MS" panose="020B0604020202020204" pitchFamily="34" charset="-128"/>
+                <a:ea typeface="Times New Roman" panose="02020603050405020304" pitchFamily="18" charset="0"/>
+                <a:cs typeface="Courier New" panose="02070309020205020404" pitchFamily="49" charset="0"/>
+              </a:rPr>
+            </a:br>
+            <a:r>
+              <a:rPr kumimoji="0" lang="en-ZA" sz="2000" b="0" i="0" u="none" strike="noStrike" cap="none" normalizeH="0" baseline="0" dirty="0" smtClean="0">
+                <a:ln>
+                  <a:noFill/>
+                </a:ln>
+                <a:solidFill>
+                  <a:srgbClr val="A9B7C6"/>
+                </a:solidFill>
+                <a:effectLst/>
+                <a:latin typeface="Arial Unicode MS" panose="020B0604020202020204" pitchFamily="34" charset="-128"/>
+                <a:ea typeface="Times New Roman" panose="02020603050405020304" pitchFamily="18" charset="0"/>
+                <a:cs typeface="Courier New" panose="02070309020205020404" pitchFamily="49" charset="0"/>
+              </a:rPr>
+              <a:t>}</a:t>
+            </a:r>
+            <a:r>
+              <a:rPr kumimoji="0" lang="en-ZA" sz="2000" b="0" i="0" u="none" strike="noStrike" cap="none" normalizeH="0" baseline="0" dirty="0" smtClean="0">
+                <a:ln>
+                  <a:noFill/>
+                </a:ln>
+                <a:solidFill>
+                  <a:schemeClr val="tx1"/>
+                </a:solidFill>
+                <a:effectLst/>
+              </a:rPr>
+              <a:t> </a:t>
+            </a:r>
+            <a:endParaRPr kumimoji="0" lang="en-ZA" sz="2000" b="0" i="0" u="none" strike="noStrike" cap="none" normalizeH="0" baseline="0" dirty="0" smtClean="0">
+              <a:ln>
+                <a:noFill/>
+              </a:ln>
+              <a:solidFill>
+                <a:schemeClr val="tx1"/>
+              </a:solidFill>
+              <a:effectLst/>
+              <a:latin typeface="Arial" panose="020B0604020202020204" pitchFamily="34" charset="0"/>
+            </a:endParaRPr>
+          </a:p>
+        </p:txBody>
+      </p:sp>
+    </p:spTree>
+    <p:extLst>
+      <p:ext uri="{BB962C8B-B14F-4D97-AF65-F5344CB8AC3E}">
+        <p14:creationId xmlns:p14="http://schemas.microsoft.com/office/powerpoint/2010/main" val="3638130622"/>
+      </p:ext>
+    </p:extLst>
+  </p:cSld>
+  <p:clrMapOvr>
+    <a:masterClrMapping/>
+  </p:clrMapOvr>
+</p:sld>
+</file>
+
+<file path=ppt/slides/slide33.xml><?xml version="1.0" encoding="utf-8"?>
+<p:sld xmlns:a="http://schemas.openxmlformats.org/drawingml/2006/main" xmlns:r="http://schemas.openxmlformats.org/officeDocument/2006/relationships" xmlns:p="http://schemas.openxmlformats.org/presentationml/2006/main">
+  <p:cSld>
+    <p:spTree>
+      <p:nvGrpSpPr>
+        <p:cNvPr id="1" name=""/>
+        <p:cNvGrpSpPr/>
+        <p:nvPr/>
+      </p:nvGrpSpPr>
+      <p:grpSpPr>
+        <a:xfrm>
+          <a:off x="0" y="0"/>
+          <a:ext cx="0" cy="0"/>
+          <a:chOff x="0" y="0"/>
+          <a:chExt cx="0" cy="0"/>
+        </a:xfrm>
+      </p:grpSpPr>
+      <p:sp>
+        <p:nvSpPr>
+          <p:cNvPr id="2" name="Title 1"/>
+          <p:cNvSpPr>
+            <a:spLocks noGrp="1"/>
+          </p:cNvSpPr>
+          <p:nvPr>
+            <p:ph type="title"/>
+          </p:nvPr>
+        </p:nvSpPr>
+        <p:spPr/>
+        <p:txBody>
+          <a:bodyPr/>
+          <a:lstStyle/>
+          <a:p>
+            <a:r>
+              <a:rPr lang="en-ZA" dirty="0" smtClean="0"/>
+              <a:t>JSON Schema</a:t>
+            </a:r>
+            <a:endParaRPr lang="en-ZA" dirty="0"/>
+          </a:p>
+        </p:txBody>
+      </p:sp>
+      <p:sp>
+        <p:nvSpPr>
+          <p:cNvPr id="3" name="Content Placeholder 2"/>
+          <p:cNvSpPr>
+            <a:spLocks noGrp="1"/>
+          </p:cNvSpPr>
+          <p:nvPr>
+            <p:ph idx="1"/>
+          </p:nvPr>
+        </p:nvSpPr>
+        <p:spPr/>
+        <p:txBody>
+          <a:bodyPr/>
+          <a:lstStyle/>
+          <a:p>
+            <a:r>
+              <a:rPr lang="en-ZA" dirty="0" smtClean="0"/>
+              <a:t>HERE SHOW THE JSON SCHEMA FOR A POST OBJECT AND COMMENTATE ON IT</a:t>
+            </a:r>
+            <a:endParaRPr lang="en-ZA" dirty="0"/>
+          </a:p>
+        </p:txBody>
+      </p:sp>
+    </p:spTree>
+    <p:extLst>
+      <p:ext uri="{BB962C8B-B14F-4D97-AF65-F5344CB8AC3E}">
+        <p14:creationId xmlns:p14="http://schemas.microsoft.com/office/powerpoint/2010/main" val="180081394"/>
+      </p:ext>
+    </p:extLst>
+  </p:cSld>
+  <p:clrMapOvr>
+    <a:masterClrMapping/>
+  </p:clrMapOvr>
+</p:sld>
+</file>
+
+<file path=ppt/slides/slide34.xml><?xml version="1.0" encoding="utf-8"?>
+<p:sld xmlns:a="http://schemas.openxmlformats.org/drawingml/2006/main" xmlns:r="http://schemas.openxmlformats.org/officeDocument/2006/relationships" xmlns:p="http://schemas.openxmlformats.org/presentationml/2006/main">
+  <p:cSld>
+    <p:spTree>
+      <p:nvGrpSpPr>
+        <p:cNvPr id="1" name=""/>
+        <p:cNvGrpSpPr/>
+        <p:nvPr/>
+      </p:nvGrpSpPr>
+      <p:grpSpPr>
+        <a:xfrm>
+          <a:off x="0" y="0"/>
+          <a:ext cx="0" cy="0"/>
+          <a:chOff x="0" y="0"/>
+          <a:chExt cx="0" cy="0"/>
+        </a:xfrm>
+      </p:grpSpPr>
+      <p:sp>
+        <p:nvSpPr>
+          <p:cNvPr id="2" name="Title 1"/>
+          <p:cNvSpPr>
+            <a:spLocks noGrp="1"/>
+          </p:cNvSpPr>
+          <p:nvPr>
+            <p:ph type="title"/>
+          </p:nvPr>
+        </p:nvSpPr>
+        <p:spPr/>
+        <p:txBody>
+          <a:bodyPr/>
+          <a:lstStyle/>
+          <a:p>
+            <a:r>
+              <a:rPr lang="en-ZA" dirty="0" err="1" smtClean="0"/>
+              <a:t>Templating</a:t>
+            </a:r>
+            <a:endParaRPr lang="en-ZA" dirty="0"/>
+          </a:p>
+        </p:txBody>
+      </p:sp>
+      <p:sp>
+        <p:nvSpPr>
+          <p:cNvPr id="3" name="Content Placeholder 2"/>
+          <p:cNvSpPr>
+            <a:spLocks noGrp="1"/>
+          </p:cNvSpPr>
+          <p:nvPr>
+            <p:ph idx="1"/>
+          </p:nvPr>
+        </p:nvSpPr>
+        <p:spPr/>
+        <p:txBody>
+          <a:bodyPr/>
+          <a:lstStyle/>
+          <a:p>
+            <a:r>
+              <a:rPr lang="en-ZA" dirty="0" err="1" smtClean="0"/>
+              <a:t>Templating</a:t>
+            </a:r>
+            <a:r>
+              <a:rPr lang="en-ZA" dirty="0" smtClean="0"/>
+              <a:t> allow us to buil</a:t>
+            </a:r>
+            <a:r>
+              <a:rPr lang="en-ZA" dirty="0" smtClean="0"/>
+              <a:t>d Templates for pages that have the same structure but may differ in content. </a:t>
+            </a:r>
+          </a:p>
+          <a:p>
+            <a:endParaRPr lang="en-ZA" dirty="0"/>
+          </a:p>
+          <a:p>
+            <a:r>
+              <a:rPr lang="en-ZA" dirty="0" err="1" smtClean="0"/>
+              <a:t>E.g</a:t>
+            </a:r>
+            <a:r>
+              <a:rPr lang="en-ZA" dirty="0" smtClean="0"/>
+              <a:t> A profile </a:t>
+            </a:r>
+            <a:r>
+              <a:rPr lang="en-ZA" dirty="0"/>
+              <a:t>page that includes a user’s unique activity on the </a:t>
+            </a:r>
+            <a:r>
+              <a:rPr lang="en-ZA" dirty="0" smtClean="0"/>
+              <a:t>system</a:t>
+            </a:r>
+            <a:endParaRPr lang="en-ZA" dirty="0"/>
+          </a:p>
+          <a:p>
+            <a:endParaRPr lang="en-ZA" dirty="0" smtClean="0"/>
+          </a:p>
+          <a:p>
+            <a:r>
+              <a:rPr lang="en-ZA" dirty="0"/>
+              <a:t>.NET users will be familiar with the Razor syntax which is common on that stack. </a:t>
+            </a:r>
+            <a:endParaRPr lang="en-ZA" dirty="0" smtClean="0"/>
+          </a:p>
+          <a:p>
+            <a:endParaRPr lang="en-ZA" dirty="0"/>
+          </a:p>
+          <a:p>
+            <a:r>
+              <a:rPr lang="en-ZA" dirty="0" smtClean="0"/>
+              <a:t>Java?</a:t>
+            </a:r>
+            <a:endParaRPr lang="en-ZA" dirty="0"/>
+          </a:p>
+        </p:txBody>
+      </p:sp>
+    </p:spTree>
+    <p:extLst>
+      <p:ext uri="{BB962C8B-B14F-4D97-AF65-F5344CB8AC3E}">
+        <p14:creationId xmlns:p14="http://schemas.microsoft.com/office/powerpoint/2010/main" val="1660819049"/>
+      </p:ext>
+    </p:extLst>
+  </p:cSld>
+  <p:clrMapOvr>
+    <a:masterClrMapping/>
+  </p:clrMapOvr>
+</p:sld>
+</file>
+
+<file path=ppt/slides/slide35.xml><?xml version="1.0" encoding="utf-8"?>
+<p:sld xmlns:a="http://schemas.openxmlformats.org/drawingml/2006/main" xmlns:r="http://schemas.openxmlformats.org/officeDocument/2006/relationships" xmlns:p="http://schemas.openxmlformats.org/presentationml/2006/main">
+  <p:cSld>
+    <p:spTree>
+      <p:nvGrpSpPr>
+        <p:cNvPr id="1" name=""/>
+        <p:cNvGrpSpPr/>
+        <p:nvPr/>
+      </p:nvGrpSpPr>
+      <p:grpSpPr>
+        <a:xfrm>
+          <a:off x="0" y="0"/>
+          <a:ext cx="0" cy="0"/>
+          <a:chOff x="0" y="0"/>
+          <a:chExt cx="0" cy="0"/>
+        </a:xfrm>
+      </p:grpSpPr>
+      <p:sp>
+        <p:nvSpPr>
+          <p:cNvPr id="2" name="Title 1"/>
+          <p:cNvSpPr>
+            <a:spLocks noGrp="1"/>
+          </p:cNvSpPr>
+          <p:nvPr>
+            <p:ph type="title"/>
+          </p:nvPr>
+        </p:nvSpPr>
+        <p:spPr/>
+        <p:txBody>
+          <a:bodyPr/>
+          <a:lstStyle/>
+          <a:p>
+            <a:r>
+              <a:rPr lang="en-ZA" dirty="0" smtClean="0"/>
+              <a:t>Express template engines</a:t>
+            </a:r>
+            <a:endParaRPr lang="en-ZA" dirty="0"/>
+          </a:p>
+        </p:txBody>
+      </p:sp>
+      <p:sp>
+        <p:nvSpPr>
+          <p:cNvPr id="3" name="Content Placeholder 2"/>
+          <p:cNvSpPr>
+            <a:spLocks noGrp="1"/>
+          </p:cNvSpPr>
+          <p:nvPr>
+            <p:ph idx="1"/>
+          </p:nvPr>
+        </p:nvSpPr>
+        <p:spPr/>
+        <p:txBody>
+          <a:bodyPr/>
+          <a:lstStyle/>
+          <a:p>
+            <a:r>
+              <a:rPr lang="en-ZA" dirty="0" smtClean="0"/>
+              <a:t>Pug (Formerly Jade)</a:t>
+            </a:r>
+          </a:p>
+          <a:p>
+            <a:endParaRPr lang="en-ZA" dirty="0"/>
+          </a:p>
+          <a:p>
+            <a:r>
+              <a:rPr lang="en-ZA" dirty="0"/>
+              <a:t>EJS </a:t>
+            </a:r>
+            <a:r>
+              <a:rPr lang="en-ZA" dirty="0" smtClean="0"/>
+              <a:t>- </a:t>
+            </a:r>
+            <a:r>
+              <a:rPr lang="en-ZA" dirty="0"/>
+              <a:t>Embedded JavaScript template </a:t>
+            </a:r>
+            <a:r>
+              <a:rPr lang="en-ZA" dirty="0" smtClean="0"/>
+              <a:t>engine</a:t>
+            </a:r>
+          </a:p>
+          <a:p>
+            <a:endParaRPr lang="en-ZA" dirty="0"/>
+          </a:p>
+          <a:p>
+            <a:r>
+              <a:rPr lang="en-ZA" dirty="0" err="1" smtClean="0"/>
+              <a:t>hbs</a:t>
+            </a:r>
+            <a:r>
+              <a:rPr lang="en-ZA" dirty="0" smtClean="0"/>
+              <a:t> – Express adapter for Handlebars.js (Moustache syntax)</a:t>
+            </a:r>
+          </a:p>
+          <a:p>
+            <a:endParaRPr lang="en-ZA" dirty="0"/>
+          </a:p>
+          <a:p>
+            <a:r>
+              <a:rPr lang="en-ZA" dirty="0" smtClean="0"/>
+              <a:t>Comprehensive list at https</a:t>
+            </a:r>
+            <a:r>
+              <a:rPr lang="en-ZA" dirty="0"/>
+              <a:t>://github.com/expressjs/express/wiki?_#template-engines</a:t>
+            </a:r>
+          </a:p>
+        </p:txBody>
+      </p:sp>
+    </p:spTree>
+    <p:extLst>
+      <p:ext uri="{BB962C8B-B14F-4D97-AF65-F5344CB8AC3E}">
+        <p14:creationId xmlns:p14="http://schemas.microsoft.com/office/powerpoint/2010/main" val="2832521945"/>
+      </p:ext>
+    </p:extLst>
+  </p:cSld>
+  <p:clrMapOvr>
+    <a:masterClrMapping/>
+  </p:clrMapOvr>
+</p:sld>
+</file>
+
+<file path=ppt/slides/slide36.xml><?xml version="1.0" encoding="utf-8"?>
+<p:sld xmlns:a="http://schemas.openxmlformats.org/drawingml/2006/main" xmlns:r="http://schemas.openxmlformats.org/officeDocument/2006/relationships" xmlns:p="http://schemas.openxmlformats.org/presentationml/2006/main">
+  <p:cSld>
+    <p:spTree>
+      <p:nvGrpSpPr>
+        <p:cNvPr id="1" name=""/>
+        <p:cNvGrpSpPr/>
+        <p:nvPr/>
+      </p:nvGrpSpPr>
+      <p:grpSpPr>
+        <a:xfrm>
+          <a:off x="0" y="0"/>
+          <a:ext cx="0" cy="0"/>
+          <a:chOff x="0" y="0"/>
+          <a:chExt cx="0" cy="0"/>
+        </a:xfrm>
+      </p:grpSpPr>
+      <p:sp>
+        <p:nvSpPr>
+          <p:cNvPr id="2" name="Title 1"/>
+          <p:cNvSpPr>
+            <a:spLocks noGrp="1"/>
+          </p:cNvSpPr>
+          <p:nvPr>
+            <p:ph type="title"/>
+          </p:nvPr>
+        </p:nvSpPr>
+        <p:spPr/>
+        <p:txBody>
+          <a:bodyPr/>
+          <a:lstStyle/>
+          <a:p>
+            <a:r>
+              <a:rPr lang="en-ZA" dirty="0" err="1"/>
+              <a:t>h</a:t>
+            </a:r>
+            <a:r>
+              <a:rPr lang="en-ZA" dirty="0" err="1" smtClean="0"/>
+              <a:t>bs</a:t>
+            </a:r>
+            <a:r>
+              <a:rPr lang="en-ZA" dirty="0" smtClean="0"/>
+              <a:t>		</a:t>
+            </a:r>
+            <a:endParaRPr lang="en-ZA" dirty="0"/>
+          </a:p>
+        </p:txBody>
+      </p:sp>
+      <p:sp>
+        <p:nvSpPr>
+          <p:cNvPr id="3" name="Content Placeholder 2"/>
+          <p:cNvSpPr>
+            <a:spLocks noGrp="1"/>
+          </p:cNvSpPr>
+          <p:nvPr>
+            <p:ph idx="1"/>
+          </p:nvPr>
+        </p:nvSpPr>
+        <p:spPr/>
+        <p:txBody>
+          <a:bodyPr/>
+          <a:lstStyle/>
+          <a:p>
+            <a:r>
+              <a:rPr lang="en-ZA" dirty="0" smtClean="0"/>
+              <a:t>Handlebars </a:t>
+            </a:r>
+            <a:r>
+              <a:rPr lang="en-ZA" dirty="0" err="1" smtClean="0"/>
+              <a:t>api</a:t>
+            </a:r>
+            <a:endParaRPr lang="en-ZA" dirty="0" smtClean="0"/>
+          </a:p>
+          <a:p>
+            <a:endParaRPr lang="en-ZA" dirty="0" smtClean="0"/>
+          </a:p>
+          <a:p>
+            <a:r>
+              <a:rPr lang="en-ZA" dirty="0" smtClean="0"/>
+              <a:t>To Use:</a:t>
+            </a:r>
+            <a:endParaRPr lang="en-ZA" dirty="0"/>
+          </a:p>
+          <a:p>
+            <a:endParaRPr lang="en-ZA" dirty="0" smtClean="0"/>
+          </a:p>
+          <a:p>
+            <a:endParaRPr lang="en-ZA" dirty="0"/>
+          </a:p>
+          <a:p>
+            <a:pPr marL="0" indent="0">
+              <a:buNone/>
+            </a:pPr>
+            <a:endParaRPr lang="en-ZA" dirty="0" smtClean="0"/>
+          </a:p>
+          <a:p>
+            <a:r>
+              <a:rPr lang="en-ZA" dirty="0" smtClean="0"/>
+              <a:t>To render a page: </a:t>
+            </a:r>
+          </a:p>
+          <a:p>
+            <a:endParaRPr lang="en-ZA" dirty="0"/>
+          </a:p>
+          <a:p>
+            <a:endParaRPr lang="en-ZA" dirty="0"/>
+          </a:p>
+        </p:txBody>
+      </p:sp>
+      <p:sp>
+        <p:nvSpPr>
+          <p:cNvPr id="5" name="Rectangle 2"/>
+          <p:cNvSpPr>
+            <a:spLocks noChangeArrowheads="1"/>
+          </p:cNvSpPr>
+          <p:nvPr/>
+        </p:nvSpPr>
+        <p:spPr bwMode="auto">
+          <a:xfrm>
+            <a:off x="1890728" y="3589527"/>
+            <a:ext cx="8283303" cy="707886"/>
+          </a:xfrm>
+          <a:prstGeom prst="rect">
+            <a:avLst/>
+          </a:prstGeom>
+          <a:solidFill>
+            <a:srgbClr val="2B2B2B"/>
+          </a:solidFill>
+          <a:ln>
+            <a:noFill/>
+          </a:ln>
+          <a:effectLst/>
+          <a:extLst>
+            <a:ext uri="{91240B29-F687-4F45-9708-019B960494DF}">
+              <a14:hiddenLine xmlns:a14="http://schemas.microsoft.com/office/drawing/2010/main" w="9525">
+                <a:solidFill>
+                  <a:schemeClr val="tx1"/>
+                </a:solidFill>
+                <a:miter lim="800000"/>
+                <a:headEnd/>
+                <a:tailEnd/>
+              </a14:hiddenLine>
+            </a:ext>
+            <a:ext uri="{AF507438-7753-43E0-B8FC-AC1667EBCBE1}">
+              <a14:hiddenEffects xmlns:a14="http://schemas.microsoft.com/office/drawing/2010/main">
+                <a:effectLst>
+                  <a:outerShdw dist="35921" dir="2700000" algn="ctr" rotWithShape="0">
+                    <a:schemeClr val="bg2"/>
+                  </a:outerShdw>
+                </a:effectLst>
+              </a14:hiddenEffects>
+            </a:ext>
+          </a:extLst>
+        </p:spPr>
+        <p:txBody>
+          <a:bodyPr vert="horz" wrap="square" lIns="91440" tIns="45720" rIns="91440" bIns="45720" numCol="1" anchor="ctr" anchorCtr="0" compatLnSpc="1">
+            <a:prstTxWarp prst="textNoShape">
+              <a:avLst/>
+            </a:prstTxWarp>
+            <a:spAutoFit/>
+          </a:bodyPr>
+          <a:lstStyle/>
+          <a:p>
+            <a:pPr marL="0" marR="0" lvl="0" indent="0" algn="l" defTabSz="914400" rtl="0" eaLnBrk="0" fontAlgn="base" latinLnBrk="0" hangingPunct="0">
+              <a:lnSpc>
+                <a:spcPct val="100000"/>
+              </a:lnSpc>
+              <a:spcBef>
+                <a:spcPct val="0"/>
+              </a:spcBef>
+              <a:spcAft>
+                <a:spcPct val="0"/>
+              </a:spcAft>
+              <a:buClrTx/>
+              <a:buSzTx/>
+              <a:buFontTx/>
+              <a:buNone/>
+              <a:tabLst/>
+            </a:pPr>
+            <a:r>
+              <a:rPr kumimoji="0" lang="en-US" sz="2000" b="0" i="0" u="none" strike="noStrike" cap="none" normalizeH="0" baseline="0" dirty="0" err="1" smtClean="0">
+                <a:ln>
+                  <a:noFill/>
+                </a:ln>
+                <a:solidFill>
+                  <a:srgbClr val="A9B7C6"/>
+                </a:solidFill>
+                <a:effectLst/>
+                <a:latin typeface="Courier New" panose="02070309020205020404" pitchFamily="49" charset="0"/>
+                <a:cs typeface="Courier New" panose="02070309020205020404" pitchFamily="49" charset="0"/>
+              </a:rPr>
+              <a:t>app.</a:t>
+            </a:r>
+            <a:r>
+              <a:rPr kumimoji="0" lang="en-US" sz="2000" b="0" i="0" u="none" strike="noStrike" cap="none" normalizeH="0" baseline="0" dirty="0" err="1" smtClean="0">
+                <a:ln>
+                  <a:noFill/>
+                </a:ln>
+                <a:solidFill>
+                  <a:srgbClr val="FFC66D"/>
+                </a:solidFill>
+                <a:effectLst/>
+                <a:latin typeface="Courier New" panose="02070309020205020404" pitchFamily="49" charset="0"/>
+                <a:cs typeface="Courier New" panose="02070309020205020404" pitchFamily="49" charset="0"/>
+              </a:rPr>
+              <a:t>set</a:t>
+            </a:r>
+            <a:r>
+              <a:rPr kumimoji="0" lang="en-US" sz="2000" b="0" i="0" u="none" strike="noStrike" cap="none" normalizeH="0" baseline="0" dirty="0" smtClean="0">
+                <a:ln>
+                  <a:noFill/>
+                </a:ln>
+                <a:solidFill>
+                  <a:srgbClr val="A9B7C6"/>
+                </a:solidFill>
+                <a:effectLst/>
+                <a:latin typeface="Courier New" panose="02070309020205020404" pitchFamily="49" charset="0"/>
+                <a:cs typeface="Courier New" panose="02070309020205020404" pitchFamily="49" charset="0"/>
+              </a:rPr>
+              <a:t>(</a:t>
+            </a:r>
+            <a:r>
+              <a:rPr kumimoji="0" lang="en-US" sz="2000" b="0" i="0" u="none" strike="noStrike" cap="none" normalizeH="0" baseline="0" dirty="0" smtClean="0">
+                <a:ln>
+                  <a:noFill/>
+                </a:ln>
+                <a:solidFill>
+                  <a:srgbClr val="6A8759"/>
+                </a:solidFill>
+                <a:effectLst/>
+                <a:latin typeface="Courier New" panose="02070309020205020404" pitchFamily="49" charset="0"/>
+                <a:cs typeface="Courier New" panose="02070309020205020404" pitchFamily="49" charset="0"/>
+              </a:rPr>
+              <a:t>'view-engine'</a:t>
+            </a:r>
+            <a:r>
+              <a:rPr kumimoji="0" lang="en-US" sz="2000" b="0" i="0" u="none" strike="noStrike" cap="none" normalizeH="0" baseline="0" dirty="0" smtClean="0">
+                <a:ln>
+                  <a:noFill/>
+                </a:ln>
+                <a:solidFill>
+                  <a:srgbClr val="CC7832"/>
+                </a:solidFill>
+                <a:effectLst/>
+                <a:latin typeface="Courier New" panose="02070309020205020404" pitchFamily="49" charset="0"/>
+                <a:cs typeface="Courier New" panose="02070309020205020404" pitchFamily="49" charset="0"/>
+              </a:rPr>
+              <a:t>, </a:t>
+            </a:r>
+            <a:r>
+              <a:rPr kumimoji="0" lang="en-US" sz="2000" b="0" i="0" u="none" strike="noStrike" cap="none" normalizeH="0" baseline="0" dirty="0" smtClean="0">
+                <a:ln>
+                  <a:noFill/>
+                </a:ln>
+                <a:solidFill>
+                  <a:srgbClr val="6A8759"/>
+                </a:solidFill>
+                <a:effectLst/>
+                <a:latin typeface="Courier New" panose="02070309020205020404" pitchFamily="49" charset="0"/>
+                <a:cs typeface="Courier New" panose="02070309020205020404" pitchFamily="49" charset="0"/>
+              </a:rPr>
+              <a:t>'</a:t>
+            </a:r>
+            <a:r>
+              <a:rPr kumimoji="0" lang="en-US" sz="2000" b="0" i="0" u="none" strike="noStrike" cap="none" normalizeH="0" baseline="0" dirty="0" err="1" smtClean="0">
+                <a:ln>
+                  <a:noFill/>
+                </a:ln>
+                <a:solidFill>
+                  <a:srgbClr val="6A8759"/>
+                </a:solidFill>
+                <a:effectLst/>
+                <a:latin typeface="Courier New" panose="02070309020205020404" pitchFamily="49" charset="0"/>
+                <a:cs typeface="Courier New" panose="02070309020205020404" pitchFamily="49" charset="0"/>
+              </a:rPr>
+              <a:t>hbs</a:t>
+            </a:r>
+            <a:r>
+              <a:rPr kumimoji="0" lang="en-US" sz="2000" b="0" i="0" u="none" strike="noStrike" cap="none" normalizeH="0" baseline="0" dirty="0" smtClean="0">
+                <a:ln>
+                  <a:noFill/>
+                </a:ln>
+                <a:solidFill>
+                  <a:srgbClr val="6A8759"/>
+                </a:solidFill>
+                <a:effectLst/>
+                <a:latin typeface="Courier New" panose="02070309020205020404" pitchFamily="49" charset="0"/>
+                <a:cs typeface="Courier New" panose="02070309020205020404" pitchFamily="49" charset="0"/>
+              </a:rPr>
+              <a:t>'</a:t>
+            </a:r>
+            <a:r>
+              <a:rPr kumimoji="0" lang="en-US" sz="2000" b="0" i="0" u="none" strike="noStrike" cap="none" normalizeH="0" baseline="0" dirty="0" smtClean="0">
+                <a:ln>
+                  <a:noFill/>
+                </a:ln>
+                <a:solidFill>
+                  <a:srgbClr val="A9B7C6"/>
+                </a:solidFill>
+                <a:effectLst/>
+                <a:latin typeface="Courier New" panose="02070309020205020404" pitchFamily="49" charset="0"/>
+                <a:cs typeface="Courier New" panose="02070309020205020404" pitchFamily="49" charset="0"/>
+              </a:rPr>
+              <a:t>)</a:t>
+            </a:r>
+            <a:r>
+              <a:rPr kumimoji="0" lang="en-US" sz="2000" b="0" i="0" u="none" strike="noStrike" cap="none" normalizeH="0" baseline="0" dirty="0" smtClean="0">
+                <a:ln>
+                  <a:noFill/>
+                </a:ln>
+                <a:solidFill>
+                  <a:srgbClr val="CC7832"/>
+                </a:solidFill>
+                <a:effectLst/>
+                <a:latin typeface="Courier New" panose="02070309020205020404" pitchFamily="49" charset="0"/>
+                <a:cs typeface="Courier New" panose="02070309020205020404" pitchFamily="49" charset="0"/>
+              </a:rPr>
+              <a:t>; //set</a:t>
+            </a:r>
+            <a:r>
+              <a:rPr kumimoji="0" lang="en-US" sz="2000" b="0" i="0" u="none" strike="noStrike" cap="none" normalizeH="0" dirty="0" smtClean="0">
+                <a:ln>
+                  <a:noFill/>
+                </a:ln>
+                <a:solidFill>
+                  <a:srgbClr val="CC7832"/>
+                </a:solidFill>
+                <a:effectLst/>
+                <a:latin typeface="Courier New" panose="02070309020205020404" pitchFamily="49" charset="0"/>
+                <a:cs typeface="Courier New" panose="02070309020205020404" pitchFamily="49" charset="0"/>
+              </a:rPr>
+              <a:t> the view engine</a:t>
+            </a:r>
+            <a:r>
+              <a:rPr kumimoji="0" lang="en-US" sz="2000" b="0" i="0" u="none" strike="noStrike" cap="none" normalizeH="0" baseline="0" dirty="0" smtClean="0">
+                <a:ln>
+                  <a:noFill/>
+                </a:ln>
+                <a:solidFill>
+                  <a:srgbClr val="CC7832"/>
+                </a:solidFill>
+                <a:effectLst/>
+                <a:latin typeface="Courier New" panose="02070309020205020404" pitchFamily="49" charset="0"/>
+                <a:cs typeface="Courier New" panose="02070309020205020404" pitchFamily="49" charset="0"/>
+              </a:rPr>
+              <a:t/>
+            </a:r>
+            <a:br>
+              <a:rPr kumimoji="0" lang="en-US" sz="2000" b="0" i="0" u="none" strike="noStrike" cap="none" normalizeH="0" baseline="0" dirty="0" smtClean="0">
+                <a:ln>
+                  <a:noFill/>
+                </a:ln>
+                <a:solidFill>
+                  <a:srgbClr val="CC7832"/>
+                </a:solidFill>
+                <a:effectLst/>
+                <a:latin typeface="Courier New" panose="02070309020205020404" pitchFamily="49" charset="0"/>
+                <a:cs typeface="Courier New" panose="02070309020205020404" pitchFamily="49" charset="0"/>
+              </a:rPr>
+            </a:br>
+            <a:r>
+              <a:rPr kumimoji="0" lang="en-US" sz="2000" b="0" i="0" u="none" strike="noStrike" cap="none" normalizeH="0" baseline="0" dirty="0" err="1" smtClean="0">
+                <a:ln>
+                  <a:noFill/>
+                </a:ln>
+                <a:solidFill>
+                  <a:srgbClr val="A9B7C6"/>
+                </a:solidFill>
+                <a:effectLst/>
+                <a:latin typeface="Courier New" panose="02070309020205020404" pitchFamily="49" charset="0"/>
+                <a:cs typeface="Courier New" panose="02070309020205020404" pitchFamily="49" charset="0"/>
+              </a:rPr>
+              <a:t>app.</a:t>
+            </a:r>
+            <a:r>
+              <a:rPr kumimoji="0" lang="en-US" sz="2000" b="0" i="0" u="none" strike="noStrike" cap="none" normalizeH="0" baseline="0" dirty="0" err="1" smtClean="0">
+                <a:ln>
+                  <a:noFill/>
+                </a:ln>
+                <a:solidFill>
+                  <a:srgbClr val="FFC66D"/>
+                </a:solidFill>
+                <a:effectLst/>
+                <a:latin typeface="Courier New" panose="02070309020205020404" pitchFamily="49" charset="0"/>
+                <a:cs typeface="Courier New" panose="02070309020205020404" pitchFamily="49" charset="0"/>
+              </a:rPr>
+              <a:t>set</a:t>
+            </a:r>
+            <a:r>
+              <a:rPr kumimoji="0" lang="en-US" sz="2000" b="0" i="0" u="none" strike="noStrike" cap="none" normalizeH="0" baseline="0" dirty="0" smtClean="0">
+                <a:ln>
+                  <a:noFill/>
+                </a:ln>
+                <a:solidFill>
+                  <a:srgbClr val="A9B7C6"/>
+                </a:solidFill>
+                <a:effectLst/>
+                <a:latin typeface="Courier New" panose="02070309020205020404" pitchFamily="49" charset="0"/>
+                <a:cs typeface="Courier New" panose="02070309020205020404" pitchFamily="49" charset="0"/>
+              </a:rPr>
+              <a:t>(</a:t>
+            </a:r>
+            <a:r>
+              <a:rPr kumimoji="0" lang="en-US" sz="2000" b="0" i="0" u="none" strike="noStrike" cap="none" normalizeH="0" baseline="0" dirty="0" smtClean="0">
+                <a:ln>
+                  <a:noFill/>
+                </a:ln>
+                <a:solidFill>
+                  <a:srgbClr val="6A8759"/>
+                </a:solidFill>
+                <a:effectLst/>
+                <a:latin typeface="Courier New" panose="02070309020205020404" pitchFamily="49" charset="0"/>
+                <a:cs typeface="Courier New" panose="02070309020205020404" pitchFamily="49" charset="0"/>
+              </a:rPr>
+              <a:t>'views'</a:t>
+            </a:r>
+            <a:r>
+              <a:rPr kumimoji="0" lang="en-US" sz="2000" b="0" i="0" u="none" strike="noStrike" cap="none" normalizeH="0" baseline="0" dirty="0" smtClean="0">
+                <a:ln>
+                  <a:noFill/>
+                </a:ln>
+                <a:solidFill>
+                  <a:srgbClr val="CC7832"/>
+                </a:solidFill>
+                <a:effectLst/>
+                <a:latin typeface="Courier New" panose="02070309020205020404" pitchFamily="49" charset="0"/>
+                <a:cs typeface="Courier New" panose="02070309020205020404" pitchFamily="49" charset="0"/>
+              </a:rPr>
+              <a:t>, </a:t>
+            </a:r>
+            <a:r>
+              <a:rPr kumimoji="0" lang="en-US" sz="2000" b="0" i="0" u="none" strike="noStrike" cap="none" normalizeH="0" baseline="0" dirty="0" smtClean="0">
+                <a:ln>
+                  <a:noFill/>
+                </a:ln>
+                <a:solidFill>
+                  <a:srgbClr val="6A8759"/>
+                </a:solidFill>
+                <a:effectLst/>
+                <a:latin typeface="Courier New" panose="02070309020205020404" pitchFamily="49" charset="0"/>
+                <a:cs typeface="Courier New" panose="02070309020205020404" pitchFamily="49" charset="0"/>
+              </a:rPr>
+              <a:t>'../pages'</a:t>
+            </a:r>
+            <a:r>
+              <a:rPr kumimoji="0" lang="en-US" sz="2000" b="0" i="0" u="none" strike="noStrike" cap="none" normalizeH="0" baseline="0" dirty="0" smtClean="0">
+                <a:ln>
+                  <a:noFill/>
+                </a:ln>
+                <a:solidFill>
+                  <a:srgbClr val="A9B7C6"/>
+                </a:solidFill>
+                <a:effectLst/>
+                <a:latin typeface="Courier New" panose="02070309020205020404" pitchFamily="49" charset="0"/>
+                <a:cs typeface="Courier New" panose="02070309020205020404" pitchFamily="49" charset="0"/>
+              </a:rPr>
+              <a:t>)</a:t>
+            </a:r>
+            <a:r>
+              <a:rPr kumimoji="0" lang="en-US" sz="2000" b="0" i="0" u="none" strike="noStrike" cap="none" normalizeH="0" baseline="0" dirty="0" smtClean="0">
+                <a:ln>
+                  <a:noFill/>
+                </a:ln>
+                <a:solidFill>
+                  <a:srgbClr val="CC7832"/>
+                </a:solidFill>
+                <a:effectLst/>
+                <a:latin typeface="Courier New" panose="02070309020205020404" pitchFamily="49" charset="0"/>
+                <a:cs typeface="Courier New" panose="02070309020205020404" pitchFamily="49" charset="0"/>
+              </a:rPr>
+              <a:t>; //path to templates</a:t>
+            </a:r>
+            <a:endParaRPr kumimoji="0" lang="en-US" sz="2000" b="0" i="0" u="none" strike="noStrike" cap="none" normalizeH="0" baseline="0" dirty="0" smtClean="0">
+              <a:ln>
+                <a:noFill/>
+              </a:ln>
+              <a:solidFill>
+                <a:schemeClr val="tx1"/>
+              </a:solidFill>
+              <a:effectLst/>
+              <a:latin typeface="Arial" panose="020B0604020202020204" pitchFamily="34" charset="0"/>
+            </a:endParaRPr>
+          </a:p>
+        </p:txBody>
+      </p:sp>
+      <p:sp>
+        <p:nvSpPr>
+          <p:cNvPr id="6" name="Rectangle 3"/>
+          <p:cNvSpPr>
+            <a:spLocks noChangeArrowheads="1"/>
+          </p:cNvSpPr>
+          <p:nvPr/>
+        </p:nvSpPr>
+        <p:spPr bwMode="auto">
+          <a:xfrm>
+            <a:off x="2957688" y="5219607"/>
+            <a:ext cx="5881511" cy="400110"/>
+          </a:xfrm>
+          <a:prstGeom prst="rect">
+            <a:avLst/>
+          </a:prstGeom>
+          <a:solidFill>
+            <a:srgbClr val="2B2B2B"/>
+          </a:solidFill>
+          <a:ln>
+            <a:noFill/>
+          </a:ln>
+          <a:effectLst/>
+          <a:extLst>
+            <a:ext uri="{91240B29-F687-4F45-9708-019B960494DF}">
+              <a14:hiddenLine xmlns:a14="http://schemas.microsoft.com/office/drawing/2010/main" w="9525">
+                <a:solidFill>
+                  <a:schemeClr val="tx1"/>
+                </a:solidFill>
+                <a:miter lim="800000"/>
+                <a:headEnd/>
+                <a:tailEnd/>
+              </a14:hiddenLine>
+            </a:ext>
+            <a:ext uri="{AF507438-7753-43E0-B8FC-AC1667EBCBE1}">
+              <a14:hiddenEffects xmlns:a14="http://schemas.microsoft.com/office/drawing/2010/main">
+                <a:effectLst>
+                  <a:outerShdw dist="35921" dir="2700000" algn="ctr" rotWithShape="0">
+                    <a:schemeClr val="bg2"/>
+                  </a:outerShdw>
+                </a:effectLst>
+              </a14:hiddenEffects>
+            </a:ext>
+          </a:extLst>
+        </p:spPr>
+        <p:txBody>
+          <a:bodyPr vert="horz" wrap="square" lIns="91440" tIns="45720" rIns="91440" bIns="45720" numCol="1" anchor="ctr" anchorCtr="0" compatLnSpc="1">
+            <a:prstTxWarp prst="textNoShape">
+              <a:avLst/>
+            </a:prstTxWarp>
+            <a:spAutoFit/>
+          </a:bodyPr>
+          <a:lstStyle/>
+          <a:p>
+            <a:pPr marL="0" marR="0" lvl="0" indent="0" algn="l" defTabSz="914400" rtl="0" eaLnBrk="0" fontAlgn="base" latinLnBrk="0" hangingPunct="0">
+              <a:lnSpc>
+                <a:spcPct val="100000"/>
+              </a:lnSpc>
+              <a:spcBef>
+                <a:spcPct val="0"/>
+              </a:spcBef>
+              <a:spcAft>
+                <a:spcPct val="0"/>
+              </a:spcAft>
+              <a:buClrTx/>
+              <a:buSzTx/>
+              <a:buFontTx/>
+              <a:buNone/>
+              <a:tabLst/>
+            </a:pPr>
+            <a:r>
+              <a:rPr kumimoji="0" lang="en-US" sz="2000" b="0" i="0" u="none" strike="noStrike" cap="none" normalizeH="0" baseline="0" dirty="0" err="1" smtClean="0">
+                <a:ln>
+                  <a:noFill/>
+                </a:ln>
+                <a:solidFill>
+                  <a:srgbClr val="A9B7C6"/>
+                </a:solidFill>
+                <a:effectLst/>
+                <a:latin typeface="Courier New" panose="02070309020205020404" pitchFamily="49" charset="0"/>
+                <a:cs typeface="Courier New" panose="02070309020205020404" pitchFamily="49" charset="0"/>
+              </a:rPr>
+              <a:t>res.</a:t>
+            </a:r>
+            <a:r>
+              <a:rPr kumimoji="0" lang="en-US" sz="2000" b="0" i="0" u="none" strike="noStrike" cap="none" normalizeH="0" baseline="0" dirty="0" err="1" smtClean="0">
+                <a:ln>
+                  <a:noFill/>
+                </a:ln>
+                <a:solidFill>
+                  <a:srgbClr val="FFC66D"/>
+                </a:solidFill>
+                <a:effectLst/>
+                <a:latin typeface="Courier New" panose="02070309020205020404" pitchFamily="49" charset="0"/>
+                <a:cs typeface="Courier New" panose="02070309020205020404" pitchFamily="49" charset="0"/>
+              </a:rPr>
+              <a:t>render</a:t>
+            </a:r>
+            <a:r>
+              <a:rPr kumimoji="0" lang="en-US" sz="2000" b="0" i="0" u="none" strike="noStrike" cap="none" normalizeH="0" baseline="0" dirty="0" smtClean="0">
+                <a:ln>
+                  <a:noFill/>
+                </a:ln>
+                <a:solidFill>
+                  <a:srgbClr val="A9B7C6"/>
+                </a:solidFill>
+                <a:effectLst/>
+                <a:latin typeface="Courier New" panose="02070309020205020404" pitchFamily="49" charset="0"/>
+                <a:cs typeface="Courier New" panose="02070309020205020404" pitchFamily="49" charset="0"/>
+              </a:rPr>
+              <a:t>(</a:t>
+            </a:r>
+            <a:r>
+              <a:rPr kumimoji="0" lang="en-US" sz="2000" b="0" i="0" u="none" strike="noStrike" cap="none" normalizeH="0" baseline="0" dirty="0" smtClean="0">
+                <a:ln>
+                  <a:noFill/>
+                </a:ln>
+                <a:solidFill>
+                  <a:srgbClr val="6A8759"/>
+                </a:solidFill>
+                <a:effectLst/>
+                <a:latin typeface="Courier New" panose="02070309020205020404" pitchFamily="49" charset="0"/>
+                <a:cs typeface="Courier New" panose="02070309020205020404" pitchFamily="49" charset="0"/>
+              </a:rPr>
+              <a:t>"</a:t>
+            </a:r>
+            <a:r>
+              <a:rPr kumimoji="0" lang="en-US" sz="2000" b="0" i="0" u="none" strike="noStrike" cap="none" normalizeH="0" baseline="0" dirty="0" err="1" smtClean="0">
+                <a:ln>
+                  <a:noFill/>
+                </a:ln>
+                <a:solidFill>
+                  <a:srgbClr val="6A8759"/>
+                </a:solidFill>
+                <a:effectLst/>
+                <a:latin typeface="Courier New" panose="02070309020205020404" pitchFamily="49" charset="0"/>
+                <a:cs typeface="Courier New" panose="02070309020205020404" pitchFamily="49" charset="0"/>
+              </a:rPr>
+              <a:t>hello.hbs</a:t>
+            </a:r>
+            <a:r>
+              <a:rPr kumimoji="0" lang="en-US" sz="2000" b="0" i="0" u="none" strike="noStrike" cap="none" normalizeH="0" baseline="0" dirty="0" smtClean="0">
+                <a:ln>
+                  <a:noFill/>
+                </a:ln>
+                <a:solidFill>
+                  <a:srgbClr val="6A8759"/>
+                </a:solidFill>
+                <a:effectLst/>
+                <a:latin typeface="Courier New" panose="02070309020205020404" pitchFamily="49" charset="0"/>
+                <a:cs typeface="Courier New" panose="02070309020205020404" pitchFamily="49" charset="0"/>
+              </a:rPr>
+              <a:t>"</a:t>
+            </a:r>
+            <a:r>
+              <a:rPr kumimoji="0" lang="en-US" sz="2000" b="0" i="0" u="none" strike="noStrike" cap="none" normalizeH="0" baseline="0" dirty="0" smtClean="0">
+                <a:ln>
+                  <a:noFill/>
+                </a:ln>
+                <a:solidFill>
+                  <a:srgbClr val="CC7832"/>
+                </a:solidFill>
+                <a:effectLst/>
+                <a:latin typeface="Courier New" panose="02070309020205020404" pitchFamily="49" charset="0"/>
+                <a:cs typeface="Courier New" panose="02070309020205020404" pitchFamily="49" charset="0"/>
+              </a:rPr>
+              <a:t>, </a:t>
+            </a:r>
+            <a:r>
+              <a:rPr lang="en-US" sz="2000" dirty="0" smtClean="0">
+                <a:solidFill>
+                  <a:srgbClr val="A9B7C6"/>
+                </a:solidFill>
+                <a:latin typeface="Courier New" panose="02070309020205020404" pitchFamily="49" charset="0"/>
+                <a:cs typeface="Courier New" panose="02070309020205020404" pitchFamily="49" charset="0"/>
+              </a:rPr>
+              <a:t>context</a:t>
+            </a:r>
+            <a:r>
+              <a:rPr kumimoji="0" lang="en-US" sz="2000" b="0" i="0" u="none" strike="noStrike" cap="none" normalizeH="0" baseline="0" dirty="0" smtClean="0">
+                <a:ln>
+                  <a:noFill/>
+                </a:ln>
+                <a:solidFill>
+                  <a:srgbClr val="A9B7C6"/>
+                </a:solidFill>
+                <a:effectLst/>
+                <a:latin typeface="Courier New" panose="02070309020205020404" pitchFamily="49" charset="0"/>
+                <a:cs typeface="Courier New" panose="02070309020205020404" pitchFamily="49" charset="0"/>
+              </a:rPr>
+              <a:t>)</a:t>
+            </a:r>
+            <a:r>
+              <a:rPr kumimoji="0" lang="en-US" sz="2000" b="0" i="0" u="none" strike="noStrike" cap="none" normalizeH="0" baseline="0" dirty="0" smtClean="0">
+                <a:ln>
+                  <a:noFill/>
+                </a:ln>
+                <a:solidFill>
+                  <a:srgbClr val="CC7832"/>
+                </a:solidFill>
+                <a:effectLst/>
+                <a:latin typeface="Courier New" panose="02070309020205020404" pitchFamily="49" charset="0"/>
+                <a:cs typeface="Courier New" panose="02070309020205020404" pitchFamily="49" charset="0"/>
+              </a:rPr>
+              <a:t>;</a:t>
+            </a:r>
+            <a:endParaRPr kumimoji="0" lang="en-US" sz="2000" b="0" i="0" u="none" strike="noStrike" cap="none" normalizeH="0" baseline="0" dirty="0" smtClean="0">
+              <a:ln>
+                <a:noFill/>
+              </a:ln>
+              <a:solidFill>
+                <a:schemeClr val="tx1"/>
+              </a:solidFill>
+              <a:effectLst/>
+              <a:latin typeface="Arial" panose="020B0604020202020204" pitchFamily="34" charset="0"/>
+            </a:endParaRPr>
+          </a:p>
+        </p:txBody>
+      </p:sp>
+    </p:spTree>
+    <p:extLst>
+      <p:ext uri="{BB962C8B-B14F-4D97-AF65-F5344CB8AC3E}">
+        <p14:creationId xmlns:p14="http://schemas.microsoft.com/office/powerpoint/2010/main" val="1109586215"/>
+      </p:ext>
+    </p:extLst>
+  </p:cSld>
+  <p:clrMapOvr>
+    <a:masterClrMapping/>
+  </p:clrMapOvr>
+</p:sld>
+</file>
+
+<file path=ppt/slides/slide37.xml><?xml version="1.0" encoding="utf-8"?>
+<p:sld xmlns:a="http://schemas.openxmlformats.org/drawingml/2006/main" xmlns:r="http://schemas.openxmlformats.org/officeDocument/2006/relationships" xmlns:p="http://schemas.openxmlformats.org/presentationml/2006/main">
+  <p:cSld>
+    <p:spTree>
+      <p:nvGrpSpPr>
+        <p:cNvPr id="1" name=""/>
+        <p:cNvGrpSpPr/>
+        <p:nvPr/>
+      </p:nvGrpSpPr>
+      <p:grpSpPr>
+        <a:xfrm>
+          <a:off x="0" y="0"/>
+          <a:ext cx="0" cy="0"/>
+          <a:chOff x="0" y="0"/>
+          <a:chExt cx="0" cy="0"/>
+        </a:xfrm>
+      </p:grpSpPr>
+      <p:sp>
+        <p:nvSpPr>
+          <p:cNvPr id="2" name="Title 1"/>
+          <p:cNvSpPr>
+            <a:spLocks noGrp="1"/>
+          </p:cNvSpPr>
+          <p:nvPr>
+            <p:ph type="title"/>
+          </p:nvPr>
+        </p:nvSpPr>
+        <p:spPr/>
+        <p:txBody>
+          <a:bodyPr/>
+          <a:lstStyle/>
+          <a:p>
+            <a:r>
+              <a:rPr lang="en-ZA" dirty="0" smtClean="0"/>
+              <a:t>Hello</a:t>
+            </a:r>
+            <a:endParaRPr lang="en-ZA" dirty="0"/>
+          </a:p>
+        </p:txBody>
+      </p:sp>
+      <p:sp>
+        <p:nvSpPr>
+          <p:cNvPr id="4" name="Rectangle 1"/>
+          <p:cNvSpPr>
+            <a:spLocks noGrp="1" noChangeArrowheads="1"/>
+          </p:cNvSpPr>
+          <p:nvPr>
+            <p:ph idx="1"/>
+          </p:nvPr>
+        </p:nvSpPr>
+        <p:spPr bwMode="auto">
+          <a:xfrm>
+            <a:off x="3203045" y="1741294"/>
+            <a:ext cx="4647426" cy="2554545"/>
+          </a:xfrm>
+          <a:prstGeom prst="rect">
+            <a:avLst/>
+          </a:prstGeom>
+          <a:solidFill>
+            <a:srgbClr val="2B2B2B"/>
+          </a:solidFill>
+          <a:ln>
+            <a:noFill/>
+          </a:ln>
+          <a:effectLst/>
+          <a:extLst>
+            <a:ext uri="{91240B29-F687-4F45-9708-019B960494DF}">
+              <a14:hiddenLine xmlns:a14="http://schemas.microsoft.com/office/drawing/2010/main" w="9525">
+                <a:solidFill>
+                  <a:schemeClr val="tx1"/>
+                </a:solidFill>
+                <a:miter lim="800000"/>
+                <a:headEnd/>
+                <a:tailEnd/>
+              </a14:hiddenLine>
+            </a:ext>
+            <a:ext uri="{AF507438-7753-43E0-B8FC-AC1667EBCBE1}">
+              <a14:hiddenEffects xmlns:a14="http://schemas.microsoft.com/office/drawing/2010/main">
+                <a:effectLst>
+                  <a:outerShdw dist="35921" dir="2700000" algn="ctr" rotWithShape="0">
+                    <a:schemeClr val="bg2"/>
+                  </a:outerShdw>
+                </a:effectLst>
+              </a14:hiddenEffects>
+            </a:ext>
+          </a:extLst>
+        </p:spPr>
+        <p:txBody>
+          <a:bodyPr vert="horz" wrap="none" lIns="91440" tIns="45720" rIns="91440" bIns="45720" numCol="1" anchor="ctr" anchorCtr="0" compatLnSpc="1">
+            <a:prstTxWarp prst="textNoShape">
+              <a:avLst/>
+            </a:prstTxWarp>
+            <a:spAutoFit/>
+          </a:bodyPr>
+          <a:lstStyle/>
+          <a:p>
+            <a:pPr marL="0" marR="0" lvl="0" indent="0" algn="l" defTabSz="914400" rtl="0" eaLnBrk="0" fontAlgn="base" latinLnBrk="0" hangingPunct="0">
+              <a:lnSpc>
+                <a:spcPct val="100000"/>
+              </a:lnSpc>
+              <a:spcBef>
+                <a:spcPct val="0"/>
+              </a:spcBef>
+              <a:spcAft>
+                <a:spcPct val="0"/>
+              </a:spcAft>
+              <a:buClrTx/>
+              <a:buSzTx/>
+              <a:buFontTx/>
+              <a:buNone/>
+              <a:tabLst/>
+            </a:pPr>
+            <a:r>
+              <a:rPr kumimoji="0" lang="en-US" b="0" i="0" u="none" strike="noStrike" cap="none" normalizeH="0" baseline="0" dirty="0" smtClean="0">
+                <a:ln>
+                  <a:noFill/>
+                </a:ln>
+                <a:solidFill>
+                  <a:srgbClr val="E8BF6A"/>
+                </a:solidFill>
+                <a:effectLst/>
+                <a:latin typeface="Courier New" panose="02070309020205020404" pitchFamily="49" charset="0"/>
+                <a:cs typeface="Courier New" panose="02070309020205020404" pitchFamily="49" charset="0"/>
+              </a:rPr>
+              <a:t>&lt;div&gt;</a:t>
+            </a:r>
+            <a:br>
+              <a:rPr kumimoji="0" lang="en-US" b="0" i="0" u="none" strike="noStrike" cap="none" normalizeH="0" baseline="0" dirty="0" smtClean="0">
+                <a:ln>
+                  <a:noFill/>
+                </a:ln>
+                <a:solidFill>
+                  <a:srgbClr val="E8BF6A"/>
+                </a:solidFill>
+                <a:effectLst/>
+                <a:latin typeface="Courier New" panose="02070309020205020404" pitchFamily="49" charset="0"/>
+                <a:cs typeface="Courier New" panose="02070309020205020404" pitchFamily="49" charset="0"/>
+              </a:rPr>
+            </a:br>
+            <a:r>
+              <a:rPr kumimoji="0" lang="en-US" b="0" i="0" u="none" strike="noStrike" cap="none" normalizeH="0" baseline="0" dirty="0" smtClean="0">
+                <a:ln>
+                  <a:noFill/>
+                </a:ln>
+                <a:solidFill>
+                  <a:srgbClr val="E8BF6A"/>
+                </a:solidFill>
+                <a:effectLst/>
+                <a:latin typeface="Courier New" panose="02070309020205020404" pitchFamily="49" charset="0"/>
+                <a:cs typeface="Courier New" panose="02070309020205020404" pitchFamily="49" charset="0"/>
+              </a:rPr>
+              <a:t>    </a:t>
+            </a:r>
+            <a:r>
+              <a:rPr kumimoji="0" lang="en-US" b="0" i="0" u="none" strike="noStrike" cap="none" normalizeH="0" baseline="0" dirty="0" smtClean="0">
+                <a:ln>
+                  <a:noFill/>
+                </a:ln>
+                <a:solidFill>
+                  <a:srgbClr val="A9B7C6"/>
+                </a:solidFill>
+                <a:effectLst/>
+                <a:latin typeface="Courier New" panose="02070309020205020404" pitchFamily="49" charset="0"/>
+                <a:cs typeface="Courier New" panose="02070309020205020404" pitchFamily="49" charset="0"/>
+              </a:rPr>
+              <a:t>{{#</a:t>
+            </a:r>
+            <a:r>
+              <a:rPr kumimoji="0" lang="en-US" b="1" i="0" u="none" strike="noStrike" cap="none" normalizeH="0" baseline="0" dirty="0" smtClean="0">
+                <a:ln>
+                  <a:noFill/>
+                </a:ln>
+                <a:solidFill>
+                  <a:srgbClr val="CC7832"/>
+                </a:solidFill>
+                <a:effectLst/>
+                <a:latin typeface="Courier New" panose="02070309020205020404" pitchFamily="49" charset="0"/>
+                <a:cs typeface="Courier New" panose="02070309020205020404" pitchFamily="49" charset="0"/>
+              </a:rPr>
+              <a:t>if name</a:t>
+            </a:r>
+            <a:r>
+              <a:rPr kumimoji="0" lang="en-US" b="0" i="0" u="none" strike="noStrike" cap="none" normalizeH="0" baseline="0" dirty="0" smtClean="0">
+                <a:ln>
+                  <a:noFill/>
+                </a:ln>
+                <a:solidFill>
+                  <a:srgbClr val="A9B7C6"/>
+                </a:solidFill>
+                <a:effectLst/>
+                <a:latin typeface="Courier New" panose="02070309020205020404" pitchFamily="49" charset="0"/>
+                <a:cs typeface="Courier New" panose="02070309020205020404" pitchFamily="49" charset="0"/>
+              </a:rPr>
+              <a:t>}}</a:t>
+            </a:r>
+            <a:br>
+              <a:rPr kumimoji="0" lang="en-US" b="0" i="0" u="none" strike="noStrike" cap="none" normalizeH="0" baseline="0" dirty="0" smtClean="0">
+                <a:ln>
+                  <a:noFill/>
+                </a:ln>
+                <a:solidFill>
+                  <a:srgbClr val="A9B7C6"/>
+                </a:solidFill>
+                <a:effectLst/>
+                <a:latin typeface="Courier New" panose="02070309020205020404" pitchFamily="49" charset="0"/>
+                <a:cs typeface="Courier New" panose="02070309020205020404" pitchFamily="49" charset="0"/>
+              </a:rPr>
+            </a:br>
+            <a:r>
+              <a:rPr kumimoji="0" lang="en-US" b="0" i="0" u="none" strike="noStrike" cap="none" normalizeH="0" baseline="0" dirty="0" smtClean="0">
+                <a:ln>
+                  <a:noFill/>
+                </a:ln>
+                <a:solidFill>
+                  <a:srgbClr val="A9B7C6"/>
+                </a:solidFill>
+                <a:effectLst/>
+                <a:latin typeface="Courier New" panose="02070309020205020404" pitchFamily="49" charset="0"/>
+                <a:cs typeface="Courier New" panose="02070309020205020404" pitchFamily="49" charset="0"/>
+              </a:rPr>
+              <a:t>        Hello </a:t>
+            </a:r>
+            <a:r>
+              <a:rPr kumimoji="0" lang="en-US" b="0" i="0" u="none" strike="noStrike" cap="none" normalizeH="0" baseline="0" dirty="0" smtClean="0">
+                <a:ln>
+                  <a:noFill/>
+                </a:ln>
+                <a:solidFill>
+                  <a:srgbClr val="E8BF6A"/>
+                </a:solidFill>
+                <a:effectLst/>
+                <a:latin typeface="Courier New" panose="02070309020205020404" pitchFamily="49" charset="0"/>
+                <a:cs typeface="Courier New" panose="02070309020205020404" pitchFamily="49" charset="0"/>
+              </a:rPr>
+              <a:t>&lt;b&gt;</a:t>
+            </a:r>
+            <a:r>
+              <a:rPr kumimoji="0" lang="en-US" b="0" i="0" u="none" strike="noStrike" cap="none" normalizeH="0" baseline="0" dirty="0" smtClean="0">
+                <a:ln>
+                  <a:noFill/>
+                </a:ln>
+                <a:solidFill>
+                  <a:srgbClr val="A9B7C6"/>
+                </a:solidFill>
+                <a:effectLst/>
+                <a:latin typeface="Courier New" panose="02070309020205020404" pitchFamily="49" charset="0"/>
+                <a:cs typeface="Courier New" panose="02070309020205020404" pitchFamily="49" charset="0"/>
+              </a:rPr>
+              <a:t>{{</a:t>
+            </a:r>
+            <a:r>
+              <a:rPr kumimoji="0" lang="en-US" b="1" i="0" u="none" strike="noStrike" cap="none" normalizeH="0" baseline="0" dirty="0" smtClean="0">
+                <a:ln>
+                  <a:noFill/>
+                </a:ln>
+                <a:solidFill>
+                  <a:srgbClr val="CC7832"/>
+                </a:solidFill>
+                <a:effectLst/>
+                <a:latin typeface="Courier New" panose="02070309020205020404" pitchFamily="49" charset="0"/>
+                <a:cs typeface="Courier New" panose="02070309020205020404" pitchFamily="49" charset="0"/>
+              </a:rPr>
+              <a:t>name</a:t>
+            </a:r>
+            <a:r>
+              <a:rPr kumimoji="0" lang="en-US" b="0" i="0" u="none" strike="noStrike" cap="none" normalizeH="0" baseline="0" dirty="0" smtClean="0">
+                <a:ln>
+                  <a:noFill/>
+                </a:ln>
+                <a:solidFill>
+                  <a:srgbClr val="A9B7C6"/>
+                </a:solidFill>
+                <a:effectLst/>
+                <a:latin typeface="Courier New" panose="02070309020205020404" pitchFamily="49" charset="0"/>
+                <a:cs typeface="Courier New" panose="02070309020205020404" pitchFamily="49" charset="0"/>
+              </a:rPr>
+              <a:t>}}</a:t>
+            </a:r>
+            <a:r>
+              <a:rPr kumimoji="0" lang="en-US" b="0" i="0" u="none" strike="noStrike" cap="none" normalizeH="0" baseline="0" dirty="0" smtClean="0">
+                <a:ln>
+                  <a:noFill/>
+                </a:ln>
+                <a:solidFill>
+                  <a:srgbClr val="E8BF6A"/>
+                </a:solidFill>
+                <a:effectLst/>
+                <a:latin typeface="Courier New" panose="02070309020205020404" pitchFamily="49" charset="0"/>
+                <a:cs typeface="Courier New" panose="02070309020205020404" pitchFamily="49" charset="0"/>
+              </a:rPr>
+              <a:t>&lt;/b&gt;</a:t>
+            </a:r>
+            <a:br>
+              <a:rPr kumimoji="0" lang="en-US" b="0" i="0" u="none" strike="noStrike" cap="none" normalizeH="0" baseline="0" dirty="0" smtClean="0">
+                <a:ln>
+                  <a:noFill/>
+                </a:ln>
+                <a:solidFill>
+                  <a:srgbClr val="E8BF6A"/>
+                </a:solidFill>
+                <a:effectLst/>
+                <a:latin typeface="Courier New" panose="02070309020205020404" pitchFamily="49" charset="0"/>
+                <a:cs typeface="Courier New" panose="02070309020205020404" pitchFamily="49" charset="0"/>
+              </a:rPr>
+            </a:br>
+            <a:r>
+              <a:rPr kumimoji="0" lang="en-US" b="0" i="0" u="none" strike="noStrike" cap="none" normalizeH="0" baseline="0" dirty="0" smtClean="0">
+                <a:ln>
+                  <a:noFill/>
+                </a:ln>
+                <a:solidFill>
+                  <a:srgbClr val="E8BF6A"/>
+                </a:solidFill>
+                <a:effectLst/>
+                <a:latin typeface="Courier New" panose="02070309020205020404" pitchFamily="49" charset="0"/>
+                <a:cs typeface="Courier New" panose="02070309020205020404" pitchFamily="49" charset="0"/>
+              </a:rPr>
+              <a:t>    </a:t>
+            </a:r>
+            <a:r>
+              <a:rPr kumimoji="0" lang="en-US" b="0" i="0" u="none" strike="noStrike" cap="none" normalizeH="0" baseline="0" dirty="0" smtClean="0">
+                <a:ln>
+                  <a:noFill/>
+                </a:ln>
+                <a:solidFill>
+                  <a:srgbClr val="A9B7C6"/>
+                </a:solidFill>
+                <a:effectLst/>
+                <a:latin typeface="Courier New" panose="02070309020205020404" pitchFamily="49" charset="0"/>
+                <a:cs typeface="Courier New" panose="02070309020205020404" pitchFamily="49" charset="0"/>
+              </a:rPr>
+              <a:t>{{</a:t>
+            </a:r>
+            <a:r>
+              <a:rPr kumimoji="0" lang="en-US" b="1" i="0" u="none" strike="noStrike" cap="none" normalizeH="0" baseline="0" dirty="0" smtClean="0">
+                <a:ln>
+                  <a:noFill/>
+                </a:ln>
+                <a:solidFill>
+                  <a:srgbClr val="CC7832"/>
+                </a:solidFill>
+                <a:effectLst/>
+                <a:latin typeface="Courier New" panose="02070309020205020404" pitchFamily="49" charset="0"/>
+                <a:cs typeface="Courier New" panose="02070309020205020404" pitchFamily="49" charset="0"/>
+              </a:rPr>
+              <a:t>else</a:t>
+            </a:r>
+            <a:r>
+              <a:rPr kumimoji="0" lang="en-US" b="0" i="0" u="none" strike="noStrike" cap="none" normalizeH="0" baseline="0" dirty="0" smtClean="0">
+                <a:ln>
+                  <a:noFill/>
+                </a:ln>
+                <a:solidFill>
+                  <a:srgbClr val="A9B7C6"/>
+                </a:solidFill>
+                <a:effectLst/>
+                <a:latin typeface="Courier New" panose="02070309020205020404" pitchFamily="49" charset="0"/>
+                <a:cs typeface="Courier New" panose="02070309020205020404" pitchFamily="49" charset="0"/>
+              </a:rPr>
+              <a:t>}}</a:t>
+            </a:r>
+            <a:br>
+              <a:rPr kumimoji="0" lang="en-US" b="0" i="0" u="none" strike="noStrike" cap="none" normalizeH="0" baseline="0" dirty="0" smtClean="0">
+                <a:ln>
+                  <a:noFill/>
+                </a:ln>
+                <a:solidFill>
+                  <a:srgbClr val="A9B7C6"/>
+                </a:solidFill>
+                <a:effectLst/>
+                <a:latin typeface="Courier New" panose="02070309020205020404" pitchFamily="49" charset="0"/>
+                <a:cs typeface="Courier New" panose="02070309020205020404" pitchFamily="49" charset="0"/>
+              </a:rPr>
+            </a:br>
+            <a:r>
+              <a:rPr kumimoji="0" lang="en-US" b="0" i="0" u="none" strike="noStrike" cap="none" normalizeH="0" baseline="0" dirty="0" smtClean="0">
+                <a:ln>
+                  <a:noFill/>
+                </a:ln>
+                <a:solidFill>
+                  <a:srgbClr val="A9B7C6"/>
+                </a:solidFill>
+                <a:effectLst/>
+                <a:latin typeface="Courier New" panose="02070309020205020404" pitchFamily="49" charset="0"/>
+                <a:cs typeface="Courier New" panose="02070309020205020404" pitchFamily="49" charset="0"/>
+              </a:rPr>
+              <a:t>        Hello </a:t>
+            </a:r>
+            <a:r>
+              <a:rPr kumimoji="0" lang="en-US" b="0" i="0" u="none" strike="noStrike" cap="none" normalizeH="0" baseline="0" dirty="0" smtClean="0">
+                <a:ln>
+                  <a:noFill/>
+                </a:ln>
+                <a:solidFill>
+                  <a:srgbClr val="E8BF6A"/>
+                </a:solidFill>
+                <a:effectLst/>
+                <a:latin typeface="Courier New" panose="02070309020205020404" pitchFamily="49" charset="0"/>
+                <a:cs typeface="Courier New" panose="02070309020205020404" pitchFamily="49" charset="0"/>
+              </a:rPr>
+              <a:t>&lt;b&gt;</a:t>
+            </a:r>
+            <a:r>
+              <a:rPr kumimoji="0" lang="en-US" b="0" i="0" u="none" strike="noStrike" cap="none" normalizeH="0" baseline="0" dirty="0" smtClean="0">
+                <a:ln>
+                  <a:noFill/>
+                </a:ln>
+                <a:solidFill>
+                  <a:srgbClr val="A9B7C6"/>
+                </a:solidFill>
+                <a:effectLst/>
+                <a:latin typeface="Courier New" panose="02070309020205020404" pitchFamily="49" charset="0"/>
+                <a:cs typeface="Courier New" panose="02070309020205020404" pitchFamily="49" charset="0"/>
+              </a:rPr>
+              <a:t>Stranger</a:t>
+            </a:r>
+            <a:r>
+              <a:rPr kumimoji="0" lang="en-US" b="0" i="0" u="none" strike="noStrike" cap="none" normalizeH="0" baseline="0" dirty="0" smtClean="0">
+                <a:ln>
+                  <a:noFill/>
+                </a:ln>
+                <a:solidFill>
+                  <a:srgbClr val="E8BF6A"/>
+                </a:solidFill>
+                <a:effectLst/>
+                <a:latin typeface="Courier New" panose="02070309020205020404" pitchFamily="49" charset="0"/>
+                <a:cs typeface="Courier New" panose="02070309020205020404" pitchFamily="49" charset="0"/>
+              </a:rPr>
+              <a:t>&lt;/b&gt;</a:t>
+            </a:r>
+            <a:br>
+              <a:rPr kumimoji="0" lang="en-US" b="0" i="0" u="none" strike="noStrike" cap="none" normalizeH="0" baseline="0" dirty="0" smtClean="0">
+                <a:ln>
+                  <a:noFill/>
+                </a:ln>
+                <a:solidFill>
+                  <a:srgbClr val="E8BF6A"/>
+                </a:solidFill>
+                <a:effectLst/>
+                <a:latin typeface="Courier New" panose="02070309020205020404" pitchFamily="49" charset="0"/>
+                <a:cs typeface="Courier New" panose="02070309020205020404" pitchFamily="49" charset="0"/>
+              </a:rPr>
+            </a:br>
+            <a:r>
+              <a:rPr kumimoji="0" lang="en-US" b="0" i="0" u="none" strike="noStrike" cap="none" normalizeH="0" baseline="0" dirty="0" smtClean="0">
+                <a:ln>
+                  <a:noFill/>
+                </a:ln>
+                <a:solidFill>
+                  <a:srgbClr val="E8BF6A"/>
+                </a:solidFill>
+                <a:effectLst/>
+                <a:latin typeface="Courier New" panose="02070309020205020404" pitchFamily="49" charset="0"/>
+                <a:cs typeface="Courier New" panose="02070309020205020404" pitchFamily="49" charset="0"/>
+              </a:rPr>
+              <a:t>    </a:t>
+            </a:r>
+            <a:r>
+              <a:rPr kumimoji="0" lang="en-US" b="0" i="0" u="none" strike="noStrike" cap="none" normalizeH="0" baseline="0" dirty="0" smtClean="0">
+                <a:ln>
+                  <a:noFill/>
+                </a:ln>
+                <a:solidFill>
+                  <a:srgbClr val="A9B7C6"/>
+                </a:solidFill>
+                <a:effectLst/>
+                <a:latin typeface="Courier New" panose="02070309020205020404" pitchFamily="49" charset="0"/>
+                <a:cs typeface="Courier New" panose="02070309020205020404" pitchFamily="49" charset="0"/>
+              </a:rPr>
+              <a:t>{{/</a:t>
+            </a:r>
+            <a:r>
+              <a:rPr kumimoji="0" lang="en-US" b="1" i="0" u="none" strike="noStrike" cap="none" normalizeH="0" baseline="0" dirty="0" smtClean="0">
+                <a:ln>
+                  <a:noFill/>
+                </a:ln>
+                <a:solidFill>
+                  <a:srgbClr val="CC7832"/>
+                </a:solidFill>
+                <a:effectLst/>
+                <a:latin typeface="Courier New" panose="02070309020205020404" pitchFamily="49" charset="0"/>
+                <a:cs typeface="Courier New" panose="02070309020205020404" pitchFamily="49" charset="0"/>
+              </a:rPr>
+              <a:t>if</a:t>
+            </a:r>
+            <a:r>
+              <a:rPr kumimoji="0" lang="en-US" b="0" i="0" u="none" strike="noStrike" cap="none" normalizeH="0" baseline="0" dirty="0" smtClean="0">
+                <a:ln>
+                  <a:noFill/>
+                </a:ln>
+                <a:solidFill>
+                  <a:srgbClr val="A9B7C6"/>
+                </a:solidFill>
+                <a:effectLst/>
+                <a:latin typeface="Courier New" panose="02070309020205020404" pitchFamily="49" charset="0"/>
+                <a:cs typeface="Courier New" panose="02070309020205020404" pitchFamily="49" charset="0"/>
+              </a:rPr>
+              <a:t>}}</a:t>
+            </a:r>
+            <a:br>
+              <a:rPr kumimoji="0" lang="en-US" b="0" i="0" u="none" strike="noStrike" cap="none" normalizeH="0" baseline="0" dirty="0" smtClean="0">
+                <a:ln>
+                  <a:noFill/>
+                </a:ln>
+                <a:solidFill>
+                  <a:srgbClr val="A9B7C6"/>
+                </a:solidFill>
+                <a:effectLst/>
+                <a:latin typeface="Courier New" panose="02070309020205020404" pitchFamily="49" charset="0"/>
+                <a:cs typeface="Courier New" panose="02070309020205020404" pitchFamily="49" charset="0"/>
+              </a:rPr>
+            </a:br>
+            <a:r>
+              <a:rPr kumimoji="0" lang="en-US" b="0" i="0" u="none" strike="noStrike" cap="none" normalizeH="0" baseline="0" dirty="0" smtClean="0">
+                <a:ln>
+                  <a:noFill/>
+                </a:ln>
+                <a:solidFill>
+                  <a:srgbClr val="E8BF6A"/>
+                </a:solidFill>
+                <a:effectLst/>
+                <a:latin typeface="Courier New" panose="02070309020205020404" pitchFamily="49" charset="0"/>
+                <a:cs typeface="Courier New" panose="02070309020205020404" pitchFamily="49" charset="0"/>
+              </a:rPr>
+              <a:t>&lt;/div&gt;</a:t>
+            </a:r>
+            <a:br>
+              <a:rPr kumimoji="0" lang="en-US" b="0" i="0" u="none" strike="noStrike" cap="none" normalizeH="0" baseline="0" dirty="0" smtClean="0">
+                <a:ln>
+                  <a:noFill/>
+                </a:ln>
+                <a:solidFill>
+                  <a:srgbClr val="E8BF6A"/>
+                </a:solidFill>
+                <a:effectLst/>
+                <a:latin typeface="Courier New" panose="02070309020205020404" pitchFamily="49" charset="0"/>
+                <a:cs typeface="Courier New" panose="02070309020205020404" pitchFamily="49" charset="0"/>
+              </a:rPr>
+            </a:br>
+            <a:endParaRPr kumimoji="0" lang="en-US" b="0" i="0" u="none" strike="noStrike" cap="none" normalizeH="0" baseline="0" dirty="0" smtClean="0">
+              <a:ln>
+                <a:noFill/>
+              </a:ln>
+              <a:solidFill>
+                <a:schemeClr val="tx1"/>
+              </a:solidFill>
+              <a:effectLst/>
+              <a:latin typeface="Arial" panose="020B0604020202020204" pitchFamily="34" charset="0"/>
+            </a:endParaRPr>
+          </a:p>
+        </p:txBody>
+      </p:sp>
+      <p:sp>
+        <p:nvSpPr>
+          <p:cNvPr id="8" name="TextBox 7"/>
+          <p:cNvSpPr txBox="1"/>
+          <p:nvPr/>
+        </p:nvSpPr>
+        <p:spPr>
+          <a:xfrm>
+            <a:off x="1354665" y="5260238"/>
+            <a:ext cx="970845" cy="646331"/>
+          </a:xfrm>
+          <a:prstGeom prst="rect">
+            <a:avLst/>
+          </a:prstGeom>
+          <a:noFill/>
+        </p:spPr>
+        <p:txBody>
+          <a:bodyPr wrap="square" rtlCol="0">
+            <a:spAutoFit/>
+          </a:bodyPr>
+          <a:lstStyle/>
+          <a:p>
+            <a:r>
+              <a:rPr lang="en-ZA" dirty="0" smtClean="0"/>
+              <a:t>Code</a:t>
+            </a:r>
+          </a:p>
+          <a:p>
+            <a:endParaRPr lang="en-ZA" dirty="0"/>
+          </a:p>
+        </p:txBody>
+      </p:sp>
+    </p:spTree>
+    <p:extLst>
+      <p:ext uri="{BB962C8B-B14F-4D97-AF65-F5344CB8AC3E}">
+        <p14:creationId xmlns:p14="http://schemas.microsoft.com/office/powerpoint/2010/main" val="3272654028"/>
+      </p:ext>
+    </p:extLst>
+  </p:cSld>
+  <p:clrMapOvr>
+    <a:masterClrMapping/>
+  </p:clrMapOvr>
+</p:sld>
+</file>
+
+<file path=ppt/slides/slide38.xml><?xml version="1.0" encoding="utf-8"?>
+<p:sld xmlns:a="http://schemas.openxmlformats.org/drawingml/2006/main" xmlns:r="http://schemas.openxmlformats.org/officeDocument/2006/relationships" xmlns:p="http://schemas.openxmlformats.org/presentationml/2006/main">
+  <p:cSld>
+    <p:spTree>
+      <p:nvGrpSpPr>
+        <p:cNvPr id="1" name=""/>
+        <p:cNvGrpSpPr/>
+        <p:nvPr/>
+      </p:nvGrpSpPr>
+      <p:grpSpPr>
+        <a:xfrm>
+          <a:off x="0" y="0"/>
+          <a:ext cx="0" cy="0"/>
+          <a:chOff x="0" y="0"/>
+          <a:chExt cx="0" cy="0"/>
+        </a:xfrm>
+      </p:grpSpPr>
+      <p:sp>
+        <p:nvSpPr>
+          <p:cNvPr id="2" name="Title 1"/>
+          <p:cNvSpPr>
+            <a:spLocks noGrp="1"/>
+          </p:cNvSpPr>
+          <p:nvPr>
+            <p:ph type="title"/>
+          </p:nvPr>
+        </p:nvSpPr>
+        <p:spPr/>
+        <p:txBody>
+          <a:bodyPr/>
+          <a:lstStyle/>
+          <a:p>
+            <a:r>
+              <a:rPr lang="en-ZA" dirty="0" smtClean="0"/>
+              <a:t>Block helpers	</a:t>
+            </a:r>
+            <a:endParaRPr lang="en-ZA" dirty="0"/>
+          </a:p>
+        </p:txBody>
+      </p:sp>
+      <p:sp>
+        <p:nvSpPr>
+          <p:cNvPr id="3" name="Content Placeholder 2"/>
+          <p:cNvSpPr>
+            <a:spLocks noGrp="1"/>
+          </p:cNvSpPr>
+          <p:nvPr>
+            <p:ph idx="1"/>
+          </p:nvPr>
+        </p:nvSpPr>
+        <p:spPr/>
+        <p:txBody>
+          <a:bodyPr/>
+          <a:lstStyle/>
+          <a:p>
+            <a:r>
+              <a:rPr lang="en-ZA" dirty="0" smtClean="0"/>
+              <a:t>#each – iterate through a list </a:t>
+            </a:r>
+          </a:p>
+          <a:p>
+            <a:endParaRPr lang="en-ZA" dirty="0"/>
+          </a:p>
+          <a:p>
+            <a:r>
+              <a:rPr lang="en-ZA" dirty="0" smtClean="0"/>
+              <a:t>#with – switch context </a:t>
+            </a:r>
+          </a:p>
+          <a:p>
+            <a:endParaRPr lang="en-ZA" dirty="0"/>
+          </a:p>
+          <a:p>
+            <a:r>
+              <a:rPr lang="en-ZA" dirty="0" smtClean="0"/>
+              <a:t>#if – render conditionally. [], {} are also </a:t>
+            </a:r>
+            <a:r>
+              <a:rPr lang="en-ZA" dirty="0" err="1" smtClean="0"/>
+              <a:t>falsy</a:t>
+            </a:r>
+            <a:r>
+              <a:rPr lang="en-ZA" dirty="0" smtClean="0"/>
+              <a:t>.</a:t>
+            </a:r>
+          </a:p>
+          <a:p>
+            <a:endParaRPr lang="en-ZA" dirty="0" smtClean="0"/>
+          </a:p>
+          <a:p>
+            <a:r>
+              <a:rPr lang="en-ZA" dirty="0" smtClean="0"/>
+              <a:t>#unless – opposite of #if</a:t>
+            </a:r>
+          </a:p>
+          <a:p>
+            <a:endParaRPr lang="en-ZA" dirty="0"/>
+          </a:p>
+          <a:p>
+            <a:r>
+              <a:rPr lang="en-ZA" dirty="0" smtClean="0"/>
+              <a:t>More at: http</a:t>
+            </a:r>
+            <a:r>
+              <a:rPr lang="en-ZA" dirty="0"/>
+              <a:t>://handlebarsjs.com/block_helpers.html</a:t>
+            </a:r>
+          </a:p>
+        </p:txBody>
+      </p:sp>
+    </p:spTree>
+    <p:extLst>
+      <p:ext uri="{BB962C8B-B14F-4D97-AF65-F5344CB8AC3E}">
+        <p14:creationId xmlns:p14="http://schemas.microsoft.com/office/powerpoint/2010/main" val="1207895413"/>
+      </p:ext>
+    </p:extLst>
+  </p:cSld>
+  <p:clrMapOvr>
+    <a:masterClrMapping/>
+  </p:clrMapOvr>
+</p:sld>
+</file>
+
+<file path=ppt/slides/slide39.xml><?xml version="1.0" encoding="utf-8"?>
+<p:sld xmlns:a="http://schemas.openxmlformats.org/drawingml/2006/main" xmlns:r="http://schemas.openxmlformats.org/officeDocument/2006/relationships" xmlns:p="http://schemas.openxmlformats.org/presentationml/2006/main">
+  <p:cSld>
+    <p:spTree>
+      <p:nvGrpSpPr>
+        <p:cNvPr id="1" name=""/>
+        <p:cNvGrpSpPr/>
+        <p:nvPr/>
+      </p:nvGrpSpPr>
+      <p:grpSpPr>
+        <a:xfrm>
+          <a:off x="0" y="0"/>
+          <a:ext cx="0" cy="0"/>
+          <a:chOff x="0" y="0"/>
+          <a:chExt cx="0" cy="0"/>
+        </a:xfrm>
+      </p:grpSpPr>
+      <p:sp>
+        <p:nvSpPr>
+          <p:cNvPr id="2" name="Title 1"/>
+          <p:cNvSpPr>
+            <a:spLocks noGrp="1"/>
+          </p:cNvSpPr>
+          <p:nvPr>
+            <p:ph type="title"/>
+          </p:nvPr>
+        </p:nvSpPr>
+        <p:spPr/>
+        <p:txBody>
+          <a:bodyPr/>
+          <a:lstStyle/>
+          <a:p>
+            <a:r>
+              <a:rPr lang="en-ZA" dirty="0" smtClean="0"/>
+              <a:t>Partials </a:t>
+            </a:r>
+            <a:endParaRPr lang="en-ZA" dirty="0"/>
+          </a:p>
+        </p:txBody>
+      </p:sp>
+      <p:sp>
+        <p:nvSpPr>
+          <p:cNvPr id="3" name="Content Placeholder 2"/>
+          <p:cNvSpPr>
+            <a:spLocks noGrp="1"/>
+          </p:cNvSpPr>
+          <p:nvPr>
+            <p:ph idx="1"/>
+          </p:nvPr>
+        </p:nvSpPr>
+        <p:spPr/>
+        <p:txBody>
+          <a:bodyPr/>
+          <a:lstStyle/>
+          <a:p>
+            <a:r>
+              <a:rPr lang="en-ZA" dirty="0" smtClean="0"/>
+              <a:t>Reusable templates</a:t>
+            </a:r>
+          </a:p>
+          <a:p>
+            <a:endParaRPr lang="en-ZA" dirty="0" smtClean="0"/>
+          </a:p>
+          <a:p>
+            <a:r>
+              <a:rPr lang="en-ZA" dirty="0" smtClean="0"/>
+              <a:t>Can be in injected into other templates</a:t>
+            </a:r>
+            <a:endParaRPr lang="en-ZA" dirty="0"/>
+          </a:p>
+          <a:p>
+            <a:endParaRPr lang="en-ZA" dirty="0" smtClean="0"/>
+          </a:p>
+          <a:p>
+            <a:r>
+              <a:rPr lang="en-ZA" dirty="0" smtClean="0"/>
+              <a:t>Useful for </a:t>
+            </a:r>
+            <a:r>
+              <a:rPr lang="en-ZA" dirty="0" err="1" smtClean="0"/>
+              <a:t>navbars</a:t>
+            </a:r>
+            <a:r>
+              <a:rPr lang="en-ZA" dirty="0" smtClean="0"/>
+              <a:t>, footers, sidebars</a:t>
+            </a:r>
+          </a:p>
+          <a:p>
+            <a:endParaRPr lang="en-ZA" dirty="0"/>
+          </a:p>
+        </p:txBody>
+      </p:sp>
+      <p:sp>
+        <p:nvSpPr>
+          <p:cNvPr id="4" name="Rectangle 1"/>
+          <p:cNvSpPr>
+            <a:spLocks noChangeArrowheads="1"/>
+          </p:cNvSpPr>
+          <p:nvPr/>
+        </p:nvSpPr>
+        <p:spPr bwMode="auto">
+          <a:xfrm>
+            <a:off x="2122311" y="4837612"/>
+            <a:ext cx="7123289" cy="400110"/>
+          </a:xfrm>
+          <a:prstGeom prst="rect">
+            <a:avLst/>
+          </a:prstGeom>
+          <a:solidFill>
+            <a:srgbClr val="2B2B2B"/>
+          </a:solidFill>
+          <a:ln>
+            <a:noFill/>
+          </a:ln>
+          <a:effectLst/>
+          <a:extLst>
+            <a:ext uri="{91240B29-F687-4F45-9708-019B960494DF}">
+              <a14:hiddenLine xmlns:a14="http://schemas.microsoft.com/office/drawing/2010/main" w="9525">
+                <a:solidFill>
+                  <a:schemeClr val="tx1"/>
+                </a:solidFill>
+                <a:miter lim="800000"/>
+                <a:headEnd/>
+                <a:tailEnd/>
+              </a14:hiddenLine>
+            </a:ext>
+            <a:ext uri="{AF507438-7753-43E0-B8FC-AC1667EBCBE1}">
+              <a14:hiddenEffects xmlns:a14="http://schemas.microsoft.com/office/drawing/2010/main">
+                <a:effectLst>
+                  <a:outerShdw dist="35921" dir="2700000" algn="ctr" rotWithShape="0">
+                    <a:schemeClr val="bg2"/>
+                  </a:outerShdw>
+                </a:effectLst>
+              </a14:hiddenEffects>
+            </a:ext>
+          </a:extLst>
+        </p:spPr>
+        <p:txBody>
+          <a:bodyPr vert="horz" wrap="square" lIns="91440" tIns="45720" rIns="91440" bIns="45720" numCol="1" anchor="ctr" anchorCtr="0" compatLnSpc="1">
+            <a:prstTxWarp prst="textNoShape">
+              <a:avLst/>
+            </a:prstTxWarp>
+            <a:spAutoFit/>
+          </a:bodyPr>
+          <a:lstStyle/>
+          <a:p>
+            <a:pPr marL="0" marR="0" lvl="0" indent="0" algn="l" defTabSz="914400" rtl="0" eaLnBrk="0" fontAlgn="base" latinLnBrk="0" hangingPunct="0">
+              <a:lnSpc>
+                <a:spcPct val="100000"/>
+              </a:lnSpc>
+              <a:spcBef>
+                <a:spcPct val="0"/>
+              </a:spcBef>
+              <a:spcAft>
+                <a:spcPct val="0"/>
+              </a:spcAft>
+              <a:buClrTx/>
+              <a:buSzTx/>
+              <a:buFontTx/>
+              <a:buNone/>
+              <a:tabLst/>
+            </a:pPr>
+            <a:r>
+              <a:rPr kumimoji="0" lang="en-US" sz="2000" b="0" i="0" u="none" strike="noStrike" cap="none" normalizeH="0" baseline="0" dirty="0" err="1" smtClean="0">
+                <a:ln>
+                  <a:noFill/>
+                </a:ln>
+                <a:solidFill>
+                  <a:srgbClr val="A9B7C6"/>
+                </a:solidFill>
+                <a:effectLst/>
+                <a:latin typeface="Courier New" panose="02070309020205020404" pitchFamily="49" charset="0"/>
+                <a:cs typeface="Courier New" panose="02070309020205020404" pitchFamily="49" charset="0"/>
+              </a:rPr>
+              <a:t>hbs.</a:t>
+            </a:r>
+            <a:r>
+              <a:rPr kumimoji="0" lang="en-US" sz="2000" b="0" i="0" u="none" strike="noStrike" cap="none" normalizeH="0" baseline="0" dirty="0" err="1" smtClean="0">
+                <a:ln>
+                  <a:noFill/>
+                </a:ln>
+                <a:solidFill>
+                  <a:srgbClr val="FFC66D"/>
+                </a:solidFill>
+                <a:effectLst/>
+                <a:latin typeface="Courier New" panose="02070309020205020404" pitchFamily="49" charset="0"/>
+                <a:cs typeface="Courier New" panose="02070309020205020404" pitchFamily="49" charset="0"/>
+              </a:rPr>
+              <a:t>registerPartials</a:t>
+            </a:r>
+            <a:r>
+              <a:rPr kumimoji="0" lang="en-US" sz="2000" b="0" i="0" u="none" strike="noStrike" cap="none" normalizeH="0" baseline="0" dirty="0" smtClean="0">
+                <a:ln>
+                  <a:noFill/>
+                </a:ln>
+                <a:solidFill>
+                  <a:srgbClr val="A9B7C6"/>
+                </a:solidFill>
+                <a:effectLst/>
+                <a:latin typeface="Courier New" panose="02070309020205020404" pitchFamily="49" charset="0"/>
+                <a:cs typeface="Courier New" panose="02070309020205020404" pitchFamily="49" charset="0"/>
+              </a:rPr>
+              <a:t>(</a:t>
+            </a:r>
+            <a:r>
+              <a:rPr kumimoji="0" lang="en-US" sz="2000" b="0" i="0" u="none" strike="noStrike" cap="none" normalizeH="0" baseline="0" dirty="0" smtClean="0">
+                <a:ln>
+                  <a:noFill/>
+                </a:ln>
+                <a:solidFill>
+                  <a:srgbClr val="6A8759"/>
+                </a:solidFill>
+                <a:effectLst/>
+                <a:latin typeface="Courier New" panose="02070309020205020404" pitchFamily="49" charset="0"/>
+                <a:cs typeface="Courier New" panose="02070309020205020404" pitchFamily="49" charset="0"/>
+              </a:rPr>
+              <a:t>'../pages/partials'</a:t>
+            </a:r>
+            <a:r>
+              <a:rPr kumimoji="0" lang="en-US" sz="2000" b="0" i="0" u="none" strike="noStrike" cap="none" normalizeH="0" baseline="0" dirty="0" smtClean="0">
+                <a:ln>
+                  <a:noFill/>
+                </a:ln>
+                <a:solidFill>
+                  <a:srgbClr val="A9B7C6"/>
+                </a:solidFill>
+                <a:effectLst/>
+                <a:latin typeface="Courier New" panose="02070309020205020404" pitchFamily="49" charset="0"/>
+                <a:cs typeface="Courier New" panose="02070309020205020404" pitchFamily="49" charset="0"/>
+              </a:rPr>
+              <a:t>)</a:t>
+            </a:r>
+            <a:endParaRPr kumimoji="0" lang="en-US" sz="2000" b="0" i="0" u="none" strike="noStrike" cap="none" normalizeH="0" baseline="0" dirty="0" smtClean="0">
+              <a:ln>
+                <a:noFill/>
+              </a:ln>
+              <a:solidFill>
+                <a:schemeClr val="tx1"/>
+              </a:solidFill>
+              <a:effectLst/>
+              <a:latin typeface="Arial" panose="020B0604020202020204" pitchFamily="34" charset="0"/>
+            </a:endParaRPr>
+          </a:p>
+        </p:txBody>
+      </p:sp>
+    </p:spTree>
+    <p:extLst>
+      <p:ext uri="{BB962C8B-B14F-4D97-AF65-F5344CB8AC3E}">
+        <p14:creationId xmlns:p14="http://schemas.microsoft.com/office/powerpoint/2010/main" val="2544153480"/>
+      </p:ext>
+    </p:extLst>
+  </p:cSld>
+  <p:clrMapOvr>
+    <a:masterClrMapping/>
+  </p:clrMapOvr>
 </p:sld>
 </file>
 
